--- a/notebook-ideas.pptx
+++ b/notebook-ideas.pptx
@@ -2,13 +2,21 @@
 <file path=ppt/presentation.xml><?xml version="1.0" encoding="utf-8"?>
 <p:presentation xmlns:a="http://schemas.openxmlformats.org/drawingml/2006/main" xmlns:r="http://schemas.openxmlformats.org/officeDocument/2006/relationships" xmlns:p="http://schemas.openxmlformats.org/presentationml/2006/main" saveSubsetFonts="1" autoCompressPictures="0">
   <p:sldMasterIdLst>
-    <p:sldMasterId id="2147483648" r:id="rId1"/>
+    <p:sldMasterId id="2147483768" r:id="rId1"/>
   </p:sldMasterIdLst>
   <p:sldIdLst>
     <p:sldId id="256" r:id="rId2"/>
-    <p:sldId id="257" r:id="rId3"/>
-    <p:sldId id="258" r:id="rId4"/>
-    <p:sldId id="259" r:id="rId5"/>
+    <p:sldId id="262" r:id="rId3"/>
+    <p:sldId id="266" r:id="rId4"/>
+    <p:sldId id="267" r:id="rId5"/>
+    <p:sldId id="268" r:id="rId6"/>
+    <p:sldId id="269" r:id="rId7"/>
+    <p:sldId id="265" r:id="rId8"/>
+    <p:sldId id="263" r:id="rId9"/>
+    <p:sldId id="257" r:id="rId10"/>
+    <p:sldId id="261" r:id="rId11"/>
+    <p:sldId id="258" r:id="rId12"/>
+    <p:sldId id="264" r:id="rId13"/>
   </p:sldIdLst>
   <p:sldSz cx="12192000" cy="6858000"/>
   <p:notesSz cx="6858000" cy="9144000"/>
@@ -16,7 +24,7 @@
     <a:defPPr>
       <a:defRPr lang="en-US"/>
     </a:defPPr>
-    <a:lvl1pPr marL="0" algn="l" defTabSz="914400" rtl="0" eaLnBrk="1" latinLnBrk="0" hangingPunct="1">
+    <a:lvl1pPr marL="0" algn="l" defTabSz="457200" rtl="0" eaLnBrk="1" latinLnBrk="0" hangingPunct="1">
       <a:defRPr sz="1800" kern="1200">
         <a:solidFill>
           <a:schemeClr val="tx1"/>
@@ -26,7 +34,7 @@
         <a:cs typeface="+mn-cs"/>
       </a:defRPr>
     </a:lvl1pPr>
-    <a:lvl2pPr marL="457200" algn="l" defTabSz="914400" rtl="0" eaLnBrk="1" latinLnBrk="0" hangingPunct="1">
+    <a:lvl2pPr marL="457200" algn="l" defTabSz="457200" rtl="0" eaLnBrk="1" latinLnBrk="0" hangingPunct="1">
       <a:defRPr sz="1800" kern="1200">
         <a:solidFill>
           <a:schemeClr val="tx1"/>
@@ -36,7 +44,7 @@
         <a:cs typeface="+mn-cs"/>
       </a:defRPr>
     </a:lvl2pPr>
-    <a:lvl3pPr marL="914400" algn="l" defTabSz="914400" rtl="0" eaLnBrk="1" latinLnBrk="0" hangingPunct="1">
+    <a:lvl3pPr marL="914400" algn="l" defTabSz="457200" rtl="0" eaLnBrk="1" latinLnBrk="0" hangingPunct="1">
       <a:defRPr sz="1800" kern="1200">
         <a:solidFill>
           <a:schemeClr val="tx1"/>
@@ -46,7 +54,7 @@
         <a:cs typeface="+mn-cs"/>
       </a:defRPr>
     </a:lvl3pPr>
-    <a:lvl4pPr marL="1371600" algn="l" defTabSz="914400" rtl="0" eaLnBrk="1" latinLnBrk="0" hangingPunct="1">
+    <a:lvl4pPr marL="1371600" algn="l" defTabSz="457200" rtl="0" eaLnBrk="1" latinLnBrk="0" hangingPunct="1">
       <a:defRPr sz="1800" kern="1200">
         <a:solidFill>
           <a:schemeClr val="tx1"/>
@@ -56,7 +64,7 @@
         <a:cs typeface="+mn-cs"/>
       </a:defRPr>
     </a:lvl4pPr>
-    <a:lvl5pPr marL="1828800" algn="l" defTabSz="914400" rtl="0" eaLnBrk="1" latinLnBrk="0" hangingPunct="1">
+    <a:lvl5pPr marL="1828800" algn="l" defTabSz="457200" rtl="0" eaLnBrk="1" latinLnBrk="0" hangingPunct="1">
       <a:defRPr sz="1800" kern="1200">
         <a:solidFill>
           <a:schemeClr val="tx1"/>
@@ -66,7 +74,7 @@
         <a:cs typeface="+mn-cs"/>
       </a:defRPr>
     </a:lvl5pPr>
-    <a:lvl6pPr marL="2286000" algn="l" defTabSz="914400" rtl="0" eaLnBrk="1" latinLnBrk="0" hangingPunct="1">
+    <a:lvl6pPr marL="2286000" algn="l" defTabSz="457200" rtl="0" eaLnBrk="1" latinLnBrk="0" hangingPunct="1">
       <a:defRPr sz="1800" kern="1200">
         <a:solidFill>
           <a:schemeClr val="tx1"/>
@@ -76,7 +84,7 @@
         <a:cs typeface="+mn-cs"/>
       </a:defRPr>
     </a:lvl6pPr>
-    <a:lvl7pPr marL="2743200" algn="l" defTabSz="914400" rtl="0" eaLnBrk="1" latinLnBrk="0" hangingPunct="1">
+    <a:lvl7pPr marL="2743200" algn="l" defTabSz="457200" rtl="0" eaLnBrk="1" latinLnBrk="0" hangingPunct="1">
       <a:defRPr sz="1800" kern="1200">
         <a:solidFill>
           <a:schemeClr val="tx1"/>
@@ -86,7 +94,7 @@
         <a:cs typeface="+mn-cs"/>
       </a:defRPr>
     </a:lvl7pPr>
-    <a:lvl8pPr marL="3200400" algn="l" defTabSz="914400" rtl="0" eaLnBrk="1" latinLnBrk="0" hangingPunct="1">
+    <a:lvl8pPr marL="3200400" algn="l" defTabSz="457200" rtl="0" eaLnBrk="1" latinLnBrk="0" hangingPunct="1">
       <a:defRPr sz="1800" kern="1200">
         <a:solidFill>
           <a:schemeClr val="tx1"/>
@@ -96,7 +104,7 @@
         <a:cs typeface="+mn-cs"/>
       </a:defRPr>
     </a:lvl8pPr>
-    <a:lvl9pPr marL="3657600" algn="l" defTabSz="914400" rtl="0" eaLnBrk="1" latinLnBrk="0" hangingPunct="1">
+    <a:lvl9pPr marL="3657600" algn="l" defTabSz="457200" rtl="0" eaLnBrk="1" latinLnBrk="0" hangingPunct="1">
       <a:defRPr sz="1800" kern="1200">
         <a:solidFill>
           <a:schemeClr val="tx1"/>
@@ -129,13 +137,7 @@
       </p:grpSpPr>
       <p:sp>
         <p:nvSpPr>
-          <p:cNvPr id="2" name="Title 1">
-            <a:extLst>
-              <a:ext uri="{FF2B5EF4-FFF2-40B4-BE49-F238E27FC236}">
-                <a16:creationId xmlns:a16="http://schemas.microsoft.com/office/drawing/2014/main" id="{C80873AF-85AC-6442-A40D-DAADC0BF90F4}"/>
-              </a:ext>
-            </a:extLst>
-          </p:cNvPr>
+          <p:cNvPr id="2" name="Title 1"/>
           <p:cNvSpPr>
             <a:spLocks noGrp="1"/>
           </p:cNvSpPr>
@@ -145,15 +147,15 @@
         </p:nvSpPr>
         <p:spPr>
           <a:xfrm>
-            <a:off x="1524000" y="1122363"/>
-            <a:ext cx="9144000" cy="2387600"/>
+            <a:off x="1154955" y="1447800"/>
+            <a:ext cx="8825658" cy="3329581"/>
           </a:xfrm>
         </p:spPr>
         <p:txBody>
           <a:bodyPr anchor="b"/>
           <a:lstStyle>
-            <a:lvl1pPr algn="ctr">
-              <a:defRPr sz="6000"/>
+            <a:lvl1pPr>
+              <a:defRPr sz="7200"/>
             </a:lvl1pPr>
           </a:lstStyle>
           <a:p>
@@ -161,18 +163,13 @@
               <a:rPr lang="en-US"/>
               <a:t>Click to edit Master title style</a:t>
             </a:r>
-          </a:p>
-        </p:txBody>
-      </p:sp>
-      <p:sp>
-        <p:nvSpPr>
-          <p:cNvPr id="3" name="Subtitle 2">
-            <a:extLst>
-              <a:ext uri="{FF2B5EF4-FFF2-40B4-BE49-F238E27FC236}">
-                <a16:creationId xmlns:a16="http://schemas.microsoft.com/office/drawing/2014/main" id="{A0AAD045-2684-474E-91A5-3C4C2097CCA0}"/>
-              </a:ext>
-            </a:extLst>
-          </p:cNvPr>
+            <a:endParaRPr lang="en-US" dirty="0"/>
+          </a:p>
+        </p:txBody>
+      </p:sp>
+      <p:sp>
+        <p:nvSpPr>
+          <p:cNvPr id="3" name="Subtitle 2"/>
           <p:cNvSpPr>
             <a:spLocks noGrp="1"/>
           </p:cNvSpPr>
@@ -182,48 +179,103 @@
         </p:nvSpPr>
         <p:spPr>
           <a:xfrm>
-            <a:off x="1524000" y="3602038"/>
-            <a:ext cx="9144000" cy="1655762"/>
+            <a:off x="1154955" y="4777380"/>
+            <a:ext cx="8825658" cy="861420"/>
           </a:xfrm>
         </p:spPr>
         <p:txBody>
-          <a:bodyPr/>
+          <a:bodyPr anchor="t"/>
           <a:lstStyle>
-            <a:lvl1pPr marL="0" indent="0" algn="ctr">
-              <a:buNone/>
-              <a:defRPr sz="2400"/>
+            <a:lvl1pPr marL="0" indent="0" algn="l">
+              <a:buNone/>
+              <a:defRPr cap="all">
+                <a:solidFill>
+                  <a:schemeClr val="bg2">
+                    <a:lumMod val="40000"/>
+                    <a:lumOff val="60000"/>
+                  </a:schemeClr>
+                </a:solidFill>
+              </a:defRPr>
             </a:lvl1pPr>
             <a:lvl2pPr marL="457200" indent="0" algn="ctr">
               <a:buNone/>
-              <a:defRPr sz="2000"/>
+              <a:defRPr>
+                <a:solidFill>
+                  <a:schemeClr val="tx1">
+                    <a:tint val="75000"/>
+                  </a:schemeClr>
+                </a:solidFill>
+              </a:defRPr>
             </a:lvl2pPr>
             <a:lvl3pPr marL="914400" indent="0" algn="ctr">
               <a:buNone/>
-              <a:defRPr sz="1800"/>
+              <a:defRPr>
+                <a:solidFill>
+                  <a:schemeClr val="tx1">
+                    <a:tint val="75000"/>
+                  </a:schemeClr>
+                </a:solidFill>
+              </a:defRPr>
             </a:lvl3pPr>
             <a:lvl4pPr marL="1371600" indent="0" algn="ctr">
               <a:buNone/>
-              <a:defRPr sz="1600"/>
+              <a:defRPr>
+                <a:solidFill>
+                  <a:schemeClr val="tx1">
+                    <a:tint val="75000"/>
+                  </a:schemeClr>
+                </a:solidFill>
+              </a:defRPr>
             </a:lvl4pPr>
             <a:lvl5pPr marL="1828800" indent="0" algn="ctr">
               <a:buNone/>
-              <a:defRPr sz="1600"/>
+              <a:defRPr>
+                <a:solidFill>
+                  <a:schemeClr val="tx1">
+                    <a:tint val="75000"/>
+                  </a:schemeClr>
+                </a:solidFill>
+              </a:defRPr>
             </a:lvl5pPr>
             <a:lvl6pPr marL="2286000" indent="0" algn="ctr">
               <a:buNone/>
-              <a:defRPr sz="1600"/>
+              <a:defRPr>
+                <a:solidFill>
+                  <a:schemeClr val="tx1">
+                    <a:tint val="75000"/>
+                  </a:schemeClr>
+                </a:solidFill>
+              </a:defRPr>
             </a:lvl6pPr>
             <a:lvl7pPr marL="2743200" indent="0" algn="ctr">
               <a:buNone/>
-              <a:defRPr sz="1600"/>
+              <a:defRPr>
+                <a:solidFill>
+                  <a:schemeClr val="tx1">
+                    <a:tint val="75000"/>
+                  </a:schemeClr>
+                </a:solidFill>
+              </a:defRPr>
             </a:lvl7pPr>
             <a:lvl8pPr marL="3200400" indent="0" algn="ctr">
               <a:buNone/>
-              <a:defRPr sz="1600"/>
+              <a:defRPr>
+                <a:solidFill>
+                  <a:schemeClr val="tx1">
+                    <a:tint val="75000"/>
+                  </a:schemeClr>
+                </a:solidFill>
+              </a:defRPr>
             </a:lvl8pPr>
             <a:lvl9pPr marL="3657600" indent="0" algn="ctr">
               <a:buNone/>
-              <a:defRPr sz="1600"/>
+              <a:defRPr>
+                <a:solidFill>
+                  <a:schemeClr val="tx1">
+                    <a:tint val="75000"/>
+                  </a:schemeClr>
+                </a:solidFill>
+              </a:defRPr>
             </a:lvl9pPr>
           </a:lstStyle>
           <a:p>
@@ -231,18 +283,13 @@
               <a:rPr lang="en-US"/>
               <a:t>Click to edit Master subtitle style</a:t>
             </a:r>
-          </a:p>
-        </p:txBody>
-      </p:sp>
-      <p:sp>
-        <p:nvSpPr>
-          <p:cNvPr id="4" name="Date Placeholder 3">
-            <a:extLst>
-              <a:ext uri="{FF2B5EF4-FFF2-40B4-BE49-F238E27FC236}">
-                <a16:creationId xmlns:a16="http://schemas.microsoft.com/office/drawing/2014/main" id="{90585DD3-6FA5-FC46-8509-E5329A563FB6}"/>
-              </a:ext>
-            </a:extLst>
-          </p:cNvPr>
+            <a:endParaRPr lang="en-US" dirty="0"/>
+          </a:p>
+        </p:txBody>
+      </p:sp>
+      <p:sp>
+        <p:nvSpPr>
+          <p:cNvPr id="4" name="Date Placeholder 3"/>
           <p:cNvSpPr>
             <a:spLocks noGrp="1"/>
           </p:cNvSpPr>
@@ -265,13 +312,7 @@
       </p:sp>
       <p:sp>
         <p:nvSpPr>
-          <p:cNvPr id="5" name="Footer Placeholder 4">
-            <a:extLst>
-              <a:ext uri="{FF2B5EF4-FFF2-40B4-BE49-F238E27FC236}">
-                <a16:creationId xmlns:a16="http://schemas.microsoft.com/office/drawing/2014/main" id="{932CB7B7-A403-8A40-9DF8-561634A7CF9E}"/>
-              </a:ext>
-            </a:extLst>
-          </p:cNvPr>
+          <p:cNvPr id="5" name="Footer Placeholder 4"/>
           <p:cNvSpPr>
             <a:spLocks noGrp="1"/>
           </p:cNvSpPr>
@@ -290,13 +331,7 @@
       </p:sp>
       <p:sp>
         <p:nvSpPr>
-          <p:cNvPr id="6" name="Slide Number Placeholder 5">
-            <a:extLst>
-              <a:ext uri="{FF2B5EF4-FFF2-40B4-BE49-F238E27FC236}">
-                <a16:creationId xmlns:a16="http://schemas.microsoft.com/office/drawing/2014/main" id="{F4FEB8A8-C72B-5C4A-8AE5-02ADE18E0E79}"/>
-              </a:ext>
-            </a:extLst>
-          </p:cNvPr>
+          <p:cNvPr id="6" name="Slide Number Placeholder 5"/>
           <p:cNvSpPr>
             <a:spLocks noGrp="1"/>
           </p:cNvSpPr>
@@ -320,7 +355,7 @@
     </p:spTree>
     <p:extLst>
       <p:ext uri="{BB962C8B-B14F-4D97-AF65-F5344CB8AC3E}">
-        <p14:creationId xmlns:p14="http://schemas.microsoft.com/office/powerpoint/2010/main" val="400113625"/>
+        <p14:creationId xmlns:p14="http://schemas.microsoft.com/office/powerpoint/2010/main" val="2969877394"/>
       </p:ext>
     </p:extLst>
   </p:cSld>
@@ -331,6 +366,2572 @@
 </file>
 
 <file path=ppt/slideLayouts/slideLayout10.xml><?xml version="1.0" encoding="utf-8"?>
+<p:sldLayout xmlns:a="http://schemas.openxmlformats.org/drawingml/2006/main" xmlns:r="http://schemas.openxmlformats.org/officeDocument/2006/relationships" xmlns:p="http://schemas.openxmlformats.org/presentationml/2006/main" preserve="1">
+  <p:cSld name="Panoramic Picture with Caption">
+    <p:spTree>
+      <p:nvGrpSpPr>
+        <p:cNvPr id="1" name=""/>
+        <p:cNvGrpSpPr/>
+        <p:nvPr/>
+      </p:nvGrpSpPr>
+      <p:grpSpPr>
+        <a:xfrm>
+          <a:off x="0" y="0"/>
+          <a:ext cx="0" cy="0"/>
+          <a:chOff x="0" y="0"/>
+          <a:chExt cx="0" cy="0"/>
+        </a:xfrm>
+      </p:grpSpPr>
+      <p:sp>
+        <p:nvSpPr>
+          <p:cNvPr id="2" name="Title 1"/>
+          <p:cNvSpPr>
+            <a:spLocks noGrp="1"/>
+          </p:cNvSpPr>
+          <p:nvPr>
+            <p:ph type="title"/>
+          </p:nvPr>
+        </p:nvSpPr>
+        <p:spPr>
+          <a:xfrm>
+            <a:off x="1154956" y="4800587"/>
+            <a:ext cx="8825657" cy="566738"/>
+          </a:xfrm>
+        </p:spPr>
+        <p:txBody>
+          <a:bodyPr anchor="b">
+            <a:normAutofit/>
+          </a:bodyPr>
+          <a:lstStyle>
+            <a:lvl1pPr algn="l">
+              <a:defRPr sz="2400" b="0"/>
+            </a:lvl1pPr>
+          </a:lstStyle>
+          <a:p>
+            <a:r>
+              <a:rPr lang="en-US"/>
+              <a:t>Click to edit Master title style</a:t>
+            </a:r>
+            <a:endParaRPr lang="en-US" dirty="0"/>
+          </a:p>
+        </p:txBody>
+      </p:sp>
+      <p:sp>
+        <p:nvSpPr>
+          <p:cNvPr id="3" name="Picture Placeholder 2"/>
+          <p:cNvSpPr>
+            <a:spLocks noGrp="1" noChangeAspect="1"/>
+          </p:cNvSpPr>
+          <p:nvPr>
+            <p:ph type="pic" idx="1"/>
+          </p:nvPr>
+        </p:nvSpPr>
+        <p:spPr>
+          <a:xfrm>
+            <a:off x="1154955" y="685800"/>
+            <a:ext cx="8825658" cy="3640666"/>
+          </a:xfrm>
+          <a:prstGeom prst="roundRect">
+            <a:avLst>
+              <a:gd name="adj" fmla="val 1858"/>
+            </a:avLst>
+          </a:prstGeom>
+          <a:effectLst>
+            <a:outerShdw blurRad="50800" dist="50800" dir="5400000" algn="tl" rotWithShape="0">
+              <a:srgbClr val="000000">
+                <a:alpha val="43000"/>
+              </a:srgbClr>
+            </a:outerShdw>
+          </a:effectLst>
+        </p:spPr>
+        <p:txBody>
+          <a:bodyPr anchor="t">
+            <a:normAutofit/>
+          </a:bodyPr>
+          <a:lstStyle>
+            <a:lvl1pPr marL="0" indent="0" algn="ctr">
+              <a:buNone/>
+              <a:defRPr sz="1600"/>
+            </a:lvl1pPr>
+            <a:lvl2pPr marL="457200" indent="0">
+              <a:buNone/>
+              <a:defRPr sz="1600"/>
+            </a:lvl2pPr>
+            <a:lvl3pPr marL="914400" indent="0">
+              <a:buNone/>
+              <a:defRPr sz="1600"/>
+            </a:lvl3pPr>
+            <a:lvl4pPr marL="1371600" indent="0">
+              <a:buNone/>
+              <a:defRPr sz="1600"/>
+            </a:lvl4pPr>
+            <a:lvl5pPr marL="1828800" indent="0">
+              <a:buNone/>
+              <a:defRPr sz="1600"/>
+            </a:lvl5pPr>
+            <a:lvl6pPr marL="2286000" indent="0">
+              <a:buNone/>
+              <a:defRPr sz="1600"/>
+            </a:lvl6pPr>
+            <a:lvl7pPr marL="2743200" indent="0">
+              <a:buNone/>
+              <a:defRPr sz="1600"/>
+            </a:lvl7pPr>
+            <a:lvl8pPr marL="3200400" indent="0">
+              <a:buNone/>
+              <a:defRPr sz="1600"/>
+            </a:lvl8pPr>
+            <a:lvl9pPr marL="3657600" indent="0">
+              <a:buNone/>
+              <a:defRPr sz="1600"/>
+            </a:lvl9pPr>
+          </a:lstStyle>
+          <a:p>
+            <a:r>
+              <a:rPr lang="en-US"/>
+              <a:t>Click icon to add picture</a:t>
+            </a:r>
+            <a:endParaRPr lang="en-US" dirty="0"/>
+          </a:p>
+        </p:txBody>
+      </p:sp>
+      <p:sp>
+        <p:nvSpPr>
+          <p:cNvPr id="4" name="Text Placeholder 3"/>
+          <p:cNvSpPr>
+            <a:spLocks noGrp="1"/>
+          </p:cNvSpPr>
+          <p:nvPr>
+            <p:ph type="body" sz="half" idx="2"/>
+          </p:nvPr>
+        </p:nvSpPr>
+        <p:spPr>
+          <a:xfrm>
+            <a:off x="1154956" y="5367325"/>
+            <a:ext cx="8825656" cy="493712"/>
+          </a:xfrm>
+        </p:spPr>
+        <p:txBody>
+          <a:bodyPr>
+            <a:normAutofit/>
+          </a:bodyPr>
+          <a:lstStyle>
+            <a:lvl1pPr marL="0" indent="0">
+              <a:buNone/>
+              <a:defRPr sz="1200"/>
+            </a:lvl1pPr>
+            <a:lvl2pPr marL="457200" indent="0">
+              <a:buNone/>
+              <a:defRPr sz="1200"/>
+            </a:lvl2pPr>
+            <a:lvl3pPr marL="914400" indent="0">
+              <a:buNone/>
+              <a:defRPr sz="1000"/>
+            </a:lvl3pPr>
+            <a:lvl4pPr marL="1371600" indent="0">
+              <a:buNone/>
+              <a:defRPr sz="900"/>
+            </a:lvl4pPr>
+            <a:lvl5pPr marL="1828800" indent="0">
+              <a:buNone/>
+              <a:defRPr sz="900"/>
+            </a:lvl5pPr>
+            <a:lvl6pPr marL="2286000" indent="0">
+              <a:buNone/>
+              <a:defRPr sz="900"/>
+            </a:lvl6pPr>
+            <a:lvl7pPr marL="2743200" indent="0">
+              <a:buNone/>
+              <a:defRPr sz="900"/>
+            </a:lvl7pPr>
+            <a:lvl8pPr marL="3200400" indent="0">
+              <a:buNone/>
+              <a:defRPr sz="900"/>
+            </a:lvl8pPr>
+            <a:lvl9pPr marL="3657600" indent="0">
+              <a:buNone/>
+              <a:defRPr sz="900"/>
+            </a:lvl9pPr>
+          </a:lstStyle>
+          <a:p>
+            <a:pPr lvl="0"/>
+            <a:r>
+              <a:rPr lang="en-US"/>
+              <a:t>Click to edit Master text styles</a:t>
+            </a:r>
+          </a:p>
+        </p:txBody>
+      </p:sp>
+      <p:sp>
+        <p:nvSpPr>
+          <p:cNvPr id="5" name="Date Placeholder 4"/>
+          <p:cNvSpPr>
+            <a:spLocks noGrp="1"/>
+          </p:cNvSpPr>
+          <p:nvPr>
+            <p:ph type="dt" sz="half" idx="10"/>
+          </p:nvPr>
+        </p:nvSpPr>
+        <p:spPr/>
+        <p:txBody>
+          <a:bodyPr/>
+          <a:lstStyle/>
+          <a:p>
+            <a:fld id="{262A603C-F736-824C-AB36-6AEAD7F07479}" type="datetimeFigureOut">
+              <a:rPr lang="en-US" smtClean="0"/>
+              <a:t>6/8/20</a:t>
+            </a:fld>
+            <a:endParaRPr lang="en-US"/>
+          </a:p>
+        </p:txBody>
+      </p:sp>
+      <p:sp>
+        <p:nvSpPr>
+          <p:cNvPr id="6" name="Footer Placeholder 5"/>
+          <p:cNvSpPr>
+            <a:spLocks noGrp="1"/>
+          </p:cNvSpPr>
+          <p:nvPr>
+            <p:ph type="ftr" sz="quarter" idx="11"/>
+          </p:nvPr>
+        </p:nvSpPr>
+        <p:spPr/>
+        <p:txBody>
+          <a:bodyPr/>
+          <a:lstStyle/>
+          <a:p>
+            <a:endParaRPr lang="en-US"/>
+          </a:p>
+        </p:txBody>
+      </p:sp>
+      <p:sp>
+        <p:nvSpPr>
+          <p:cNvPr id="7" name="Slide Number Placeholder 6"/>
+          <p:cNvSpPr>
+            <a:spLocks noGrp="1"/>
+          </p:cNvSpPr>
+          <p:nvPr>
+            <p:ph type="sldNum" sz="quarter" idx="12"/>
+          </p:nvPr>
+        </p:nvSpPr>
+        <p:spPr/>
+        <p:txBody>
+          <a:bodyPr/>
+          <a:lstStyle/>
+          <a:p>
+            <a:fld id="{98E4583D-9C5C-FF40-9653-C6BEB967BC77}" type="slidenum">
+              <a:rPr lang="en-US" smtClean="0"/>
+              <a:t>‹#›</a:t>
+            </a:fld>
+            <a:endParaRPr lang="en-US"/>
+          </a:p>
+        </p:txBody>
+      </p:sp>
+    </p:spTree>
+    <p:extLst>
+      <p:ext uri="{BB962C8B-B14F-4D97-AF65-F5344CB8AC3E}">
+        <p14:creationId xmlns:p14="http://schemas.microsoft.com/office/powerpoint/2010/main" val="651100288"/>
+      </p:ext>
+    </p:extLst>
+  </p:cSld>
+  <p:clrMapOvr>
+    <a:masterClrMapping/>
+  </p:clrMapOvr>
+</p:sldLayout>
+</file>
+
+<file path=ppt/slideLayouts/slideLayout11.xml><?xml version="1.0" encoding="utf-8"?>
+<p:sldLayout xmlns:a="http://schemas.openxmlformats.org/drawingml/2006/main" xmlns:r="http://schemas.openxmlformats.org/officeDocument/2006/relationships" xmlns:p="http://schemas.openxmlformats.org/presentationml/2006/main" preserve="1">
+  <p:cSld name="Title and Caption">
+    <p:spTree>
+      <p:nvGrpSpPr>
+        <p:cNvPr id="1" name=""/>
+        <p:cNvGrpSpPr/>
+        <p:nvPr/>
+      </p:nvGrpSpPr>
+      <p:grpSpPr>
+        <a:xfrm>
+          <a:off x="0" y="0"/>
+          <a:ext cx="0" cy="0"/>
+          <a:chOff x="0" y="0"/>
+          <a:chExt cx="0" cy="0"/>
+        </a:xfrm>
+      </p:grpSpPr>
+      <p:sp>
+        <p:nvSpPr>
+          <p:cNvPr id="2" name="Title 1"/>
+          <p:cNvSpPr>
+            <a:spLocks noGrp="1"/>
+          </p:cNvSpPr>
+          <p:nvPr>
+            <p:ph type="title"/>
+          </p:nvPr>
+        </p:nvSpPr>
+        <p:spPr>
+          <a:xfrm>
+            <a:off x="1154954" y="1447800"/>
+            <a:ext cx="8825659" cy="1981200"/>
+          </a:xfrm>
+        </p:spPr>
+        <p:txBody>
+          <a:bodyPr/>
+          <a:lstStyle>
+            <a:lvl1pPr>
+              <a:defRPr sz="4800"/>
+            </a:lvl1pPr>
+          </a:lstStyle>
+          <a:p>
+            <a:r>
+              <a:rPr lang="en-US"/>
+              <a:t>Click to edit Master title style</a:t>
+            </a:r>
+            <a:endParaRPr lang="en-US" dirty="0"/>
+          </a:p>
+        </p:txBody>
+      </p:sp>
+      <p:sp>
+        <p:nvSpPr>
+          <p:cNvPr id="8" name="Text Placeholder 3"/>
+          <p:cNvSpPr>
+            <a:spLocks noGrp="1"/>
+          </p:cNvSpPr>
+          <p:nvPr>
+            <p:ph type="body" sz="half" idx="2"/>
+          </p:nvPr>
+        </p:nvSpPr>
+        <p:spPr>
+          <a:xfrm>
+            <a:off x="1154954" y="3657600"/>
+            <a:ext cx="8825659" cy="2362200"/>
+          </a:xfrm>
+        </p:spPr>
+        <p:txBody>
+          <a:bodyPr anchor="ctr">
+            <a:normAutofit/>
+          </a:bodyPr>
+          <a:lstStyle>
+            <a:lvl1pPr marL="0" indent="0">
+              <a:buNone/>
+              <a:defRPr sz="1800"/>
+            </a:lvl1pPr>
+            <a:lvl2pPr marL="457200" indent="0">
+              <a:buNone/>
+              <a:defRPr sz="1200"/>
+            </a:lvl2pPr>
+            <a:lvl3pPr marL="914400" indent="0">
+              <a:buNone/>
+              <a:defRPr sz="1000"/>
+            </a:lvl3pPr>
+            <a:lvl4pPr marL="1371600" indent="0">
+              <a:buNone/>
+              <a:defRPr sz="900"/>
+            </a:lvl4pPr>
+            <a:lvl5pPr marL="1828800" indent="0">
+              <a:buNone/>
+              <a:defRPr sz="900"/>
+            </a:lvl5pPr>
+            <a:lvl6pPr marL="2286000" indent="0">
+              <a:buNone/>
+              <a:defRPr sz="900"/>
+            </a:lvl6pPr>
+            <a:lvl7pPr marL="2743200" indent="0">
+              <a:buNone/>
+              <a:defRPr sz="900"/>
+            </a:lvl7pPr>
+            <a:lvl8pPr marL="3200400" indent="0">
+              <a:buNone/>
+              <a:defRPr sz="900"/>
+            </a:lvl8pPr>
+            <a:lvl9pPr marL="3657600" indent="0">
+              <a:buNone/>
+              <a:defRPr sz="900"/>
+            </a:lvl9pPr>
+          </a:lstStyle>
+          <a:p>
+            <a:pPr lvl="0"/>
+            <a:r>
+              <a:rPr lang="en-US"/>
+              <a:t>Click to edit Master text styles</a:t>
+            </a:r>
+          </a:p>
+        </p:txBody>
+      </p:sp>
+      <p:sp>
+        <p:nvSpPr>
+          <p:cNvPr id="4" name="Date Placeholder 3"/>
+          <p:cNvSpPr>
+            <a:spLocks noGrp="1"/>
+          </p:cNvSpPr>
+          <p:nvPr>
+            <p:ph type="dt" sz="half" idx="10"/>
+          </p:nvPr>
+        </p:nvSpPr>
+        <p:spPr/>
+        <p:txBody>
+          <a:bodyPr/>
+          <a:lstStyle/>
+          <a:p>
+            <a:fld id="{262A603C-F736-824C-AB36-6AEAD7F07479}" type="datetimeFigureOut">
+              <a:rPr lang="en-US" smtClean="0"/>
+              <a:t>6/8/20</a:t>
+            </a:fld>
+            <a:endParaRPr lang="en-US"/>
+          </a:p>
+        </p:txBody>
+      </p:sp>
+      <p:sp>
+        <p:nvSpPr>
+          <p:cNvPr id="5" name="Footer Placeholder 4"/>
+          <p:cNvSpPr>
+            <a:spLocks noGrp="1"/>
+          </p:cNvSpPr>
+          <p:nvPr>
+            <p:ph type="ftr" sz="quarter" idx="11"/>
+          </p:nvPr>
+        </p:nvSpPr>
+        <p:spPr/>
+        <p:txBody>
+          <a:bodyPr/>
+          <a:lstStyle/>
+          <a:p>
+            <a:endParaRPr lang="en-US"/>
+          </a:p>
+        </p:txBody>
+      </p:sp>
+      <p:sp>
+        <p:nvSpPr>
+          <p:cNvPr id="6" name="Slide Number Placeholder 5"/>
+          <p:cNvSpPr>
+            <a:spLocks noGrp="1"/>
+          </p:cNvSpPr>
+          <p:nvPr>
+            <p:ph type="sldNum" sz="quarter" idx="12"/>
+          </p:nvPr>
+        </p:nvSpPr>
+        <p:spPr/>
+        <p:txBody>
+          <a:bodyPr/>
+          <a:lstStyle/>
+          <a:p>
+            <a:fld id="{98E4583D-9C5C-FF40-9653-C6BEB967BC77}" type="slidenum">
+              <a:rPr lang="en-US" smtClean="0"/>
+              <a:t>‹#›</a:t>
+            </a:fld>
+            <a:endParaRPr lang="en-US"/>
+          </a:p>
+        </p:txBody>
+      </p:sp>
+    </p:spTree>
+    <p:extLst>
+      <p:ext uri="{BB962C8B-B14F-4D97-AF65-F5344CB8AC3E}">
+        <p14:creationId xmlns:p14="http://schemas.microsoft.com/office/powerpoint/2010/main" val="1507604504"/>
+      </p:ext>
+    </p:extLst>
+  </p:cSld>
+  <p:clrMapOvr>
+    <a:masterClrMapping/>
+  </p:clrMapOvr>
+</p:sldLayout>
+</file>
+
+<file path=ppt/slideLayouts/slideLayout12.xml><?xml version="1.0" encoding="utf-8"?>
+<p:sldLayout xmlns:a="http://schemas.openxmlformats.org/drawingml/2006/main" xmlns:r="http://schemas.openxmlformats.org/officeDocument/2006/relationships" xmlns:p="http://schemas.openxmlformats.org/presentationml/2006/main" preserve="1">
+  <p:cSld name="Quote with Caption">
+    <p:spTree>
+      <p:nvGrpSpPr>
+        <p:cNvPr id="1" name=""/>
+        <p:cNvGrpSpPr/>
+        <p:nvPr/>
+      </p:nvGrpSpPr>
+      <p:grpSpPr>
+        <a:xfrm>
+          <a:off x="0" y="0"/>
+          <a:ext cx="0" cy="0"/>
+          <a:chOff x="0" y="0"/>
+          <a:chExt cx="0" cy="0"/>
+        </a:xfrm>
+      </p:grpSpPr>
+      <p:sp>
+        <p:nvSpPr>
+          <p:cNvPr id="2" name="Title 1"/>
+          <p:cNvSpPr>
+            <a:spLocks noGrp="1"/>
+          </p:cNvSpPr>
+          <p:nvPr>
+            <p:ph type="title"/>
+          </p:nvPr>
+        </p:nvSpPr>
+        <p:spPr>
+          <a:xfrm>
+            <a:off x="1574801" y="1447800"/>
+            <a:ext cx="7999315" cy="2323374"/>
+          </a:xfrm>
+        </p:spPr>
+        <p:txBody>
+          <a:bodyPr/>
+          <a:lstStyle>
+            <a:lvl1pPr>
+              <a:defRPr sz="4800"/>
+            </a:lvl1pPr>
+          </a:lstStyle>
+          <a:p>
+            <a:r>
+              <a:rPr lang="en-US"/>
+              <a:t>Click to edit Master title style</a:t>
+            </a:r>
+            <a:endParaRPr lang="en-US" dirty="0"/>
+          </a:p>
+        </p:txBody>
+      </p:sp>
+      <p:sp>
+        <p:nvSpPr>
+          <p:cNvPr id="11" name="Text Placeholder 3"/>
+          <p:cNvSpPr>
+            <a:spLocks noGrp="1"/>
+          </p:cNvSpPr>
+          <p:nvPr>
+            <p:ph type="body" sz="half" idx="14"/>
+          </p:nvPr>
+        </p:nvSpPr>
+        <p:spPr>
+          <a:xfrm>
+            <a:off x="1930400" y="3771174"/>
+            <a:ext cx="7279649" cy="342174"/>
+          </a:xfrm>
+        </p:spPr>
+        <p:txBody>
+          <a:bodyPr vert="horz" lIns="91440" tIns="45720" rIns="91440" bIns="45720" rtlCol="0" anchor="t">
+            <a:normAutofit/>
+          </a:bodyPr>
+          <a:lstStyle>
+            <a:lvl1pPr marL="0" indent="0">
+              <a:buNone/>
+              <a:defRPr lang="en-US" sz="1400" b="0" i="0" kern="1200" cap="small" dirty="0">
+                <a:solidFill>
+                  <a:schemeClr val="bg2">
+                    <a:lumMod val="40000"/>
+                    <a:lumOff val="60000"/>
+                  </a:schemeClr>
+                </a:solidFill>
+                <a:latin typeface="+mj-lt"/>
+                <a:ea typeface="+mj-ea"/>
+                <a:cs typeface="+mj-cs"/>
+              </a:defRPr>
+            </a:lvl1pPr>
+            <a:lvl2pPr marL="457200" indent="0">
+              <a:buNone/>
+              <a:defRPr sz="1200"/>
+            </a:lvl2pPr>
+            <a:lvl3pPr marL="914400" indent="0">
+              <a:buNone/>
+              <a:defRPr sz="1000"/>
+            </a:lvl3pPr>
+            <a:lvl4pPr marL="1371600" indent="0">
+              <a:buNone/>
+              <a:defRPr sz="900"/>
+            </a:lvl4pPr>
+            <a:lvl5pPr marL="1828800" indent="0">
+              <a:buNone/>
+              <a:defRPr sz="900"/>
+            </a:lvl5pPr>
+            <a:lvl6pPr marL="2286000" indent="0">
+              <a:buNone/>
+              <a:defRPr sz="900"/>
+            </a:lvl6pPr>
+            <a:lvl7pPr marL="2743200" indent="0">
+              <a:buNone/>
+              <a:defRPr sz="900"/>
+            </a:lvl7pPr>
+            <a:lvl8pPr marL="3200400" indent="0">
+              <a:buNone/>
+              <a:defRPr sz="900"/>
+            </a:lvl8pPr>
+            <a:lvl9pPr marL="3657600" indent="0">
+              <a:buNone/>
+              <a:defRPr sz="900"/>
+            </a:lvl9pPr>
+          </a:lstStyle>
+          <a:p>
+            <a:pPr marL="0" lvl="0" indent="0">
+              <a:buNone/>
+            </a:pPr>
+            <a:r>
+              <a:rPr lang="en-US"/>
+              <a:t>Click to edit Master text styles</a:t>
+            </a:r>
+          </a:p>
+        </p:txBody>
+      </p:sp>
+      <p:sp>
+        <p:nvSpPr>
+          <p:cNvPr id="10" name="Text Placeholder 3"/>
+          <p:cNvSpPr>
+            <a:spLocks noGrp="1"/>
+          </p:cNvSpPr>
+          <p:nvPr>
+            <p:ph type="body" sz="half" idx="2"/>
+          </p:nvPr>
+        </p:nvSpPr>
+        <p:spPr>
+          <a:xfrm>
+            <a:off x="1154954" y="4350657"/>
+            <a:ext cx="8825659" cy="1676400"/>
+          </a:xfrm>
+        </p:spPr>
+        <p:txBody>
+          <a:bodyPr anchor="ctr">
+            <a:normAutofit/>
+          </a:bodyPr>
+          <a:lstStyle>
+            <a:lvl1pPr marL="0" indent="0">
+              <a:buNone/>
+              <a:defRPr sz="1800"/>
+            </a:lvl1pPr>
+            <a:lvl2pPr marL="457200" indent="0">
+              <a:buNone/>
+              <a:defRPr sz="1200"/>
+            </a:lvl2pPr>
+            <a:lvl3pPr marL="914400" indent="0">
+              <a:buNone/>
+              <a:defRPr sz="1000"/>
+            </a:lvl3pPr>
+            <a:lvl4pPr marL="1371600" indent="0">
+              <a:buNone/>
+              <a:defRPr sz="900"/>
+            </a:lvl4pPr>
+            <a:lvl5pPr marL="1828800" indent="0">
+              <a:buNone/>
+              <a:defRPr sz="900"/>
+            </a:lvl5pPr>
+            <a:lvl6pPr marL="2286000" indent="0">
+              <a:buNone/>
+              <a:defRPr sz="900"/>
+            </a:lvl6pPr>
+            <a:lvl7pPr marL="2743200" indent="0">
+              <a:buNone/>
+              <a:defRPr sz="900"/>
+            </a:lvl7pPr>
+            <a:lvl8pPr marL="3200400" indent="0">
+              <a:buNone/>
+              <a:defRPr sz="900"/>
+            </a:lvl8pPr>
+            <a:lvl9pPr marL="3657600" indent="0">
+              <a:buNone/>
+              <a:defRPr sz="900"/>
+            </a:lvl9pPr>
+          </a:lstStyle>
+          <a:p>
+            <a:pPr lvl="0"/>
+            <a:r>
+              <a:rPr lang="en-US"/>
+              <a:t>Click to edit Master text styles</a:t>
+            </a:r>
+          </a:p>
+        </p:txBody>
+      </p:sp>
+      <p:sp>
+        <p:nvSpPr>
+          <p:cNvPr id="4" name="Date Placeholder 3"/>
+          <p:cNvSpPr>
+            <a:spLocks noGrp="1"/>
+          </p:cNvSpPr>
+          <p:nvPr>
+            <p:ph type="dt" sz="half" idx="10"/>
+          </p:nvPr>
+        </p:nvSpPr>
+        <p:spPr/>
+        <p:txBody>
+          <a:bodyPr/>
+          <a:lstStyle/>
+          <a:p>
+            <a:fld id="{262A603C-F736-824C-AB36-6AEAD7F07479}" type="datetimeFigureOut">
+              <a:rPr lang="en-US" smtClean="0"/>
+              <a:t>6/8/20</a:t>
+            </a:fld>
+            <a:endParaRPr lang="en-US"/>
+          </a:p>
+        </p:txBody>
+      </p:sp>
+      <p:sp>
+        <p:nvSpPr>
+          <p:cNvPr id="5" name="Footer Placeholder 4"/>
+          <p:cNvSpPr>
+            <a:spLocks noGrp="1"/>
+          </p:cNvSpPr>
+          <p:nvPr>
+            <p:ph type="ftr" sz="quarter" idx="11"/>
+          </p:nvPr>
+        </p:nvSpPr>
+        <p:spPr/>
+        <p:txBody>
+          <a:bodyPr/>
+          <a:lstStyle/>
+          <a:p>
+            <a:endParaRPr lang="en-US"/>
+          </a:p>
+        </p:txBody>
+      </p:sp>
+      <p:sp>
+        <p:nvSpPr>
+          <p:cNvPr id="6" name="Slide Number Placeholder 5"/>
+          <p:cNvSpPr>
+            <a:spLocks noGrp="1"/>
+          </p:cNvSpPr>
+          <p:nvPr>
+            <p:ph type="sldNum" sz="quarter" idx="12"/>
+          </p:nvPr>
+        </p:nvSpPr>
+        <p:spPr/>
+        <p:txBody>
+          <a:bodyPr/>
+          <a:lstStyle/>
+          <a:p>
+            <a:fld id="{98E4583D-9C5C-FF40-9653-C6BEB967BC77}" type="slidenum">
+              <a:rPr lang="en-US" smtClean="0"/>
+              <a:t>‹#›</a:t>
+            </a:fld>
+            <a:endParaRPr lang="en-US"/>
+          </a:p>
+        </p:txBody>
+      </p:sp>
+      <p:sp>
+        <p:nvSpPr>
+          <p:cNvPr id="12" name="TextBox 11"/>
+          <p:cNvSpPr txBox="1"/>
+          <p:nvPr/>
+        </p:nvSpPr>
+        <p:spPr>
+          <a:xfrm>
+            <a:off x="898295" y="971253"/>
+            <a:ext cx="801912" cy="1969770"/>
+          </a:xfrm>
+          <a:prstGeom prst="rect">
+            <a:avLst/>
+          </a:prstGeom>
+          <a:noFill/>
+        </p:spPr>
+        <p:txBody>
+          <a:bodyPr wrap="square" rtlCol="0">
+            <a:spAutoFit/>
+          </a:bodyPr>
+          <a:lstStyle>
+            <a:defPPr>
+              <a:defRPr lang="en-US"/>
+            </a:defPPr>
+            <a:lvl1pPr algn="r">
+              <a:defRPr sz="12200" b="0" i="0">
+                <a:solidFill>
+                  <a:schemeClr val="bg2">
+                    <a:lumMod val="40000"/>
+                    <a:lumOff val="60000"/>
+                  </a:schemeClr>
+                </a:solidFill>
+                <a:latin typeface="Arial"/>
+                <a:ea typeface="+mj-ea"/>
+                <a:cs typeface="+mj-cs"/>
+              </a:defRPr>
+            </a:lvl1pPr>
+          </a:lstStyle>
+          <a:p>
+            <a:pPr lvl="0"/>
+            <a:r>
+              <a:rPr lang="en-US" dirty="0"/>
+              <a:t>“</a:t>
+            </a:r>
+          </a:p>
+        </p:txBody>
+      </p:sp>
+      <p:sp>
+        <p:nvSpPr>
+          <p:cNvPr id="15" name="TextBox 14"/>
+          <p:cNvSpPr txBox="1"/>
+          <p:nvPr/>
+        </p:nvSpPr>
+        <p:spPr>
+          <a:xfrm>
+            <a:off x="9330490" y="2613787"/>
+            <a:ext cx="801912" cy="1969770"/>
+          </a:xfrm>
+          <a:prstGeom prst="rect">
+            <a:avLst/>
+          </a:prstGeom>
+          <a:noFill/>
+        </p:spPr>
+        <p:txBody>
+          <a:bodyPr wrap="square" rtlCol="0">
+            <a:spAutoFit/>
+          </a:bodyPr>
+          <a:lstStyle>
+            <a:defPPr>
+              <a:defRPr lang="en-US"/>
+            </a:defPPr>
+            <a:lvl1pPr algn="r">
+              <a:defRPr sz="12200" b="0" i="0">
+                <a:solidFill>
+                  <a:schemeClr val="bg2">
+                    <a:lumMod val="40000"/>
+                    <a:lumOff val="60000"/>
+                  </a:schemeClr>
+                </a:solidFill>
+                <a:latin typeface="Arial"/>
+                <a:ea typeface="+mj-ea"/>
+                <a:cs typeface="+mj-cs"/>
+              </a:defRPr>
+            </a:lvl1pPr>
+          </a:lstStyle>
+          <a:p>
+            <a:pPr lvl="0"/>
+            <a:r>
+              <a:rPr lang="en-US" dirty="0"/>
+              <a:t>”</a:t>
+            </a:r>
+          </a:p>
+        </p:txBody>
+      </p:sp>
+    </p:spTree>
+    <p:extLst>
+      <p:ext uri="{BB962C8B-B14F-4D97-AF65-F5344CB8AC3E}">
+        <p14:creationId xmlns:p14="http://schemas.microsoft.com/office/powerpoint/2010/main" val="723934118"/>
+      </p:ext>
+    </p:extLst>
+  </p:cSld>
+  <p:clrMapOvr>
+    <a:masterClrMapping/>
+  </p:clrMapOvr>
+</p:sldLayout>
+</file>
+
+<file path=ppt/slideLayouts/slideLayout13.xml><?xml version="1.0" encoding="utf-8"?>
+<p:sldLayout xmlns:a="http://schemas.openxmlformats.org/drawingml/2006/main" xmlns:r="http://schemas.openxmlformats.org/officeDocument/2006/relationships" xmlns:p="http://schemas.openxmlformats.org/presentationml/2006/main" preserve="1">
+  <p:cSld name="Name Card">
+    <p:spTree>
+      <p:nvGrpSpPr>
+        <p:cNvPr id="1" name=""/>
+        <p:cNvGrpSpPr/>
+        <p:nvPr/>
+      </p:nvGrpSpPr>
+      <p:grpSpPr>
+        <a:xfrm>
+          <a:off x="0" y="0"/>
+          <a:ext cx="0" cy="0"/>
+          <a:chOff x="0" y="0"/>
+          <a:chExt cx="0" cy="0"/>
+        </a:xfrm>
+      </p:grpSpPr>
+      <p:sp>
+        <p:nvSpPr>
+          <p:cNvPr id="2" name="Title 1"/>
+          <p:cNvSpPr>
+            <a:spLocks noGrp="1"/>
+          </p:cNvSpPr>
+          <p:nvPr>
+            <p:ph type="title"/>
+          </p:nvPr>
+        </p:nvSpPr>
+        <p:spPr>
+          <a:xfrm>
+            <a:off x="1154954" y="3124201"/>
+            <a:ext cx="8825660" cy="1653180"/>
+          </a:xfrm>
+        </p:spPr>
+        <p:txBody>
+          <a:bodyPr anchor="b"/>
+          <a:lstStyle>
+            <a:lvl1pPr algn="l">
+              <a:defRPr sz="4000" b="0" cap="none"/>
+            </a:lvl1pPr>
+          </a:lstStyle>
+          <a:p>
+            <a:r>
+              <a:rPr lang="en-US"/>
+              <a:t>Click to edit Master title style</a:t>
+            </a:r>
+            <a:endParaRPr lang="en-US" dirty="0"/>
+          </a:p>
+        </p:txBody>
+      </p:sp>
+      <p:sp>
+        <p:nvSpPr>
+          <p:cNvPr id="3" name="Text Placeholder 2"/>
+          <p:cNvSpPr>
+            <a:spLocks noGrp="1"/>
+          </p:cNvSpPr>
+          <p:nvPr>
+            <p:ph type="body" idx="1"/>
+          </p:nvPr>
+        </p:nvSpPr>
+        <p:spPr>
+          <a:xfrm>
+            <a:off x="1154954" y="4777381"/>
+            <a:ext cx="8825659" cy="860400"/>
+          </a:xfrm>
+        </p:spPr>
+        <p:txBody>
+          <a:bodyPr anchor="t"/>
+          <a:lstStyle>
+            <a:lvl1pPr marL="0" indent="0" algn="l">
+              <a:buNone/>
+              <a:defRPr sz="2000" cap="none">
+                <a:solidFill>
+                  <a:schemeClr val="bg2">
+                    <a:lumMod val="40000"/>
+                    <a:lumOff val="60000"/>
+                  </a:schemeClr>
+                </a:solidFill>
+              </a:defRPr>
+            </a:lvl1pPr>
+            <a:lvl2pPr marL="457200" indent="0">
+              <a:buNone/>
+              <a:defRPr sz="1800">
+                <a:solidFill>
+                  <a:schemeClr val="tx1">
+                    <a:tint val="75000"/>
+                  </a:schemeClr>
+                </a:solidFill>
+              </a:defRPr>
+            </a:lvl2pPr>
+            <a:lvl3pPr marL="914400" indent="0">
+              <a:buNone/>
+              <a:defRPr sz="1600">
+                <a:solidFill>
+                  <a:schemeClr val="tx1">
+                    <a:tint val="75000"/>
+                  </a:schemeClr>
+                </a:solidFill>
+              </a:defRPr>
+            </a:lvl3pPr>
+            <a:lvl4pPr marL="1371600" indent="0">
+              <a:buNone/>
+              <a:defRPr sz="1400">
+                <a:solidFill>
+                  <a:schemeClr val="tx1">
+                    <a:tint val="75000"/>
+                  </a:schemeClr>
+                </a:solidFill>
+              </a:defRPr>
+            </a:lvl4pPr>
+            <a:lvl5pPr marL="1828800" indent="0">
+              <a:buNone/>
+              <a:defRPr sz="1400">
+                <a:solidFill>
+                  <a:schemeClr val="tx1">
+                    <a:tint val="75000"/>
+                  </a:schemeClr>
+                </a:solidFill>
+              </a:defRPr>
+            </a:lvl5pPr>
+            <a:lvl6pPr marL="2286000" indent="0">
+              <a:buNone/>
+              <a:defRPr sz="1400">
+                <a:solidFill>
+                  <a:schemeClr val="tx1">
+                    <a:tint val="75000"/>
+                  </a:schemeClr>
+                </a:solidFill>
+              </a:defRPr>
+            </a:lvl6pPr>
+            <a:lvl7pPr marL="2743200" indent="0">
+              <a:buNone/>
+              <a:defRPr sz="1400">
+                <a:solidFill>
+                  <a:schemeClr val="tx1">
+                    <a:tint val="75000"/>
+                  </a:schemeClr>
+                </a:solidFill>
+              </a:defRPr>
+            </a:lvl7pPr>
+            <a:lvl8pPr marL="3200400" indent="0">
+              <a:buNone/>
+              <a:defRPr sz="1400">
+                <a:solidFill>
+                  <a:schemeClr val="tx1">
+                    <a:tint val="75000"/>
+                  </a:schemeClr>
+                </a:solidFill>
+              </a:defRPr>
+            </a:lvl8pPr>
+            <a:lvl9pPr marL="3657600" indent="0">
+              <a:buNone/>
+              <a:defRPr sz="1400">
+                <a:solidFill>
+                  <a:schemeClr val="tx1">
+                    <a:tint val="75000"/>
+                  </a:schemeClr>
+                </a:solidFill>
+              </a:defRPr>
+            </a:lvl9pPr>
+          </a:lstStyle>
+          <a:p>
+            <a:pPr lvl="0"/>
+            <a:r>
+              <a:rPr lang="en-US"/>
+              <a:t>Click to edit Master text styles</a:t>
+            </a:r>
+          </a:p>
+        </p:txBody>
+      </p:sp>
+      <p:sp>
+        <p:nvSpPr>
+          <p:cNvPr id="4" name="Date Placeholder 3"/>
+          <p:cNvSpPr>
+            <a:spLocks noGrp="1"/>
+          </p:cNvSpPr>
+          <p:nvPr>
+            <p:ph type="dt" sz="half" idx="10"/>
+          </p:nvPr>
+        </p:nvSpPr>
+        <p:spPr/>
+        <p:txBody>
+          <a:bodyPr/>
+          <a:lstStyle/>
+          <a:p>
+            <a:fld id="{262A603C-F736-824C-AB36-6AEAD7F07479}" type="datetimeFigureOut">
+              <a:rPr lang="en-US" smtClean="0"/>
+              <a:t>6/8/20</a:t>
+            </a:fld>
+            <a:endParaRPr lang="en-US"/>
+          </a:p>
+        </p:txBody>
+      </p:sp>
+      <p:sp>
+        <p:nvSpPr>
+          <p:cNvPr id="5" name="Footer Placeholder 4"/>
+          <p:cNvSpPr>
+            <a:spLocks noGrp="1"/>
+          </p:cNvSpPr>
+          <p:nvPr>
+            <p:ph type="ftr" sz="quarter" idx="11"/>
+          </p:nvPr>
+        </p:nvSpPr>
+        <p:spPr/>
+        <p:txBody>
+          <a:bodyPr/>
+          <a:lstStyle/>
+          <a:p>
+            <a:endParaRPr lang="en-US"/>
+          </a:p>
+        </p:txBody>
+      </p:sp>
+      <p:sp>
+        <p:nvSpPr>
+          <p:cNvPr id="6" name="Slide Number Placeholder 5"/>
+          <p:cNvSpPr>
+            <a:spLocks noGrp="1"/>
+          </p:cNvSpPr>
+          <p:nvPr>
+            <p:ph type="sldNum" sz="quarter" idx="12"/>
+          </p:nvPr>
+        </p:nvSpPr>
+        <p:spPr/>
+        <p:txBody>
+          <a:bodyPr/>
+          <a:lstStyle/>
+          <a:p>
+            <a:fld id="{98E4583D-9C5C-FF40-9653-C6BEB967BC77}" type="slidenum">
+              <a:rPr lang="en-US" smtClean="0"/>
+              <a:t>‹#›</a:t>
+            </a:fld>
+            <a:endParaRPr lang="en-US"/>
+          </a:p>
+        </p:txBody>
+      </p:sp>
+    </p:spTree>
+    <p:extLst>
+      <p:ext uri="{BB962C8B-B14F-4D97-AF65-F5344CB8AC3E}">
+        <p14:creationId xmlns:p14="http://schemas.microsoft.com/office/powerpoint/2010/main" val="2534175115"/>
+      </p:ext>
+    </p:extLst>
+  </p:cSld>
+  <p:clrMapOvr>
+    <a:masterClrMapping/>
+  </p:clrMapOvr>
+</p:sldLayout>
+</file>
+
+<file path=ppt/slideLayouts/slideLayout14.xml><?xml version="1.0" encoding="utf-8"?>
+<p:sldLayout xmlns:a="http://schemas.openxmlformats.org/drawingml/2006/main" xmlns:r="http://schemas.openxmlformats.org/officeDocument/2006/relationships" xmlns:p="http://schemas.openxmlformats.org/presentationml/2006/main" preserve="1">
+  <p:cSld name="3 Column">
+    <p:spTree>
+      <p:nvGrpSpPr>
+        <p:cNvPr id="1" name=""/>
+        <p:cNvGrpSpPr/>
+        <p:nvPr/>
+      </p:nvGrpSpPr>
+      <p:grpSpPr>
+        <a:xfrm>
+          <a:off x="0" y="0"/>
+          <a:ext cx="0" cy="0"/>
+          <a:chOff x="0" y="0"/>
+          <a:chExt cx="0" cy="0"/>
+        </a:xfrm>
+      </p:grpSpPr>
+      <p:sp>
+        <p:nvSpPr>
+          <p:cNvPr id="2" name="Title 1"/>
+          <p:cNvSpPr>
+            <a:spLocks noGrp="1"/>
+          </p:cNvSpPr>
+          <p:nvPr>
+            <p:ph type="title"/>
+          </p:nvPr>
+        </p:nvSpPr>
+        <p:spPr/>
+        <p:txBody>
+          <a:bodyPr/>
+          <a:lstStyle>
+            <a:lvl1pPr>
+              <a:defRPr sz="4200"/>
+            </a:lvl1pPr>
+          </a:lstStyle>
+          <a:p>
+            <a:r>
+              <a:rPr lang="en-US"/>
+              <a:t>Click to edit Master title style</a:t>
+            </a:r>
+            <a:endParaRPr lang="en-US" dirty="0"/>
+          </a:p>
+        </p:txBody>
+      </p:sp>
+      <p:sp>
+        <p:nvSpPr>
+          <p:cNvPr id="3" name="Text Placeholder 2"/>
+          <p:cNvSpPr>
+            <a:spLocks noGrp="1"/>
+          </p:cNvSpPr>
+          <p:nvPr>
+            <p:ph type="body" idx="1"/>
+          </p:nvPr>
+        </p:nvSpPr>
+        <p:spPr>
+          <a:xfrm>
+            <a:off x="632947" y="1981200"/>
+            <a:ext cx="2946866" cy="576262"/>
+          </a:xfrm>
+        </p:spPr>
+        <p:txBody>
+          <a:bodyPr anchor="b">
+            <a:noAutofit/>
+          </a:bodyPr>
+          <a:lstStyle>
+            <a:lvl1pPr marL="0" indent="0">
+              <a:buNone/>
+              <a:defRPr sz="2400" b="0">
+                <a:solidFill>
+                  <a:schemeClr val="bg2">
+                    <a:lumMod val="40000"/>
+                    <a:lumOff val="60000"/>
+                  </a:schemeClr>
+                </a:solidFill>
+              </a:defRPr>
+            </a:lvl1pPr>
+            <a:lvl2pPr marL="457200" indent="0">
+              <a:buNone/>
+              <a:defRPr sz="2000" b="1"/>
+            </a:lvl2pPr>
+            <a:lvl3pPr marL="914400" indent="0">
+              <a:buNone/>
+              <a:defRPr sz="1800" b="1"/>
+            </a:lvl3pPr>
+            <a:lvl4pPr marL="1371600" indent="0">
+              <a:buNone/>
+              <a:defRPr sz="1600" b="1"/>
+            </a:lvl4pPr>
+            <a:lvl5pPr marL="1828800" indent="0">
+              <a:buNone/>
+              <a:defRPr sz="1600" b="1"/>
+            </a:lvl5pPr>
+            <a:lvl6pPr marL="2286000" indent="0">
+              <a:buNone/>
+              <a:defRPr sz="1600" b="1"/>
+            </a:lvl6pPr>
+            <a:lvl7pPr marL="2743200" indent="0">
+              <a:buNone/>
+              <a:defRPr sz="1600" b="1"/>
+            </a:lvl7pPr>
+            <a:lvl8pPr marL="3200400" indent="0">
+              <a:buNone/>
+              <a:defRPr sz="1600" b="1"/>
+            </a:lvl8pPr>
+            <a:lvl9pPr marL="3657600" indent="0">
+              <a:buNone/>
+              <a:defRPr sz="1600" b="1"/>
+            </a:lvl9pPr>
+          </a:lstStyle>
+          <a:p>
+            <a:pPr lvl="0"/>
+            <a:r>
+              <a:rPr lang="en-US"/>
+              <a:t>Click to edit Master text styles</a:t>
+            </a:r>
+          </a:p>
+        </p:txBody>
+      </p:sp>
+      <p:sp>
+        <p:nvSpPr>
+          <p:cNvPr id="16" name="Text Placeholder 3"/>
+          <p:cNvSpPr>
+            <a:spLocks noGrp="1"/>
+          </p:cNvSpPr>
+          <p:nvPr>
+            <p:ph type="body" sz="half" idx="15"/>
+          </p:nvPr>
+        </p:nvSpPr>
+        <p:spPr>
+          <a:xfrm>
+            <a:off x="652463" y="2667000"/>
+            <a:ext cx="2927350" cy="3589338"/>
+          </a:xfrm>
+        </p:spPr>
+        <p:txBody>
+          <a:bodyPr anchor="t">
+            <a:normAutofit/>
+          </a:bodyPr>
+          <a:lstStyle>
+            <a:lvl1pPr marL="0" indent="0">
+              <a:buNone/>
+              <a:defRPr sz="1400"/>
+            </a:lvl1pPr>
+            <a:lvl2pPr marL="457200" indent="0">
+              <a:buNone/>
+              <a:defRPr sz="1200"/>
+            </a:lvl2pPr>
+            <a:lvl3pPr marL="914400" indent="0">
+              <a:buNone/>
+              <a:defRPr sz="1000"/>
+            </a:lvl3pPr>
+            <a:lvl4pPr marL="1371600" indent="0">
+              <a:buNone/>
+              <a:defRPr sz="900"/>
+            </a:lvl4pPr>
+            <a:lvl5pPr marL="1828800" indent="0">
+              <a:buNone/>
+              <a:defRPr sz="900"/>
+            </a:lvl5pPr>
+            <a:lvl6pPr marL="2286000" indent="0">
+              <a:buNone/>
+              <a:defRPr sz="900"/>
+            </a:lvl6pPr>
+            <a:lvl7pPr marL="2743200" indent="0">
+              <a:buNone/>
+              <a:defRPr sz="900"/>
+            </a:lvl7pPr>
+            <a:lvl8pPr marL="3200400" indent="0">
+              <a:buNone/>
+              <a:defRPr sz="900"/>
+            </a:lvl8pPr>
+            <a:lvl9pPr marL="3657600" indent="0">
+              <a:buNone/>
+              <a:defRPr sz="900"/>
+            </a:lvl9pPr>
+          </a:lstStyle>
+          <a:p>
+            <a:pPr lvl="0"/>
+            <a:r>
+              <a:rPr lang="en-US"/>
+              <a:t>Click to edit Master text styles</a:t>
+            </a:r>
+          </a:p>
+        </p:txBody>
+      </p:sp>
+      <p:sp>
+        <p:nvSpPr>
+          <p:cNvPr id="5" name="Text Placeholder 4"/>
+          <p:cNvSpPr>
+            <a:spLocks noGrp="1"/>
+          </p:cNvSpPr>
+          <p:nvPr>
+            <p:ph type="body" sz="quarter" idx="3"/>
+          </p:nvPr>
+        </p:nvSpPr>
+        <p:spPr>
+          <a:xfrm>
+            <a:off x="3883659" y="1981200"/>
+            <a:ext cx="2936241" cy="576262"/>
+          </a:xfrm>
+        </p:spPr>
+        <p:txBody>
+          <a:bodyPr anchor="b">
+            <a:noAutofit/>
+          </a:bodyPr>
+          <a:lstStyle>
+            <a:lvl1pPr marL="0" indent="0">
+              <a:buNone/>
+              <a:defRPr sz="2400" b="0">
+                <a:solidFill>
+                  <a:schemeClr val="bg2">
+                    <a:lumMod val="40000"/>
+                    <a:lumOff val="60000"/>
+                  </a:schemeClr>
+                </a:solidFill>
+              </a:defRPr>
+            </a:lvl1pPr>
+            <a:lvl2pPr marL="457200" indent="0">
+              <a:buNone/>
+              <a:defRPr sz="2000" b="1"/>
+            </a:lvl2pPr>
+            <a:lvl3pPr marL="914400" indent="0">
+              <a:buNone/>
+              <a:defRPr sz="1800" b="1"/>
+            </a:lvl3pPr>
+            <a:lvl4pPr marL="1371600" indent="0">
+              <a:buNone/>
+              <a:defRPr sz="1600" b="1"/>
+            </a:lvl4pPr>
+            <a:lvl5pPr marL="1828800" indent="0">
+              <a:buNone/>
+              <a:defRPr sz="1600" b="1"/>
+            </a:lvl5pPr>
+            <a:lvl6pPr marL="2286000" indent="0">
+              <a:buNone/>
+              <a:defRPr sz="1600" b="1"/>
+            </a:lvl6pPr>
+            <a:lvl7pPr marL="2743200" indent="0">
+              <a:buNone/>
+              <a:defRPr sz="1600" b="1"/>
+            </a:lvl7pPr>
+            <a:lvl8pPr marL="3200400" indent="0">
+              <a:buNone/>
+              <a:defRPr sz="1600" b="1"/>
+            </a:lvl8pPr>
+            <a:lvl9pPr marL="3657600" indent="0">
+              <a:buNone/>
+              <a:defRPr sz="1600" b="1"/>
+            </a:lvl9pPr>
+          </a:lstStyle>
+          <a:p>
+            <a:pPr lvl="0"/>
+            <a:r>
+              <a:rPr lang="en-US"/>
+              <a:t>Click to edit Master text styles</a:t>
+            </a:r>
+          </a:p>
+        </p:txBody>
+      </p:sp>
+      <p:sp>
+        <p:nvSpPr>
+          <p:cNvPr id="19" name="Text Placeholder 3"/>
+          <p:cNvSpPr>
+            <a:spLocks noGrp="1"/>
+          </p:cNvSpPr>
+          <p:nvPr>
+            <p:ph type="body" sz="half" idx="16"/>
+          </p:nvPr>
+        </p:nvSpPr>
+        <p:spPr>
+          <a:xfrm>
+            <a:off x="3873106" y="2667000"/>
+            <a:ext cx="2946794" cy="3589338"/>
+          </a:xfrm>
+        </p:spPr>
+        <p:txBody>
+          <a:bodyPr anchor="t">
+            <a:normAutofit/>
+          </a:bodyPr>
+          <a:lstStyle>
+            <a:lvl1pPr marL="0" indent="0">
+              <a:buNone/>
+              <a:defRPr sz="1400"/>
+            </a:lvl1pPr>
+            <a:lvl2pPr marL="457200" indent="0">
+              <a:buNone/>
+              <a:defRPr sz="1200"/>
+            </a:lvl2pPr>
+            <a:lvl3pPr marL="914400" indent="0">
+              <a:buNone/>
+              <a:defRPr sz="1000"/>
+            </a:lvl3pPr>
+            <a:lvl4pPr marL="1371600" indent="0">
+              <a:buNone/>
+              <a:defRPr sz="900"/>
+            </a:lvl4pPr>
+            <a:lvl5pPr marL="1828800" indent="0">
+              <a:buNone/>
+              <a:defRPr sz="900"/>
+            </a:lvl5pPr>
+            <a:lvl6pPr marL="2286000" indent="0">
+              <a:buNone/>
+              <a:defRPr sz="900"/>
+            </a:lvl6pPr>
+            <a:lvl7pPr marL="2743200" indent="0">
+              <a:buNone/>
+              <a:defRPr sz="900"/>
+            </a:lvl7pPr>
+            <a:lvl8pPr marL="3200400" indent="0">
+              <a:buNone/>
+              <a:defRPr sz="900"/>
+            </a:lvl8pPr>
+            <a:lvl9pPr marL="3657600" indent="0">
+              <a:buNone/>
+              <a:defRPr sz="900"/>
+            </a:lvl9pPr>
+          </a:lstStyle>
+          <a:p>
+            <a:pPr lvl="0"/>
+            <a:r>
+              <a:rPr lang="en-US"/>
+              <a:t>Click to edit Master text styles</a:t>
+            </a:r>
+          </a:p>
+        </p:txBody>
+      </p:sp>
+      <p:sp>
+        <p:nvSpPr>
+          <p:cNvPr id="14" name="Text Placeholder 4"/>
+          <p:cNvSpPr>
+            <a:spLocks noGrp="1"/>
+          </p:cNvSpPr>
+          <p:nvPr>
+            <p:ph type="body" sz="quarter" idx="13"/>
+          </p:nvPr>
+        </p:nvSpPr>
+        <p:spPr>
+          <a:xfrm>
+            <a:off x="7124700" y="1981200"/>
+            <a:ext cx="2932113" cy="576262"/>
+          </a:xfrm>
+        </p:spPr>
+        <p:txBody>
+          <a:bodyPr anchor="b">
+            <a:noAutofit/>
+          </a:bodyPr>
+          <a:lstStyle>
+            <a:lvl1pPr marL="0" indent="0">
+              <a:buNone/>
+              <a:defRPr sz="2400" b="0">
+                <a:solidFill>
+                  <a:schemeClr val="bg2">
+                    <a:lumMod val="40000"/>
+                    <a:lumOff val="60000"/>
+                  </a:schemeClr>
+                </a:solidFill>
+              </a:defRPr>
+            </a:lvl1pPr>
+            <a:lvl2pPr marL="457200" indent="0">
+              <a:buNone/>
+              <a:defRPr sz="2000" b="1"/>
+            </a:lvl2pPr>
+            <a:lvl3pPr marL="914400" indent="0">
+              <a:buNone/>
+              <a:defRPr sz="1800" b="1"/>
+            </a:lvl3pPr>
+            <a:lvl4pPr marL="1371600" indent="0">
+              <a:buNone/>
+              <a:defRPr sz="1600" b="1"/>
+            </a:lvl4pPr>
+            <a:lvl5pPr marL="1828800" indent="0">
+              <a:buNone/>
+              <a:defRPr sz="1600" b="1"/>
+            </a:lvl5pPr>
+            <a:lvl6pPr marL="2286000" indent="0">
+              <a:buNone/>
+              <a:defRPr sz="1600" b="1"/>
+            </a:lvl6pPr>
+            <a:lvl7pPr marL="2743200" indent="0">
+              <a:buNone/>
+              <a:defRPr sz="1600" b="1"/>
+            </a:lvl7pPr>
+            <a:lvl8pPr marL="3200400" indent="0">
+              <a:buNone/>
+              <a:defRPr sz="1600" b="1"/>
+            </a:lvl8pPr>
+            <a:lvl9pPr marL="3657600" indent="0">
+              <a:buNone/>
+              <a:defRPr sz="1600" b="1"/>
+            </a:lvl9pPr>
+          </a:lstStyle>
+          <a:p>
+            <a:pPr lvl="0"/>
+            <a:r>
+              <a:rPr lang="en-US"/>
+              <a:t>Click to edit Master text styles</a:t>
+            </a:r>
+          </a:p>
+        </p:txBody>
+      </p:sp>
+      <p:sp>
+        <p:nvSpPr>
+          <p:cNvPr id="20" name="Text Placeholder 3"/>
+          <p:cNvSpPr>
+            <a:spLocks noGrp="1"/>
+          </p:cNvSpPr>
+          <p:nvPr>
+            <p:ph type="body" sz="half" idx="17"/>
+          </p:nvPr>
+        </p:nvSpPr>
+        <p:spPr>
+          <a:xfrm>
+            <a:off x="7124700" y="2667000"/>
+            <a:ext cx="2932113" cy="3589338"/>
+          </a:xfrm>
+        </p:spPr>
+        <p:txBody>
+          <a:bodyPr anchor="t">
+            <a:normAutofit/>
+          </a:bodyPr>
+          <a:lstStyle>
+            <a:lvl1pPr marL="0" indent="0">
+              <a:buNone/>
+              <a:defRPr sz="1400"/>
+            </a:lvl1pPr>
+            <a:lvl2pPr marL="457200" indent="0">
+              <a:buNone/>
+              <a:defRPr sz="1200"/>
+            </a:lvl2pPr>
+            <a:lvl3pPr marL="914400" indent="0">
+              <a:buNone/>
+              <a:defRPr sz="1000"/>
+            </a:lvl3pPr>
+            <a:lvl4pPr marL="1371600" indent="0">
+              <a:buNone/>
+              <a:defRPr sz="900"/>
+            </a:lvl4pPr>
+            <a:lvl5pPr marL="1828800" indent="0">
+              <a:buNone/>
+              <a:defRPr sz="900"/>
+            </a:lvl5pPr>
+            <a:lvl6pPr marL="2286000" indent="0">
+              <a:buNone/>
+              <a:defRPr sz="900"/>
+            </a:lvl6pPr>
+            <a:lvl7pPr marL="2743200" indent="0">
+              <a:buNone/>
+              <a:defRPr sz="900"/>
+            </a:lvl7pPr>
+            <a:lvl8pPr marL="3200400" indent="0">
+              <a:buNone/>
+              <a:defRPr sz="900"/>
+            </a:lvl8pPr>
+            <a:lvl9pPr marL="3657600" indent="0">
+              <a:buNone/>
+              <a:defRPr sz="900"/>
+            </a:lvl9pPr>
+          </a:lstStyle>
+          <a:p>
+            <a:pPr lvl="0"/>
+            <a:r>
+              <a:rPr lang="en-US"/>
+              <a:t>Click to edit Master text styles</a:t>
+            </a:r>
+          </a:p>
+        </p:txBody>
+      </p:sp>
+      <p:cxnSp>
+        <p:nvCxnSpPr>
+          <p:cNvPr id="17" name="Straight Connector 16"/>
+          <p:cNvCxnSpPr/>
+          <p:nvPr/>
+        </p:nvCxnSpPr>
+        <p:spPr>
+          <a:xfrm>
+            <a:off x="3726142" y="2133600"/>
+            <a:ext cx="0" cy="3962400"/>
+          </a:xfrm>
+          <a:prstGeom prst="line">
+            <a:avLst/>
+          </a:prstGeom>
+          <a:ln w="12700" cmpd="sng">
+            <a:solidFill>
+              <a:schemeClr val="bg2">
+                <a:lumMod val="40000"/>
+                <a:lumOff val="60000"/>
+                <a:alpha val="40000"/>
+              </a:schemeClr>
+            </a:solidFill>
+          </a:ln>
+        </p:spPr>
+        <p:style>
+          <a:lnRef idx="2">
+            <a:schemeClr val="accent1"/>
+          </a:lnRef>
+          <a:fillRef idx="0">
+            <a:schemeClr val="accent1"/>
+          </a:fillRef>
+          <a:effectRef idx="1">
+            <a:schemeClr val="accent1"/>
+          </a:effectRef>
+          <a:fontRef idx="minor">
+            <a:schemeClr val="tx1"/>
+          </a:fontRef>
+        </p:style>
+      </p:cxnSp>
+      <p:cxnSp>
+        <p:nvCxnSpPr>
+          <p:cNvPr id="18" name="Straight Connector 17"/>
+          <p:cNvCxnSpPr/>
+          <p:nvPr/>
+        </p:nvCxnSpPr>
+        <p:spPr>
+          <a:xfrm>
+            <a:off x="6962227" y="2133600"/>
+            <a:ext cx="0" cy="3966882"/>
+          </a:xfrm>
+          <a:prstGeom prst="line">
+            <a:avLst/>
+          </a:prstGeom>
+          <a:ln w="12700" cmpd="sng">
+            <a:solidFill>
+              <a:schemeClr val="bg2">
+                <a:lumMod val="40000"/>
+                <a:lumOff val="60000"/>
+                <a:alpha val="40000"/>
+              </a:schemeClr>
+            </a:solidFill>
+          </a:ln>
+        </p:spPr>
+        <p:style>
+          <a:lnRef idx="2">
+            <a:schemeClr val="accent1"/>
+          </a:lnRef>
+          <a:fillRef idx="0">
+            <a:schemeClr val="accent1"/>
+          </a:fillRef>
+          <a:effectRef idx="1">
+            <a:schemeClr val="accent1"/>
+          </a:effectRef>
+          <a:fontRef idx="minor">
+            <a:schemeClr val="tx1"/>
+          </a:fontRef>
+        </p:style>
+      </p:cxnSp>
+      <p:sp>
+        <p:nvSpPr>
+          <p:cNvPr id="7" name="Date Placeholder 3"/>
+          <p:cNvSpPr>
+            <a:spLocks noGrp="1"/>
+          </p:cNvSpPr>
+          <p:nvPr>
+            <p:ph type="dt" sz="half" idx="10"/>
+          </p:nvPr>
+        </p:nvSpPr>
+        <p:spPr/>
+        <p:txBody>
+          <a:bodyPr/>
+          <a:lstStyle/>
+          <a:p>
+            <a:fld id="{262A603C-F736-824C-AB36-6AEAD7F07479}" type="datetimeFigureOut">
+              <a:rPr lang="en-US" smtClean="0"/>
+              <a:t>6/8/20</a:t>
+            </a:fld>
+            <a:endParaRPr lang="en-US"/>
+          </a:p>
+        </p:txBody>
+      </p:sp>
+      <p:sp>
+        <p:nvSpPr>
+          <p:cNvPr id="4" name="Footer Placeholder 4"/>
+          <p:cNvSpPr>
+            <a:spLocks noGrp="1"/>
+          </p:cNvSpPr>
+          <p:nvPr>
+            <p:ph type="ftr" sz="quarter" idx="11"/>
+          </p:nvPr>
+        </p:nvSpPr>
+        <p:spPr/>
+        <p:txBody>
+          <a:bodyPr/>
+          <a:lstStyle/>
+          <a:p>
+            <a:endParaRPr lang="en-US"/>
+          </a:p>
+        </p:txBody>
+      </p:sp>
+      <p:sp>
+        <p:nvSpPr>
+          <p:cNvPr id="6" name="Slide Number Placeholder 5"/>
+          <p:cNvSpPr>
+            <a:spLocks noGrp="1"/>
+          </p:cNvSpPr>
+          <p:nvPr>
+            <p:ph type="sldNum" sz="quarter" idx="12"/>
+          </p:nvPr>
+        </p:nvSpPr>
+        <p:spPr/>
+        <p:txBody>
+          <a:bodyPr/>
+          <a:lstStyle/>
+          <a:p>
+            <a:fld id="{98E4583D-9C5C-FF40-9653-C6BEB967BC77}" type="slidenum">
+              <a:rPr lang="en-US" smtClean="0"/>
+              <a:t>‹#›</a:t>
+            </a:fld>
+            <a:endParaRPr lang="en-US"/>
+          </a:p>
+        </p:txBody>
+      </p:sp>
+    </p:spTree>
+    <p:extLst>
+      <p:ext uri="{BB962C8B-B14F-4D97-AF65-F5344CB8AC3E}">
+        <p14:creationId xmlns:p14="http://schemas.microsoft.com/office/powerpoint/2010/main" val="1510551191"/>
+      </p:ext>
+    </p:extLst>
+  </p:cSld>
+  <p:clrMapOvr>
+    <a:masterClrMapping/>
+  </p:clrMapOvr>
+</p:sldLayout>
+</file>
+
+<file path=ppt/slideLayouts/slideLayout15.xml><?xml version="1.0" encoding="utf-8"?>
+<p:sldLayout xmlns:a="http://schemas.openxmlformats.org/drawingml/2006/main" xmlns:r="http://schemas.openxmlformats.org/officeDocument/2006/relationships" xmlns:p="http://schemas.openxmlformats.org/presentationml/2006/main" preserve="1">
+  <p:cSld name="3 Picture Column">
+    <p:spTree>
+      <p:nvGrpSpPr>
+        <p:cNvPr id="1" name=""/>
+        <p:cNvGrpSpPr/>
+        <p:nvPr/>
+      </p:nvGrpSpPr>
+      <p:grpSpPr>
+        <a:xfrm>
+          <a:off x="0" y="0"/>
+          <a:ext cx="0" cy="0"/>
+          <a:chOff x="0" y="0"/>
+          <a:chExt cx="0" cy="0"/>
+        </a:xfrm>
+      </p:grpSpPr>
+      <p:sp>
+        <p:nvSpPr>
+          <p:cNvPr id="2" name="Title 1"/>
+          <p:cNvSpPr>
+            <a:spLocks noGrp="1"/>
+          </p:cNvSpPr>
+          <p:nvPr>
+            <p:ph type="title"/>
+          </p:nvPr>
+        </p:nvSpPr>
+        <p:spPr/>
+        <p:txBody>
+          <a:bodyPr/>
+          <a:lstStyle>
+            <a:lvl1pPr>
+              <a:defRPr sz="4200"/>
+            </a:lvl1pPr>
+          </a:lstStyle>
+          <a:p>
+            <a:r>
+              <a:rPr lang="en-US"/>
+              <a:t>Click to edit Master title style</a:t>
+            </a:r>
+            <a:endParaRPr lang="en-US" dirty="0"/>
+          </a:p>
+        </p:txBody>
+      </p:sp>
+      <p:sp>
+        <p:nvSpPr>
+          <p:cNvPr id="3" name="Text Placeholder 2"/>
+          <p:cNvSpPr>
+            <a:spLocks noGrp="1"/>
+          </p:cNvSpPr>
+          <p:nvPr>
+            <p:ph type="body" idx="1"/>
+          </p:nvPr>
+        </p:nvSpPr>
+        <p:spPr>
+          <a:xfrm>
+            <a:off x="652463" y="4250949"/>
+            <a:ext cx="2940050" cy="576262"/>
+          </a:xfrm>
+        </p:spPr>
+        <p:txBody>
+          <a:bodyPr anchor="b">
+            <a:noAutofit/>
+          </a:bodyPr>
+          <a:lstStyle>
+            <a:lvl1pPr marL="0" indent="0">
+              <a:buNone/>
+              <a:defRPr sz="2400" b="0">
+                <a:solidFill>
+                  <a:schemeClr val="bg2">
+                    <a:lumMod val="40000"/>
+                    <a:lumOff val="60000"/>
+                  </a:schemeClr>
+                </a:solidFill>
+              </a:defRPr>
+            </a:lvl1pPr>
+            <a:lvl2pPr marL="457200" indent="0">
+              <a:buNone/>
+              <a:defRPr sz="2000" b="1"/>
+            </a:lvl2pPr>
+            <a:lvl3pPr marL="914400" indent="0">
+              <a:buNone/>
+              <a:defRPr sz="1800" b="1"/>
+            </a:lvl3pPr>
+            <a:lvl4pPr marL="1371600" indent="0">
+              <a:buNone/>
+              <a:defRPr sz="1600" b="1"/>
+            </a:lvl4pPr>
+            <a:lvl5pPr marL="1828800" indent="0">
+              <a:buNone/>
+              <a:defRPr sz="1600" b="1"/>
+            </a:lvl5pPr>
+            <a:lvl6pPr marL="2286000" indent="0">
+              <a:buNone/>
+              <a:defRPr sz="1600" b="1"/>
+            </a:lvl6pPr>
+            <a:lvl7pPr marL="2743200" indent="0">
+              <a:buNone/>
+              <a:defRPr sz="1600" b="1"/>
+            </a:lvl7pPr>
+            <a:lvl8pPr marL="3200400" indent="0">
+              <a:buNone/>
+              <a:defRPr sz="1600" b="1"/>
+            </a:lvl8pPr>
+            <a:lvl9pPr marL="3657600" indent="0">
+              <a:buNone/>
+              <a:defRPr sz="1600" b="1"/>
+            </a:lvl9pPr>
+          </a:lstStyle>
+          <a:p>
+            <a:pPr lvl="0"/>
+            <a:r>
+              <a:rPr lang="en-US"/>
+              <a:t>Click to edit Master text styles</a:t>
+            </a:r>
+          </a:p>
+        </p:txBody>
+      </p:sp>
+      <p:sp>
+        <p:nvSpPr>
+          <p:cNvPr id="29" name="Picture Placeholder 2"/>
+          <p:cNvSpPr>
+            <a:spLocks noGrp="1" noChangeAspect="1"/>
+          </p:cNvSpPr>
+          <p:nvPr>
+            <p:ph type="pic" idx="15"/>
+          </p:nvPr>
+        </p:nvSpPr>
+        <p:spPr>
+          <a:xfrm>
+            <a:off x="652463" y="2209800"/>
+            <a:ext cx="2940050" cy="1524000"/>
+          </a:xfrm>
+          <a:prstGeom prst="roundRect">
+            <a:avLst>
+              <a:gd name="adj" fmla="val 1858"/>
+            </a:avLst>
+          </a:prstGeom>
+          <a:effectLst>
+            <a:outerShdw blurRad="50800" dist="50800" dir="5400000" algn="tl" rotWithShape="0">
+              <a:srgbClr val="000000">
+                <a:alpha val="43000"/>
+              </a:srgbClr>
+            </a:outerShdw>
+          </a:effectLst>
+        </p:spPr>
+        <p:txBody>
+          <a:bodyPr anchor="t">
+            <a:normAutofit/>
+          </a:bodyPr>
+          <a:lstStyle>
+            <a:lvl1pPr marL="0" indent="0" algn="ctr">
+              <a:buNone/>
+              <a:defRPr sz="1600"/>
+            </a:lvl1pPr>
+            <a:lvl2pPr marL="457200" indent="0">
+              <a:buNone/>
+              <a:defRPr sz="1600"/>
+            </a:lvl2pPr>
+            <a:lvl3pPr marL="914400" indent="0">
+              <a:buNone/>
+              <a:defRPr sz="1600"/>
+            </a:lvl3pPr>
+            <a:lvl4pPr marL="1371600" indent="0">
+              <a:buNone/>
+              <a:defRPr sz="1600"/>
+            </a:lvl4pPr>
+            <a:lvl5pPr marL="1828800" indent="0">
+              <a:buNone/>
+              <a:defRPr sz="1600"/>
+            </a:lvl5pPr>
+            <a:lvl6pPr marL="2286000" indent="0">
+              <a:buNone/>
+              <a:defRPr sz="1600"/>
+            </a:lvl6pPr>
+            <a:lvl7pPr marL="2743200" indent="0">
+              <a:buNone/>
+              <a:defRPr sz="1600"/>
+            </a:lvl7pPr>
+            <a:lvl8pPr marL="3200400" indent="0">
+              <a:buNone/>
+              <a:defRPr sz="1600"/>
+            </a:lvl8pPr>
+            <a:lvl9pPr marL="3657600" indent="0">
+              <a:buNone/>
+              <a:defRPr sz="1600"/>
+            </a:lvl9pPr>
+          </a:lstStyle>
+          <a:p>
+            <a:r>
+              <a:rPr lang="en-US"/>
+              <a:t>Click icon to add picture</a:t>
+            </a:r>
+            <a:endParaRPr lang="en-US" dirty="0"/>
+          </a:p>
+        </p:txBody>
+      </p:sp>
+      <p:sp>
+        <p:nvSpPr>
+          <p:cNvPr id="22" name="Text Placeholder 3"/>
+          <p:cNvSpPr>
+            <a:spLocks noGrp="1"/>
+          </p:cNvSpPr>
+          <p:nvPr>
+            <p:ph type="body" sz="half" idx="18"/>
+          </p:nvPr>
+        </p:nvSpPr>
+        <p:spPr>
+          <a:xfrm>
+            <a:off x="652463" y="4827211"/>
+            <a:ext cx="2940050" cy="659189"/>
+          </a:xfrm>
+        </p:spPr>
+        <p:txBody>
+          <a:bodyPr anchor="t">
+            <a:normAutofit/>
+          </a:bodyPr>
+          <a:lstStyle>
+            <a:lvl1pPr marL="0" indent="0">
+              <a:buNone/>
+              <a:defRPr sz="1400"/>
+            </a:lvl1pPr>
+            <a:lvl2pPr marL="457200" indent="0">
+              <a:buNone/>
+              <a:defRPr sz="1200"/>
+            </a:lvl2pPr>
+            <a:lvl3pPr marL="914400" indent="0">
+              <a:buNone/>
+              <a:defRPr sz="1000"/>
+            </a:lvl3pPr>
+            <a:lvl4pPr marL="1371600" indent="0">
+              <a:buNone/>
+              <a:defRPr sz="900"/>
+            </a:lvl4pPr>
+            <a:lvl5pPr marL="1828800" indent="0">
+              <a:buNone/>
+              <a:defRPr sz="900"/>
+            </a:lvl5pPr>
+            <a:lvl6pPr marL="2286000" indent="0">
+              <a:buNone/>
+              <a:defRPr sz="900"/>
+            </a:lvl6pPr>
+            <a:lvl7pPr marL="2743200" indent="0">
+              <a:buNone/>
+              <a:defRPr sz="900"/>
+            </a:lvl7pPr>
+            <a:lvl8pPr marL="3200400" indent="0">
+              <a:buNone/>
+              <a:defRPr sz="900"/>
+            </a:lvl8pPr>
+            <a:lvl9pPr marL="3657600" indent="0">
+              <a:buNone/>
+              <a:defRPr sz="900"/>
+            </a:lvl9pPr>
+          </a:lstStyle>
+          <a:p>
+            <a:pPr lvl="0"/>
+            <a:r>
+              <a:rPr lang="en-US"/>
+              <a:t>Click to edit Master text styles</a:t>
+            </a:r>
+          </a:p>
+        </p:txBody>
+      </p:sp>
+      <p:sp>
+        <p:nvSpPr>
+          <p:cNvPr id="5" name="Text Placeholder 4"/>
+          <p:cNvSpPr>
+            <a:spLocks noGrp="1"/>
+          </p:cNvSpPr>
+          <p:nvPr>
+            <p:ph type="body" sz="quarter" idx="3"/>
+          </p:nvPr>
+        </p:nvSpPr>
+        <p:spPr>
+          <a:xfrm>
+            <a:off x="3889375" y="4250949"/>
+            <a:ext cx="2930525" cy="576262"/>
+          </a:xfrm>
+        </p:spPr>
+        <p:txBody>
+          <a:bodyPr anchor="b">
+            <a:noAutofit/>
+          </a:bodyPr>
+          <a:lstStyle>
+            <a:lvl1pPr marL="0" indent="0">
+              <a:buNone/>
+              <a:defRPr sz="2400" b="0">
+                <a:solidFill>
+                  <a:schemeClr val="bg2">
+                    <a:lumMod val="40000"/>
+                    <a:lumOff val="60000"/>
+                  </a:schemeClr>
+                </a:solidFill>
+              </a:defRPr>
+            </a:lvl1pPr>
+            <a:lvl2pPr marL="457200" indent="0">
+              <a:buNone/>
+              <a:defRPr sz="2000" b="1"/>
+            </a:lvl2pPr>
+            <a:lvl3pPr marL="914400" indent="0">
+              <a:buNone/>
+              <a:defRPr sz="1800" b="1"/>
+            </a:lvl3pPr>
+            <a:lvl4pPr marL="1371600" indent="0">
+              <a:buNone/>
+              <a:defRPr sz="1600" b="1"/>
+            </a:lvl4pPr>
+            <a:lvl5pPr marL="1828800" indent="0">
+              <a:buNone/>
+              <a:defRPr sz="1600" b="1"/>
+            </a:lvl5pPr>
+            <a:lvl6pPr marL="2286000" indent="0">
+              <a:buNone/>
+              <a:defRPr sz="1600" b="1"/>
+            </a:lvl6pPr>
+            <a:lvl7pPr marL="2743200" indent="0">
+              <a:buNone/>
+              <a:defRPr sz="1600" b="1"/>
+            </a:lvl7pPr>
+            <a:lvl8pPr marL="3200400" indent="0">
+              <a:buNone/>
+              <a:defRPr sz="1600" b="1"/>
+            </a:lvl8pPr>
+            <a:lvl9pPr marL="3657600" indent="0">
+              <a:buNone/>
+              <a:defRPr sz="1600" b="1"/>
+            </a:lvl9pPr>
+          </a:lstStyle>
+          <a:p>
+            <a:pPr lvl="0"/>
+            <a:r>
+              <a:rPr lang="en-US"/>
+              <a:t>Click to edit Master text styles</a:t>
+            </a:r>
+          </a:p>
+        </p:txBody>
+      </p:sp>
+      <p:sp>
+        <p:nvSpPr>
+          <p:cNvPr id="30" name="Picture Placeholder 2"/>
+          <p:cNvSpPr>
+            <a:spLocks noGrp="1" noChangeAspect="1"/>
+          </p:cNvSpPr>
+          <p:nvPr>
+            <p:ph type="pic" idx="21"/>
+          </p:nvPr>
+        </p:nvSpPr>
+        <p:spPr>
+          <a:xfrm>
+            <a:off x="3889374" y="2209800"/>
+            <a:ext cx="2930525" cy="1524000"/>
+          </a:xfrm>
+          <a:prstGeom prst="roundRect">
+            <a:avLst>
+              <a:gd name="adj" fmla="val 1858"/>
+            </a:avLst>
+          </a:prstGeom>
+          <a:effectLst>
+            <a:outerShdw blurRad="50800" dist="50800" dir="5400000" algn="tl" rotWithShape="0">
+              <a:srgbClr val="000000">
+                <a:alpha val="43000"/>
+              </a:srgbClr>
+            </a:outerShdw>
+          </a:effectLst>
+        </p:spPr>
+        <p:txBody>
+          <a:bodyPr anchor="t">
+            <a:normAutofit/>
+          </a:bodyPr>
+          <a:lstStyle>
+            <a:lvl1pPr marL="0" indent="0" algn="ctr">
+              <a:buNone/>
+              <a:defRPr sz="1600"/>
+            </a:lvl1pPr>
+            <a:lvl2pPr marL="457200" indent="0">
+              <a:buNone/>
+              <a:defRPr sz="1600"/>
+            </a:lvl2pPr>
+            <a:lvl3pPr marL="914400" indent="0">
+              <a:buNone/>
+              <a:defRPr sz="1600"/>
+            </a:lvl3pPr>
+            <a:lvl4pPr marL="1371600" indent="0">
+              <a:buNone/>
+              <a:defRPr sz="1600"/>
+            </a:lvl4pPr>
+            <a:lvl5pPr marL="1828800" indent="0">
+              <a:buNone/>
+              <a:defRPr sz="1600"/>
+            </a:lvl5pPr>
+            <a:lvl6pPr marL="2286000" indent="0">
+              <a:buNone/>
+              <a:defRPr sz="1600"/>
+            </a:lvl6pPr>
+            <a:lvl7pPr marL="2743200" indent="0">
+              <a:buNone/>
+              <a:defRPr sz="1600"/>
+            </a:lvl7pPr>
+            <a:lvl8pPr marL="3200400" indent="0">
+              <a:buNone/>
+              <a:defRPr sz="1600"/>
+            </a:lvl8pPr>
+            <a:lvl9pPr marL="3657600" indent="0">
+              <a:buNone/>
+              <a:defRPr sz="1600"/>
+            </a:lvl9pPr>
+          </a:lstStyle>
+          <a:p>
+            <a:r>
+              <a:rPr lang="en-US"/>
+              <a:t>Click icon to add picture</a:t>
+            </a:r>
+            <a:endParaRPr lang="en-US" dirty="0"/>
+          </a:p>
+        </p:txBody>
+      </p:sp>
+      <p:sp>
+        <p:nvSpPr>
+          <p:cNvPr id="23" name="Text Placeholder 3"/>
+          <p:cNvSpPr>
+            <a:spLocks noGrp="1"/>
+          </p:cNvSpPr>
+          <p:nvPr>
+            <p:ph type="body" sz="half" idx="19"/>
+          </p:nvPr>
+        </p:nvSpPr>
+        <p:spPr>
+          <a:xfrm>
+            <a:off x="3888022" y="4827210"/>
+            <a:ext cx="2934406" cy="659189"/>
+          </a:xfrm>
+        </p:spPr>
+        <p:txBody>
+          <a:bodyPr anchor="t">
+            <a:normAutofit/>
+          </a:bodyPr>
+          <a:lstStyle>
+            <a:lvl1pPr marL="0" indent="0">
+              <a:buNone/>
+              <a:defRPr sz="1400"/>
+            </a:lvl1pPr>
+            <a:lvl2pPr marL="457200" indent="0">
+              <a:buNone/>
+              <a:defRPr sz="1200"/>
+            </a:lvl2pPr>
+            <a:lvl3pPr marL="914400" indent="0">
+              <a:buNone/>
+              <a:defRPr sz="1000"/>
+            </a:lvl3pPr>
+            <a:lvl4pPr marL="1371600" indent="0">
+              <a:buNone/>
+              <a:defRPr sz="900"/>
+            </a:lvl4pPr>
+            <a:lvl5pPr marL="1828800" indent="0">
+              <a:buNone/>
+              <a:defRPr sz="900"/>
+            </a:lvl5pPr>
+            <a:lvl6pPr marL="2286000" indent="0">
+              <a:buNone/>
+              <a:defRPr sz="900"/>
+            </a:lvl6pPr>
+            <a:lvl7pPr marL="2743200" indent="0">
+              <a:buNone/>
+              <a:defRPr sz="900"/>
+            </a:lvl7pPr>
+            <a:lvl8pPr marL="3200400" indent="0">
+              <a:buNone/>
+              <a:defRPr sz="900"/>
+            </a:lvl8pPr>
+            <a:lvl9pPr marL="3657600" indent="0">
+              <a:buNone/>
+              <a:defRPr sz="900"/>
+            </a:lvl9pPr>
+          </a:lstStyle>
+          <a:p>
+            <a:pPr lvl="0"/>
+            <a:r>
+              <a:rPr lang="en-US"/>
+              <a:t>Click to edit Master text styles</a:t>
+            </a:r>
+          </a:p>
+        </p:txBody>
+      </p:sp>
+      <p:sp>
+        <p:nvSpPr>
+          <p:cNvPr id="14" name="Text Placeholder 4"/>
+          <p:cNvSpPr>
+            <a:spLocks noGrp="1"/>
+          </p:cNvSpPr>
+          <p:nvPr>
+            <p:ph type="body" sz="quarter" idx="13"/>
+          </p:nvPr>
+        </p:nvSpPr>
+        <p:spPr>
+          <a:xfrm>
+            <a:off x="7124700" y="4250949"/>
+            <a:ext cx="2932113" cy="576262"/>
+          </a:xfrm>
+        </p:spPr>
+        <p:txBody>
+          <a:bodyPr anchor="b">
+            <a:noAutofit/>
+          </a:bodyPr>
+          <a:lstStyle>
+            <a:lvl1pPr marL="0" indent="0">
+              <a:buNone/>
+              <a:defRPr sz="2400" b="0">
+                <a:solidFill>
+                  <a:schemeClr val="bg2">
+                    <a:lumMod val="40000"/>
+                    <a:lumOff val="60000"/>
+                  </a:schemeClr>
+                </a:solidFill>
+              </a:defRPr>
+            </a:lvl1pPr>
+            <a:lvl2pPr marL="457200" indent="0">
+              <a:buNone/>
+              <a:defRPr sz="2000" b="1"/>
+            </a:lvl2pPr>
+            <a:lvl3pPr marL="914400" indent="0">
+              <a:buNone/>
+              <a:defRPr sz="1800" b="1"/>
+            </a:lvl3pPr>
+            <a:lvl4pPr marL="1371600" indent="0">
+              <a:buNone/>
+              <a:defRPr sz="1600" b="1"/>
+            </a:lvl4pPr>
+            <a:lvl5pPr marL="1828800" indent="0">
+              <a:buNone/>
+              <a:defRPr sz="1600" b="1"/>
+            </a:lvl5pPr>
+            <a:lvl6pPr marL="2286000" indent="0">
+              <a:buNone/>
+              <a:defRPr sz="1600" b="1"/>
+            </a:lvl6pPr>
+            <a:lvl7pPr marL="2743200" indent="0">
+              <a:buNone/>
+              <a:defRPr sz="1600" b="1"/>
+            </a:lvl7pPr>
+            <a:lvl8pPr marL="3200400" indent="0">
+              <a:buNone/>
+              <a:defRPr sz="1600" b="1"/>
+            </a:lvl8pPr>
+            <a:lvl9pPr marL="3657600" indent="0">
+              <a:buNone/>
+              <a:defRPr sz="1600" b="1"/>
+            </a:lvl9pPr>
+          </a:lstStyle>
+          <a:p>
+            <a:pPr lvl="0"/>
+            <a:r>
+              <a:rPr lang="en-US"/>
+              <a:t>Click to edit Master text styles</a:t>
+            </a:r>
+          </a:p>
+        </p:txBody>
+      </p:sp>
+      <p:sp>
+        <p:nvSpPr>
+          <p:cNvPr id="31" name="Picture Placeholder 2"/>
+          <p:cNvSpPr>
+            <a:spLocks noGrp="1" noChangeAspect="1"/>
+          </p:cNvSpPr>
+          <p:nvPr>
+            <p:ph type="pic" idx="22"/>
+          </p:nvPr>
+        </p:nvSpPr>
+        <p:spPr>
+          <a:xfrm>
+            <a:off x="7124699" y="2209800"/>
+            <a:ext cx="2932113" cy="1524000"/>
+          </a:xfrm>
+          <a:prstGeom prst="roundRect">
+            <a:avLst>
+              <a:gd name="adj" fmla="val 1858"/>
+            </a:avLst>
+          </a:prstGeom>
+          <a:effectLst>
+            <a:outerShdw blurRad="50800" dist="50800" dir="5400000" algn="tl" rotWithShape="0">
+              <a:srgbClr val="000000">
+                <a:alpha val="43000"/>
+              </a:srgbClr>
+            </a:outerShdw>
+          </a:effectLst>
+        </p:spPr>
+        <p:txBody>
+          <a:bodyPr anchor="t">
+            <a:normAutofit/>
+          </a:bodyPr>
+          <a:lstStyle>
+            <a:lvl1pPr marL="0" indent="0" algn="ctr">
+              <a:buNone/>
+              <a:defRPr sz="1600"/>
+            </a:lvl1pPr>
+            <a:lvl2pPr marL="457200" indent="0">
+              <a:buNone/>
+              <a:defRPr sz="1600"/>
+            </a:lvl2pPr>
+            <a:lvl3pPr marL="914400" indent="0">
+              <a:buNone/>
+              <a:defRPr sz="1600"/>
+            </a:lvl3pPr>
+            <a:lvl4pPr marL="1371600" indent="0">
+              <a:buNone/>
+              <a:defRPr sz="1600"/>
+            </a:lvl4pPr>
+            <a:lvl5pPr marL="1828800" indent="0">
+              <a:buNone/>
+              <a:defRPr sz="1600"/>
+            </a:lvl5pPr>
+            <a:lvl6pPr marL="2286000" indent="0">
+              <a:buNone/>
+              <a:defRPr sz="1600"/>
+            </a:lvl6pPr>
+            <a:lvl7pPr marL="2743200" indent="0">
+              <a:buNone/>
+              <a:defRPr sz="1600"/>
+            </a:lvl7pPr>
+            <a:lvl8pPr marL="3200400" indent="0">
+              <a:buNone/>
+              <a:defRPr sz="1600"/>
+            </a:lvl8pPr>
+            <a:lvl9pPr marL="3657600" indent="0">
+              <a:buNone/>
+              <a:defRPr sz="1600"/>
+            </a:lvl9pPr>
+          </a:lstStyle>
+          <a:p>
+            <a:r>
+              <a:rPr lang="en-US"/>
+              <a:t>Click icon to add picture</a:t>
+            </a:r>
+            <a:endParaRPr lang="en-US" dirty="0"/>
+          </a:p>
+        </p:txBody>
+      </p:sp>
+      <p:sp>
+        <p:nvSpPr>
+          <p:cNvPr id="24" name="Text Placeholder 3"/>
+          <p:cNvSpPr>
+            <a:spLocks noGrp="1"/>
+          </p:cNvSpPr>
+          <p:nvPr>
+            <p:ph type="body" sz="half" idx="20"/>
+          </p:nvPr>
+        </p:nvSpPr>
+        <p:spPr>
+          <a:xfrm>
+            <a:off x="7124575" y="4827208"/>
+            <a:ext cx="2935997" cy="659189"/>
+          </a:xfrm>
+        </p:spPr>
+        <p:txBody>
+          <a:bodyPr anchor="t">
+            <a:normAutofit/>
+          </a:bodyPr>
+          <a:lstStyle>
+            <a:lvl1pPr marL="0" indent="0">
+              <a:buNone/>
+              <a:defRPr sz="1400"/>
+            </a:lvl1pPr>
+            <a:lvl2pPr marL="457200" indent="0">
+              <a:buNone/>
+              <a:defRPr sz="1200"/>
+            </a:lvl2pPr>
+            <a:lvl3pPr marL="914400" indent="0">
+              <a:buNone/>
+              <a:defRPr sz="1000"/>
+            </a:lvl3pPr>
+            <a:lvl4pPr marL="1371600" indent="0">
+              <a:buNone/>
+              <a:defRPr sz="900"/>
+            </a:lvl4pPr>
+            <a:lvl5pPr marL="1828800" indent="0">
+              <a:buNone/>
+              <a:defRPr sz="900"/>
+            </a:lvl5pPr>
+            <a:lvl6pPr marL="2286000" indent="0">
+              <a:buNone/>
+              <a:defRPr sz="900"/>
+            </a:lvl6pPr>
+            <a:lvl7pPr marL="2743200" indent="0">
+              <a:buNone/>
+              <a:defRPr sz="900"/>
+            </a:lvl7pPr>
+            <a:lvl8pPr marL="3200400" indent="0">
+              <a:buNone/>
+              <a:defRPr sz="900"/>
+            </a:lvl8pPr>
+            <a:lvl9pPr marL="3657600" indent="0">
+              <a:buNone/>
+              <a:defRPr sz="900"/>
+            </a:lvl9pPr>
+          </a:lstStyle>
+          <a:p>
+            <a:pPr lvl="0"/>
+            <a:r>
+              <a:rPr lang="en-US"/>
+              <a:t>Click to edit Master text styles</a:t>
+            </a:r>
+          </a:p>
+        </p:txBody>
+      </p:sp>
+      <p:cxnSp>
+        <p:nvCxnSpPr>
+          <p:cNvPr id="19" name="Straight Connector 18"/>
+          <p:cNvCxnSpPr/>
+          <p:nvPr/>
+        </p:nvCxnSpPr>
+        <p:spPr>
+          <a:xfrm>
+            <a:off x="3726142" y="2133600"/>
+            <a:ext cx="0" cy="3962400"/>
+          </a:xfrm>
+          <a:prstGeom prst="line">
+            <a:avLst/>
+          </a:prstGeom>
+          <a:ln w="12700" cmpd="sng">
+            <a:solidFill>
+              <a:schemeClr val="bg2">
+                <a:lumMod val="40000"/>
+                <a:lumOff val="60000"/>
+                <a:alpha val="40000"/>
+              </a:schemeClr>
+            </a:solidFill>
+          </a:ln>
+        </p:spPr>
+        <p:style>
+          <a:lnRef idx="2">
+            <a:schemeClr val="accent1"/>
+          </a:lnRef>
+          <a:fillRef idx="0">
+            <a:schemeClr val="accent1"/>
+          </a:fillRef>
+          <a:effectRef idx="1">
+            <a:schemeClr val="accent1"/>
+          </a:effectRef>
+          <a:fontRef idx="minor">
+            <a:schemeClr val="tx1"/>
+          </a:fontRef>
+        </p:style>
+      </p:cxnSp>
+      <p:cxnSp>
+        <p:nvCxnSpPr>
+          <p:cNvPr id="20" name="Straight Connector 19"/>
+          <p:cNvCxnSpPr/>
+          <p:nvPr/>
+        </p:nvCxnSpPr>
+        <p:spPr>
+          <a:xfrm>
+            <a:off x="6962227" y="2133600"/>
+            <a:ext cx="0" cy="3966882"/>
+          </a:xfrm>
+          <a:prstGeom prst="line">
+            <a:avLst/>
+          </a:prstGeom>
+          <a:ln w="12700" cmpd="sng">
+            <a:solidFill>
+              <a:schemeClr val="bg2">
+                <a:lumMod val="40000"/>
+                <a:lumOff val="60000"/>
+                <a:alpha val="40000"/>
+              </a:schemeClr>
+            </a:solidFill>
+          </a:ln>
+        </p:spPr>
+        <p:style>
+          <a:lnRef idx="2">
+            <a:schemeClr val="accent1"/>
+          </a:lnRef>
+          <a:fillRef idx="0">
+            <a:schemeClr val="accent1"/>
+          </a:fillRef>
+          <a:effectRef idx="1">
+            <a:schemeClr val="accent1"/>
+          </a:effectRef>
+          <a:fontRef idx="minor">
+            <a:schemeClr val="tx1"/>
+          </a:fontRef>
+        </p:style>
+      </p:cxnSp>
+      <p:sp>
+        <p:nvSpPr>
+          <p:cNvPr id="7" name="Date Placeholder 3"/>
+          <p:cNvSpPr>
+            <a:spLocks noGrp="1"/>
+          </p:cNvSpPr>
+          <p:nvPr>
+            <p:ph type="dt" sz="half" idx="10"/>
+          </p:nvPr>
+        </p:nvSpPr>
+        <p:spPr/>
+        <p:txBody>
+          <a:bodyPr/>
+          <a:lstStyle/>
+          <a:p>
+            <a:fld id="{262A603C-F736-824C-AB36-6AEAD7F07479}" type="datetimeFigureOut">
+              <a:rPr lang="en-US" smtClean="0"/>
+              <a:t>6/8/20</a:t>
+            </a:fld>
+            <a:endParaRPr lang="en-US"/>
+          </a:p>
+        </p:txBody>
+      </p:sp>
+      <p:sp>
+        <p:nvSpPr>
+          <p:cNvPr id="4" name="Footer Placeholder 4"/>
+          <p:cNvSpPr>
+            <a:spLocks noGrp="1"/>
+          </p:cNvSpPr>
+          <p:nvPr>
+            <p:ph type="ftr" sz="quarter" idx="11"/>
+          </p:nvPr>
+        </p:nvSpPr>
+        <p:spPr/>
+        <p:txBody>
+          <a:bodyPr/>
+          <a:lstStyle/>
+          <a:p>
+            <a:endParaRPr lang="en-US"/>
+          </a:p>
+        </p:txBody>
+      </p:sp>
+      <p:sp>
+        <p:nvSpPr>
+          <p:cNvPr id="6" name="Slide Number Placeholder 5"/>
+          <p:cNvSpPr>
+            <a:spLocks noGrp="1"/>
+          </p:cNvSpPr>
+          <p:nvPr>
+            <p:ph type="sldNum" sz="quarter" idx="12"/>
+          </p:nvPr>
+        </p:nvSpPr>
+        <p:spPr/>
+        <p:txBody>
+          <a:bodyPr/>
+          <a:lstStyle/>
+          <a:p>
+            <a:fld id="{98E4583D-9C5C-FF40-9653-C6BEB967BC77}" type="slidenum">
+              <a:rPr lang="en-US" smtClean="0"/>
+              <a:t>‹#›</a:t>
+            </a:fld>
+            <a:endParaRPr lang="en-US"/>
+          </a:p>
+        </p:txBody>
+      </p:sp>
+    </p:spTree>
+    <p:extLst>
+      <p:ext uri="{BB962C8B-B14F-4D97-AF65-F5344CB8AC3E}">
+        <p14:creationId xmlns:p14="http://schemas.microsoft.com/office/powerpoint/2010/main" val="2933052359"/>
+      </p:ext>
+    </p:extLst>
+  </p:cSld>
+  <p:clrMapOvr>
+    <a:masterClrMapping/>
+  </p:clrMapOvr>
+</p:sldLayout>
+</file>
+
+<file path=ppt/slideLayouts/slideLayout16.xml><?xml version="1.0" encoding="utf-8"?>
 <p:sldLayout xmlns:a="http://schemas.openxmlformats.org/drawingml/2006/main" xmlns:r="http://schemas.openxmlformats.org/officeDocument/2006/relationships" xmlns:p="http://schemas.openxmlformats.org/presentationml/2006/main" type="vertTx" preserve="1">
   <p:cSld name="Title and Vertical Text">
     <p:spTree>
@@ -349,13 +2950,7 @@
       </p:grpSpPr>
       <p:sp>
         <p:nvSpPr>
-          <p:cNvPr id="2" name="Title 1">
-            <a:extLst>
-              <a:ext uri="{FF2B5EF4-FFF2-40B4-BE49-F238E27FC236}">
-                <a16:creationId xmlns:a16="http://schemas.microsoft.com/office/drawing/2014/main" id="{23CB9A69-8512-E44A-92E5-F6A6D6497570}"/>
-              </a:ext>
-            </a:extLst>
-          </p:cNvPr>
+          <p:cNvPr id="2" name="Title 1"/>
           <p:cNvSpPr>
             <a:spLocks noGrp="1"/>
           </p:cNvSpPr>
@@ -372,18 +2967,13 @@
               <a:rPr lang="en-US"/>
               <a:t>Click to edit Master title style</a:t>
             </a:r>
-          </a:p>
-        </p:txBody>
-      </p:sp>
-      <p:sp>
-        <p:nvSpPr>
-          <p:cNvPr id="3" name="Vertical Text Placeholder 2">
-            <a:extLst>
-              <a:ext uri="{FF2B5EF4-FFF2-40B4-BE49-F238E27FC236}">
-                <a16:creationId xmlns:a16="http://schemas.microsoft.com/office/drawing/2014/main" id="{1C2D5AE2-F12A-6943-A3A0-BD13192797D4}"/>
-              </a:ext>
-            </a:extLst>
-          </p:cNvPr>
+            <a:endParaRPr lang="en-US" dirty="0"/>
+          </a:p>
+        </p:txBody>
+      </p:sp>
+      <p:sp>
+        <p:nvSpPr>
+          <p:cNvPr id="3" name="Vertical Text Placeholder 2"/>
           <p:cNvSpPr>
             <a:spLocks noGrp="1"/>
           </p:cNvSpPr>
@@ -393,7 +2983,7 @@
         </p:nvSpPr>
         <p:spPr/>
         <p:txBody>
-          <a:bodyPr vert="eaVert"/>
+          <a:bodyPr vert="eaVert" anchor="t" anchorCtr="0"/>
           <a:lstStyle/>
           <a:p>
             <a:pPr lvl="0"/>
@@ -429,18 +3019,13 @@
               <a:rPr lang="en-US"/>
               <a:t>Fifth level</a:t>
             </a:r>
-          </a:p>
-        </p:txBody>
-      </p:sp>
-      <p:sp>
-        <p:nvSpPr>
-          <p:cNvPr id="4" name="Date Placeholder 3">
-            <a:extLst>
-              <a:ext uri="{FF2B5EF4-FFF2-40B4-BE49-F238E27FC236}">
-                <a16:creationId xmlns:a16="http://schemas.microsoft.com/office/drawing/2014/main" id="{79A9AB66-1688-0247-9B49-6F3EE2750A2D}"/>
-              </a:ext>
-            </a:extLst>
-          </p:cNvPr>
+            <a:endParaRPr lang="en-US" dirty="0"/>
+          </a:p>
+        </p:txBody>
+      </p:sp>
+      <p:sp>
+        <p:nvSpPr>
+          <p:cNvPr id="4" name="Date Placeholder 3"/>
           <p:cNvSpPr>
             <a:spLocks noGrp="1"/>
           </p:cNvSpPr>
@@ -463,13 +3048,7 @@
       </p:sp>
       <p:sp>
         <p:nvSpPr>
-          <p:cNvPr id="5" name="Footer Placeholder 4">
-            <a:extLst>
-              <a:ext uri="{FF2B5EF4-FFF2-40B4-BE49-F238E27FC236}">
-                <a16:creationId xmlns:a16="http://schemas.microsoft.com/office/drawing/2014/main" id="{8C929CE9-B1B1-AF4A-9760-7842F1977EAD}"/>
-              </a:ext>
-            </a:extLst>
-          </p:cNvPr>
+          <p:cNvPr id="5" name="Footer Placeholder 4"/>
           <p:cNvSpPr>
             <a:spLocks noGrp="1"/>
           </p:cNvSpPr>
@@ -488,13 +3067,7 @@
       </p:sp>
       <p:sp>
         <p:nvSpPr>
-          <p:cNvPr id="6" name="Slide Number Placeholder 5">
-            <a:extLst>
-              <a:ext uri="{FF2B5EF4-FFF2-40B4-BE49-F238E27FC236}">
-                <a16:creationId xmlns:a16="http://schemas.microsoft.com/office/drawing/2014/main" id="{FFB5B138-0193-E441-9CB8-BF03DC01313A}"/>
-              </a:ext>
-            </a:extLst>
-          </p:cNvPr>
+          <p:cNvPr id="6" name="Slide Number Placeholder 5"/>
           <p:cNvSpPr>
             <a:spLocks noGrp="1"/>
           </p:cNvSpPr>
@@ -518,7 +3091,7 @@
     </p:spTree>
     <p:extLst>
       <p:ext uri="{BB962C8B-B14F-4D97-AF65-F5344CB8AC3E}">
-        <p14:creationId xmlns:p14="http://schemas.microsoft.com/office/powerpoint/2010/main" val="1709966144"/>
+        <p14:creationId xmlns:p14="http://schemas.microsoft.com/office/powerpoint/2010/main" val="288176584"/>
       </p:ext>
     </p:extLst>
   </p:cSld>
@@ -528,7 +3101,7 @@
 </p:sldLayout>
 </file>
 
-<file path=ppt/slideLayouts/slideLayout11.xml><?xml version="1.0" encoding="utf-8"?>
+<file path=ppt/slideLayouts/slideLayout17.xml><?xml version="1.0" encoding="utf-8"?>
 <p:sldLayout xmlns:a="http://schemas.openxmlformats.org/drawingml/2006/main" xmlns:r="http://schemas.openxmlformats.org/officeDocument/2006/relationships" xmlns:p="http://schemas.openxmlformats.org/presentationml/2006/main" type="vertTitleAndTx" preserve="1">
   <p:cSld name="Vertical Title and Text">
     <p:spTree>
@@ -547,13 +3120,7 @@
       </p:grpSpPr>
       <p:sp>
         <p:nvSpPr>
-          <p:cNvPr id="2" name="Vertical Title 1">
-            <a:extLst>
-              <a:ext uri="{FF2B5EF4-FFF2-40B4-BE49-F238E27FC236}">
-                <a16:creationId xmlns:a16="http://schemas.microsoft.com/office/drawing/2014/main" id="{A94366A4-CE02-2643-8E9D-23AA8C34BFCB}"/>
-              </a:ext>
-            </a:extLst>
-          </p:cNvPr>
+          <p:cNvPr id="2" name="Vertical Title 1"/>
           <p:cNvSpPr>
             <a:spLocks noGrp="1"/>
           </p:cNvSpPr>
@@ -563,30 +3130,25 @@
         </p:nvSpPr>
         <p:spPr>
           <a:xfrm>
-            <a:off x="8724900" y="365125"/>
-            <a:ext cx="2628900" cy="5811838"/>
+            <a:off x="8304212" y="430213"/>
+            <a:ext cx="1752601" cy="5826125"/>
           </a:xfrm>
         </p:spPr>
         <p:txBody>
-          <a:bodyPr vert="eaVert"/>
+          <a:bodyPr vert="eaVert" anchor="b" anchorCtr="0"/>
           <a:lstStyle/>
           <a:p>
             <a:r>
               <a:rPr lang="en-US"/>
               <a:t>Click to edit Master title style</a:t>
             </a:r>
-          </a:p>
-        </p:txBody>
-      </p:sp>
-      <p:sp>
-        <p:nvSpPr>
-          <p:cNvPr id="3" name="Vertical Text Placeholder 2">
-            <a:extLst>
-              <a:ext uri="{FF2B5EF4-FFF2-40B4-BE49-F238E27FC236}">
-                <a16:creationId xmlns:a16="http://schemas.microsoft.com/office/drawing/2014/main" id="{9226251F-2510-0540-B081-B5EE69D091B3}"/>
-              </a:ext>
-            </a:extLst>
-          </p:cNvPr>
+            <a:endParaRPr lang="en-US" dirty="0"/>
+          </a:p>
+        </p:txBody>
+      </p:sp>
+      <p:sp>
+        <p:nvSpPr>
+          <p:cNvPr id="3" name="Vertical Text Placeholder 2"/>
           <p:cNvSpPr>
             <a:spLocks noGrp="1"/>
           </p:cNvSpPr>
@@ -596,8 +3158,8 @@
         </p:nvSpPr>
         <p:spPr>
           <a:xfrm>
-            <a:off x="838200" y="365125"/>
-            <a:ext cx="7734300" cy="5811838"/>
+            <a:off x="652463" y="887414"/>
+            <a:ext cx="7423149" cy="5368924"/>
           </a:xfrm>
         </p:spPr>
         <p:txBody>
@@ -637,18 +3199,13 @@
               <a:rPr lang="en-US"/>
               <a:t>Fifth level</a:t>
             </a:r>
-          </a:p>
-        </p:txBody>
-      </p:sp>
-      <p:sp>
-        <p:nvSpPr>
-          <p:cNvPr id="4" name="Date Placeholder 3">
-            <a:extLst>
-              <a:ext uri="{FF2B5EF4-FFF2-40B4-BE49-F238E27FC236}">
-                <a16:creationId xmlns:a16="http://schemas.microsoft.com/office/drawing/2014/main" id="{05A37144-A509-A547-B423-BE0CC364C2A4}"/>
-              </a:ext>
-            </a:extLst>
-          </p:cNvPr>
+            <a:endParaRPr lang="en-US" dirty="0"/>
+          </a:p>
+        </p:txBody>
+      </p:sp>
+      <p:sp>
+        <p:nvSpPr>
+          <p:cNvPr id="4" name="Date Placeholder 3"/>
           <p:cNvSpPr>
             <a:spLocks noGrp="1"/>
           </p:cNvSpPr>
@@ -671,13 +3228,7 @@
       </p:sp>
       <p:sp>
         <p:nvSpPr>
-          <p:cNvPr id="5" name="Footer Placeholder 4">
-            <a:extLst>
-              <a:ext uri="{FF2B5EF4-FFF2-40B4-BE49-F238E27FC236}">
-                <a16:creationId xmlns:a16="http://schemas.microsoft.com/office/drawing/2014/main" id="{C2FD32A9-BD43-3F40-A2AB-6DB98DA02C33}"/>
-              </a:ext>
-            </a:extLst>
-          </p:cNvPr>
+          <p:cNvPr id="5" name="Footer Placeholder 4"/>
           <p:cNvSpPr>
             <a:spLocks noGrp="1"/>
           </p:cNvSpPr>
@@ -696,13 +3247,7 @@
       </p:sp>
       <p:sp>
         <p:nvSpPr>
-          <p:cNvPr id="6" name="Slide Number Placeholder 5">
-            <a:extLst>
-              <a:ext uri="{FF2B5EF4-FFF2-40B4-BE49-F238E27FC236}">
-                <a16:creationId xmlns:a16="http://schemas.microsoft.com/office/drawing/2014/main" id="{4EFF14C4-38F8-5944-84CE-2E5197650FC6}"/>
-              </a:ext>
-            </a:extLst>
-          </p:cNvPr>
+          <p:cNvPr id="6" name="Slide Number Placeholder 5"/>
           <p:cNvSpPr>
             <a:spLocks noGrp="1"/>
           </p:cNvSpPr>
@@ -726,7 +3271,7 @@
     </p:spTree>
     <p:extLst>
       <p:ext uri="{BB962C8B-B14F-4D97-AF65-F5344CB8AC3E}">
-        <p14:creationId xmlns:p14="http://schemas.microsoft.com/office/powerpoint/2010/main" val="1281530012"/>
+        <p14:creationId xmlns:p14="http://schemas.microsoft.com/office/powerpoint/2010/main" val="2099756110"/>
       </p:ext>
     </p:extLst>
   </p:cSld>
@@ -755,13 +3300,7 @@
       </p:grpSpPr>
       <p:sp>
         <p:nvSpPr>
-          <p:cNvPr id="2" name="Title 1">
-            <a:extLst>
-              <a:ext uri="{FF2B5EF4-FFF2-40B4-BE49-F238E27FC236}">
-                <a16:creationId xmlns:a16="http://schemas.microsoft.com/office/drawing/2014/main" id="{07A79EAB-4366-B143-BE7E-04B3EF13E9E8}"/>
-              </a:ext>
-            </a:extLst>
-          </p:cNvPr>
+          <p:cNvPr id="2" name="Title 1"/>
           <p:cNvSpPr>
             <a:spLocks noGrp="1"/>
           </p:cNvSpPr>
@@ -778,18 +3317,13 @@
               <a:rPr lang="en-US"/>
               <a:t>Click to edit Master title style</a:t>
             </a:r>
-          </a:p>
-        </p:txBody>
-      </p:sp>
-      <p:sp>
-        <p:nvSpPr>
-          <p:cNvPr id="3" name="Content Placeholder 2">
-            <a:extLst>
-              <a:ext uri="{FF2B5EF4-FFF2-40B4-BE49-F238E27FC236}">
-                <a16:creationId xmlns:a16="http://schemas.microsoft.com/office/drawing/2014/main" id="{EE3F5699-CBE9-2F4F-87D5-E69F33CDF3D5}"/>
-              </a:ext>
-            </a:extLst>
-          </p:cNvPr>
+            <a:endParaRPr lang="en-US" dirty="0"/>
+          </a:p>
+        </p:txBody>
+      </p:sp>
+      <p:sp>
+        <p:nvSpPr>
+          <p:cNvPr id="3" name="Content Placeholder 2"/>
           <p:cNvSpPr>
             <a:spLocks noGrp="1"/>
           </p:cNvSpPr>
@@ -835,18 +3369,13 @@
               <a:rPr lang="en-US"/>
               <a:t>Fifth level</a:t>
             </a:r>
-          </a:p>
-        </p:txBody>
-      </p:sp>
-      <p:sp>
-        <p:nvSpPr>
-          <p:cNvPr id="4" name="Date Placeholder 3">
-            <a:extLst>
-              <a:ext uri="{FF2B5EF4-FFF2-40B4-BE49-F238E27FC236}">
-                <a16:creationId xmlns:a16="http://schemas.microsoft.com/office/drawing/2014/main" id="{1A77280D-ED5E-F849-B484-873060E886F1}"/>
-              </a:ext>
-            </a:extLst>
-          </p:cNvPr>
+            <a:endParaRPr lang="en-US" dirty="0"/>
+          </a:p>
+        </p:txBody>
+      </p:sp>
+      <p:sp>
+        <p:nvSpPr>
+          <p:cNvPr id="7" name="Date Placeholder 3"/>
           <p:cNvSpPr>
             <a:spLocks noGrp="1"/>
           </p:cNvSpPr>
@@ -869,13 +3398,7 @@
       </p:sp>
       <p:sp>
         <p:nvSpPr>
-          <p:cNvPr id="5" name="Footer Placeholder 4">
-            <a:extLst>
-              <a:ext uri="{FF2B5EF4-FFF2-40B4-BE49-F238E27FC236}">
-                <a16:creationId xmlns:a16="http://schemas.microsoft.com/office/drawing/2014/main" id="{67949689-2959-BE44-A392-92E7C7152C32}"/>
-              </a:ext>
-            </a:extLst>
-          </p:cNvPr>
+          <p:cNvPr id="5" name="Footer Placeholder 4"/>
           <p:cNvSpPr>
             <a:spLocks noGrp="1"/>
           </p:cNvSpPr>
@@ -894,13 +3417,7 @@
       </p:sp>
       <p:sp>
         <p:nvSpPr>
-          <p:cNvPr id="6" name="Slide Number Placeholder 5">
-            <a:extLst>
-              <a:ext uri="{FF2B5EF4-FFF2-40B4-BE49-F238E27FC236}">
-                <a16:creationId xmlns:a16="http://schemas.microsoft.com/office/drawing/2014/main" id="{DB15CDF0-4918-5F46-B5E9-713F797E9F6C}"/>
-              </a:ext>
-            </a:extLst>
-          </p:cNvPr>
+          <p:cNvPr id="6" name="Slide Number Placeholder 5"/>
           <p:cNvSpPr>
             <a:spLocks noGrp="1"/>
           </p:cNvSpPr>
@@ -924,7 +3441,7 @@
     </p:spTree>
     <p:extLst>
       <p:ext uri="{BB962C8B-B14F-4D97-AF65-F5344CB8AC3E}">
-        <p14:creationId xmlns:p14="http://schemas.microsoft.com/office/powerpoint/2010/main" val="2668177896"/>
+        <p14:creationId xmlns:p14="http://schemas.microsoft.com/office/powerpoint/2010/main" val="3139344530"/>
       </p:ext>
     </p:extLst>
   </p:cSld>
@@ -953,13 +3470,7 @@
       </p:grpSpPr>
       <p:sp>
         <p:nvSpPr>
-          <p:cNvPr id="2" name="Title 1">
-            <a:extLst>
-              <a:ext uri="{FF2B5EF4-FFF2-40B4-BE49-F238E27FC236}">
-                <a16:creationId xmlns:a16="http://schemas.microsoft.com/office/drawing/2014/main" id="{C853DB49-F905-2745-843C-4FF4FF305A12}"/>
-              </a:ext>
-            </a:extLst>
-          </p:cNvPr>
+          <p:cNvPr id="2" name="Title 1"/>
           <p:cNvSpPr>
             <a:spLocks noGrp="1"/>
           </p:cNvSpPr>
@@ -969,15 +3480,15 @@
         </p:nvSpPr>
         <p:spPr>
           <a:xfrm>
-            <a:off x="831850" y="1709738"/>
-            <a:ext cx="10515600" cy="2852737"/>
+            <a:off x="1154956" y="2861733"/>
+            <a:ext cx="8825657" cy="1915647"/>
           </a:xfrm>
         </p:spPr>
         <p:txBody>
           <a:bodyPr anchor="b"/>
           <a:lstStyle>
-            <a:lvl1pPr>
-              <a:defRPr sz="6000"/>
+            <a:lvl1pPr algn="l">
+              <a:defRPr sz="4000" b="0" cap="none"/>
             </a:lvl1pPr>
           </a:lstStyle>
           <a:p>
@@ -985,18 +3496,13 @@
               <a:rPr lang="en-US"/>
               <a:t>Click to edit Master title style</a:t>
             </a:r>
-          </a:p>
-        </p:txBody>
-      </p:sp>
-      <p:sp>
-        <p:nvSpPr>
-          <p:cNvPr id="3" name="Text Placeholder 2">
-            <a:extLst>
-              <a:ext uri="{FF2B5EF4-FFF2-40B4-BE49-F238E27FC236}">
-                <a16:creationId xmlns:a16="http://schemas.microsoft.com/office/drawing/2014/main" id="{5BFE284F-EFC4-6646-84BD-D85F32F1A1A9}"/>
-              </a:ext>
-            </a:extLst>
-          </p:cNvPr>
+            <a:endParaRPr lang="en-US" dirty="0"/>
+          </a:p>
+        </p:txBody>
+      </p:sp>
+      <p:sp>
+        <p:nvSpPr>
+          <p:cNvPr id="3" name="Text Placeholder 2"/>
           <p:cNvSpPr>
             <a:spLocks noGrp="1"/>
           </p:cNvSpPr>
@@ -1006,26 +3512,27 @@
         </p:nvSpPr>
         <p:spPr>
           <a:xfrm>
-            <a:off x="831850" y="4589463"/>
-            <a:ext cx="10515600" cy="1500187"/>
+            <a:off x="1154955" y="4777381"/>
+            <a:ext cx="8825658" cy="860400"/>
           </a:xfrm>
         </p:spPr>
         <p:txBody>
-          <a:bodyPr/>
+          <a:bodyPr anchor="t"/>
           <a:lstStyle>
-            <a:lvl1pPr marL="0" indent="0">
-              <a:buNone/>
-              <a:defRPr sz="2400">
+            <a:lvl1pPr marL="0" indent="0" algn="l">
+              <a:buNone/>
+              <a:defRPr sz="2000" cap="all">
                 <a:solidFill>
-                  <a:schemeClr val="tx1">
-                    <a:tint val="75000"/>
+                  <a:schemeClr val="bg2">
+                    <a:lumMod val="40000"/>
+                    <a:lumOff val="60000"/>
                   </a:schemeClr>
                 </a:solidFill>
               </a:defRPr>
             </a:lvl1pPr>
             <a:lvl2pPr marL="457200" indent="0">
               <a:buNone/>
-              <a:defRPr sz="2000">
+              <a:defRPr sz="1800">
                 <a:solidFill>
                   <a:schemeClr val="tx1">
                     <a:tint val="75000"/>
@@ -1035,7 +3542,7 @@
             </a:lvl2pPr>
             <a:lvl3pPr marL="914400" indent="0">
               <a:buNone/>
-              <a:defRPr sz="1800">
+              <a:defRPr sz="1600">
                 <a:solidFill>
                   <a:schemeClr val="tx1">
                     <a:tint val="75000"/>
@@ -1045,7 +3552,7 @@
             </a:lvl3pPr>
             <a:lvl4pPr marL="1371600" indent="0">
               <a:buNone/>
-              <a:defRPr sz="1600">
+              <a:defRPr sz="1400">
                 <a:solidFill>
                   <a:schemeClr val="tx1">
                     <a:tint val="75000"/>
@@ -1055,7 +3562,7 @@
             </a:lvl4pPr>
             <a:lvl5pPr marL="1828800" indent="0">
               <a:buNone/>
-              <a:defRPr sz="1600">
+              <a:defRPr sz="1400">
                 <a:solidFill>
                   <a:schemeClr val="tx1">
                     <a:tint val="75000"/>
@@ -1065,7 +3572,7 @@
             </a:lvl5pPr>
             <a:lvl6pPr marL="2286000" indent="0">
               <a:buNone/>
-              <a:defRPr sz="1600">
+              <a:defRPr sz="1400">
                 <a:solidFill>
                   <a:schemeClr val="tx1">
                     <a:tint val="75000"/>
@@ -1075,7 +3582,7 @@
             </a:lvl6pPr>
             <a:lvl7pPr marL="2743200" indent="0">
               <a:buNone/>
-              <a:defRPr sz="1600">
+              <a:defRPr sz="1400">
                 <a:solidFill>
                   <a:schemeClr val="tx1">
                     <a:tint val="75000"/>
@@ -1085,7 +3592,7 @@
             </a:lvl7pPr>
             <a:lvl8pPr marL="3200400" indent="0">
               <a:buNone/>
-              <a:defRPr sz="1600">
+              <a:defRPr sz="1400">
                 <a:solidFill>
                   <a:schemeClr val="tx1">
                     <a:tint val="75000"/>
@@ -1095,7 +3602,7 @@
             </a:lvl8pPr>
             <a:lvl9pPr marL="3657600" indent="0">
               <a:buNone/>
-              <a:defRPr sz="1600">
+              <a:defRPr sz="1400">
                 <a:solidFill>
                   <a:schemeClr val="tx1">
                     <a:tint val="75000"/>
@@ -1115,13 +3622,7 @@
       </p:sp>
       <p:sp>
         <p:nvSpPr>
-          <p:cNvPr id="4" name="Date Placeholder 3">
-            <a:extLst>
-              <a:ext uri="{FF2B5EF4-FFF2-40B4-BE49-F238E27FC236}">
-                <a16:creationId xmlns:a16="http://schemas.microsoft.com/office/drawing/2014/main" id="{C04490A9-4288-5040-9373-58712962FFAC}"/>
-              </a:ext>
-            </a:extLst>
-          </p:cNvPr>
+          <p:cNvPr id="4" name="Date Placeholder 3"/>
           <p:cNvSpPr>
             <a:spLocks noGrp="1"/>
           </p:cNvSpPr>
@@ -1144,13 +3645,7 @@
       </p:sp>
       <p:sp>
         <p:nvSpPr>
-          <p:cNvPr id="5" name="Footer Placeholder 4">
-            <a:extLst>
-              <a:ext uri="{FF2B5EF4-FFF2-40B4-BE49-F238E27FC236}">
-                <a16:creationId xmlns:a16="http://schemas.microsoft.com/office/drawing/2014/main" id="{EB97FD98-5B1B-CB40-88FC-A8CA2C871B59}"/>
-              </a:ext>
-            </a:extLst>
-          </p:cNvPr>
+          <p:cNvPr id="5" name="Footer Placeholder 4"/>
           <p:cNvSpPr>
             <a:spLocks noGrp="1"/>
           </p:cNvSpPr>
@@ -1169,13 +3664,7 @@
       </p:sp>
       <p:sp>
         <p:nvSpPr>
-          <p:cNvPr id="6" name="Slide Number Placeholder 5">
-            <a:extLst>
-              <a:ext uri="{FF2B5EF4-FFF2-40B4-BE49-F238E27FC236}">
-                <a16:creationId xmlns:a16="http://schemas.microsoft.com/office/drawing/2014/main" id="{60A1FFEB-7317-354C-902A-C5FF91AFB619}"/>
-              </a:ext>
-            </a:extLst>
-          </p:cNvPr>
+          <p:cNvPr id="6" name="Slide Number Placeholder 5"/>
           <p:cNvSpPr>
             <a:spLocks noGrp="1"/>
           </p:cNvSpPr>
@@ -1199,7 +3688,7 @@
     </p:spTree>
     <p:extLst>
       <p:ext uri="{BB962C8B-B14F-4D97-AF65-F5344CB8AC3E}">
-        <p14:creationId xmlns:p14="http://schemas.microsoft.com/office/powerpoint/2010/main" val="1518949535"/>
+        <p14:creationId xmlns:p14="http://schemas.microsoft.com/office/powerpoint/2010/main" val="1943876961"/>
       </p:ext>
     </p:extLst>
   </p:cSld>
@@ -1228,13 +3717,7 @@
       </p:grpSpPr>
       <p:sp>
         <p:nvSpPr>
-          <p:cNvPr id="2" name="Title 1">
-            <a:extLst>
-              <a:ext uri="{FF2B5EF4-FFF2-40B4-BE49-F238E27FC236}">
-                <a16:creationId xmlns:a16="http://schemas.microsoft.com/office/drawing/2014/main" id="{8893E243-FBC4-7B4E-81F2-1C04D10F9072}"/>
-              </a:ext>
-            </a:extLst>
-          </p:cNvPr>
+          <p:cNvPr id="2" name="Title 1"/>
           <p:cNvSpPr>
             <a:spLocks noGrp="1"/>
           </p:cNvSpPr>
@@ -1251,18 +3734,13 @@
               <a:rPr lang="en-US"/>
               <a:t>Click to edit Master title style</a:t>
             </a:r>
-          </a:p>
-        </p:txBody>
-      </p:sp>
-      <p:sp>
-        <p:nvSpPr>
-          <p:cNvPr id="3" name="Content Placeholder 2">
-            <a:extLst>
-              <a:ext uri="{FF2B5EF4-FFF2-40B4-BE49-F238E27FC236}">
-                <a16:creationId xmlns:a16="http://schemas.microsoft.com/office/drawing/2014/main" id="{90631120-0B27-974A-A593-3CE7E17C40AD}"/>
-              </a:ext>
-            </a:extLst>
-          </p:cNvPr>
+            <a:endParaRPr lang="en-US" dirty="0"/>
+          </a:p>
+        </p:txBody>
+      </p:sp>
+      <p:sp>
+        <p:nvSpPr>
+          <p:cNvPr id="3" name="Content Placeholder 2"/>
           <p:cNvSpPr>
             <a:spLocks noGrp="1"/>
           </p:cNvSpPr>
@@ -1272,13 +3750,43 @@
         </p:nvSpPr>
         <p:spPr>
           <a:xfrm>
-            <a:off x="838200" y="1825625"/>
-            <a:ext cx="5181600" cy="4351338"/>
+            <a:off x="1103312" y="2060575"/>
+            <a:ext cx="4396339" cy="4195763"/>
           </a:xfrm>
         </p:spPr>
         <p:txBody>
-          <a:bodyPr/>
-          <a:lstStyle/>
+          <a:bodyPr>
+            <a:normAutofit/>
+          </a:bodyPr>
+          <a:lstStyle>
+            <a:lvl1pPr>
+              <a:defRPr sz="1800"/>
+            </a:lvl1pPr>
+            <a:lvl2pPr>
+              <a:defRPr sz="1600"/>
+            </a:lvl2pPr>
+            <a:lvl3pPr>
+              <a:defRPr sz="1400"/>
+            </a:lvl3pPr>
+            <a:lvl4pPr>
+              <a:defRPr sz="1200"/>
+            </a:lvl4pPr>
+            <a:lvl5pPr>
+              <a:defRPr sz="1200"/>
+            </a:lvl5pPr>
+            <a:lvl6pPr>
+              <a:defRPr sz="1200"/>
+            </a:lvl6pPr>
+            <a:lvl7pPr>
+              <a:defRPr sz="1200"/>
+            </a:lvl7pPr>
+            <a:lvl8pPr>
+              <a:defRPr sz="1200"/>
+            </a:lvl8pPr>
+            <a:lvl9pPr>
+              <a:defRPr sz="1200"/>
+            </a:lvl9pPr>
+          </a:lstStyle>
           <a:p>
             <a:pPr lvl="0"/>
             <a:r>
@@ -1313,18 +3821,13 @@
               <a:rPr lang="en-US"/>
               <a:t>Fifth level</a:t>
             </a:r>
-          </a:p>
-        </p:txBody>
-      </p:sp>
-      <p:sp>
-        <p:nvSpPr>
-          <p:cNvPr id="4" name="Content Placeholder 3">
-            <a:extLst>
-              <a:ext uri="{FF2B5EF4-FFF2-40B4-BE49-F238E27FC236}">
-                <a16:creationId xmlns:a16="http://schemas.microsoft.com/office/drawing/2014/main" id="{24CAD513-6DB0-CD4B-9358-64FD196A5E80}"/>
-              </a:ext>
-            </a:extLst>
-          </p:cNvPr>
+            <a:endParaRPr lang="en-US" dirty="0"/>
+          </a:p>
+        </p:txBody>
+      </p:sp>
+      <p:sp>
+        <p:nvSpPr>
+          <p:cNvPr id="4" name="Content Placeholder 3"/>
           <p:cNvSpPr>
             <a:spLocks noGrp="1"/>
           </p:cNvSpPr>
@@ -1334,13 +3837,43 @@
         </p:nvSpPr>
         <p:spPr>
           <a:xfrm>
-            <a:off x="6172200" y="1825625"/>
-            <a:ext cx="5181600" cy="4351338"/>
+            <a:off x="5654493" y="2056092"/>
+            <a:ext cx="4396341" cy="4200245"/>
           </a:xfrm>
         </p:spPr>
         <p:txBody>
-          <a:bodyPr/>
-          <a:lstStyle/>
+          <a:bodyPr>
+            <a:normAutofit/>
+          </a:bodyPr>
+          <a:lstStyle>
+            <a:lvl1pPr>
+              <a:defRPr sz="1800"/>
+            </a:lvl1pPr>
+            <a:lvl2pPr>
+              <a:defRPr sz="1600"/>
+            </a:lvl2pPr>
+            <a:lvl3pPr>
+              <a:defRPr sz="1400"/>
+            </a:lvl3pPr>
+            <a:lvl4pPr>
+              <a:defRPr sz="1200"/>
+            </a:lvl4pPr>
+            <a:lvl5pPr>
+              <a:defRPr sz="1200"/>
+            </a:lvl5pPr>
+            <a:lvl6pPr>
+              <a:defRPr sz="1200"/>
+            </a:lvl6pPr>
+            <a:lvl7pPr>
+              <a:defRPr sz="1200"/>
+            </a:lvl7pPr>
+            <a:lvl8pPr>
+              <a:defRPr sz="1200"/>
+            </a:lvl8pPr>
+            <a:lvl9pPr>
+              <a:defRPr sz="1200"/>
+            </a:lvl9pPr>
+          </a:lstStyle>
           <a:p>
             <a:pPr lvl="0"/>
             <a:r>
@@ -1375,18 +3908,13 @@
               <a:rPr lang="en-US"/>
               <a:t>Fifth level</a:t>
             </a:r>
-          </a:p>
-        </p:txBody>
-      </p:sp>
-      <p:sp>
-        <p:nvSpPr>
-          <p:cNvPr id="5" name="Date Placeholder 4">
-            <a:extLst>
-              <a:ext uri="{FF2B5EF4-FFF2-40B4-BE49-F238E27FC236}">
-                <a16:creationId xmlns:a16="http://schemas.microsoft.com/office/drawing/2014/main" id="{407180AD-F015-C94E-9EA2-01539920AF71}"/>
-              </a:ext>
-            </a:extLst>
-          </p:cNvPr>
+            <a:endParaRPr lang="en-US" dirty="0"/>
+          </a:p>
+        </p:txBody>
+      </p:sp>
+      <p:sp>
+        <p:nvSpPr>
+          <p:cNvPr id="5" name="Date Placeholder 4"/>
           <p:cNvSpPr>
             <a:spLocks noGrp="1"/>
           </p:cNvSpPr>
@@ -1409,13 +3937,7 @@
       </p:sp>
       <p:sp>
         <p:nvSpPr>
-          <p:cNvPr id="6" name="Footer Placeholder 5">
-            <a:extLst>
-              <a:ext uri="{FF2B5EF4-FFF2-40B4-BE49-F238E27FC236}">
-                <a16:creationId xmlns:a16="http://schemas.microsoft.com/office/drawing/2014/main" id="{65CD9763-68B5-F44D-B19B-65963EA2A331}"/>
-              </a:ext>
-            </a:extLst>
-          </p:cNvPr>
+          <p:cNvPr id="6" name="Footer Placeholder 5"/>
           <p:cNvSpPr>
             <a:spLocks noGrp="1"/>
           </p:cNvSpPr>
@@ -1434,13 +3956,7 @@
       </p:sp>
       <p:sp>
         <p:nvSpPr>
-          <p:cNvPr id="7" name="Slide Number Placeholder 6">
-            <a:extLst>
-              <a:ext uri="{FF2B5EF4-FFF2-40B4-BE49-F238E27FC236}">
-                <a16:creationId xmlns:a16="http://schemas.microsoft.com/office/drawing/2014/main" id="{8E6EAEEF-EFF4-AB48-BC6E-4A988284EEF2}"/>
-              </a:ext>
-            </a:extLst>
-          </p:cNvPr>
+          <p:cNvPr id="7" name="Slide Number Placeholder 6"/>
           <p:cNvSpPr>
             <a:spLocks noGrp="1"/>
           </p:cNvSpPr>
@@ -1464,7 +3980,7 @@
     </p:spTree>
     <p:extLst>
       <p:ext uri="{BB962C8B-B14F-4D97-AF65-F5344CB8AC3E}">
-        <p14:creationId xmlns:p14="http://schemas.microsoft.com/office/powerpoint/2010/main" val="856609896"/>
+        <p14:creationId xmlns:p14="http://schemas.microsoft.com/office/powerpoint/2010/main" val="3708747025"/>
       </p:ext>
     </p:extLst>
   </p:cSld>
@@ -1493,65 +4009,62 @@
       </p:grpSpPr>
       <p:sp>
         <p:nvSpPr>
-          <p:cNvPr id="2" name="Title 1">
-            <a:extLst>
-              <a:ext uri="{FF2B5EF4-FFF2-40B4-BE49-F238E27FC236}">
-                <a16:creationId xmlns:a16="http://schemas.microsoft.com/office/drawing/2014/main" id="{88779748-CFDB-CE40-9704-6FD49B3FA7F9}"/>
-              </a:ext>
-            </a:extLst>
-          </p:cNvPr>
+          <p:cNvPr id="2" name="Title 1"/>
           <p:cNvSpPr>
             <a:spLocks noGrp="1"/>
           </p:cNvSpPr>
           <p:nvPr>
             <p:ph type="title"/>
+          </p:nvPr>
+        </p:nvSpPr>
+        <p:spPr/>
+        <p:txBody>
+          <a:bodyPr/>
+          <a:lstStyle>
+            <a:lvl1pPr>
+              <a:defRPr/>
+            </a:lvl1pPr>
+          </a:lstStyle>
+          <a:p>
+            <a:r>
+              <a:rPr lang="en-US"/>
+              <a:t>Click to edit Master title style</a:t>
+            </a:r>
+            <a:endParaRPr lang="en-US" dirty="0"/>
+          </a:p>
+        </p:txBody>
+      </p:sp>
+      <p:sp>
+        <p:nvSpPr>
+          <p:cNvPr id="3" name="Text Placeholder 2"/>
+          <p:cNvSpPr>
+            <a:spLocks noGrp="1"/>
+          </p:cNvSpPr>
+          <p:nvPr>
+            <p:ph type="body" idx="1"/>
           </p:nvPr>
         </p:nvSpPr>
         <p:spPr>
           <a:xfrm>
-            <a:off x="839788" y="365125"/>
-            <a:ext cx="10515600" cy="1325563"/>
+            <a:off x="1103313" y="1905000"/>
+            <a:ext cx="4396338" cy="576262"/>
           </a:xfrm>
         </p:spPr>
         <p:txBody>
-          <a:bodyPr/>
-          <a:lstStyle/>
-          <a:p>
-            <a:r>
-              <a:rPr lang="en-US"/>
-              <a:t>Click to edit Master title style</a:t>
-            </a:r>
-          </a:p>
-        </p:txBody>
-      </p:sp>
-      <p:sp>
-        <p:nvSpPr>
-          <p:cNvPr id="3" name="Text Placeholder 2">
-            <a:extLst>
-              <a:ext uri="{FF2B5EF4-FFF2-40B4-BE49-F238E27FC236}">
-                <a16:creationId xmlns:a16="http://schemas.microsoft.com/office/drawing/2014/main" id="{446E1CA2-22D8-DF47-A04C-39101B00A129}"/>
-              </a:ext>
-            </a:extLst>
-          </p:cNvPr>
-          <p:cNvSpPr>
-            <a:spLocks noGrp="1"/>
-          </p:cNvSpPr>
-          <p:nvPr>
-            <p:ph type="body" idx="1"/>
-          </p:nvPr>
-        </p:nvSpPr>
-        <p:spPr>
-          <a:xfrm>
-            <a:off x="839788" y="1681163"/>
-            <a:ext cx="5157787" cy="823912"/>
-          </a:xfrm>
-        </p:spPr>
-        <p:txBody>
-          <a:bodyPr anchor="b"/>
+          <a:bodyPr anchor="b">
+            <a:noAutofit/>
+          </a:bodyPr>
           <a:lstStyle>
             <a:lvl1pPr marL="0" indent="0">
               <a:buNone/>
-              <a:defRPr sz="2400" b="1"/>
+              <a:defRPr sz="2400" b="0">
+                <a:solidFill>
+                  <a:schemeClr val="bg2">
+                    <a:lumMod val="40000"/>
+                    <a:lumOff val="60000"/>
+                  </a:schemeClr>
+                </a:solidFill>
+              </a:defRPr>
             </a:lvl1pPr>
             <a:lvl2pPr marL="457200" indent="0">
               <a:buNone/>
@@ -1597,13 +4110,7 @@
       </p:sp>
       <p:sp>
         <p:nvSpPr>
-          <p:cNvPr id="4" name="Content Placeholder 3">
-            <a:extLst>
-              <a:ext uri="{FF2B5EF4-FFF2-40B4-BE49-F238E27FC236}">
-                <a16:creationId xmlns:a16="http://schemas.microsoft.com/office/drawing/2014/main" id="{2C8148F6-83B4-6E47-9531-0D0658950239}"/>
-              </a:ext>
-            </a:extLst>
-          </p:cNvPr>
+          <p:cNvPr id="4" name="Content Placeholder 3"/>
           <p:cNvSpPr>
             <a:spLocks noGrp="1"/>
           </p:cNvSpPr>
@@ -1613,13 +4120,43 @@
         </p:nvSpPr>
         <p:spPr>
           <a:xfrm>
-            <a:off x="839788" y="2505075"/>
-            <a:ext cx="5157787" cy="3684588"/>
+            <a:off x="1103312" y="2514600"/>
+            <a:ext cx="4396339" cy="3741738"/>
           </a:xfrm>
         </p:spPr>
         <p:txBody>
-          <a:bodyPr/>
-          <a:lstStyle/>
+          <a:bodyPr>
+            <a:normAutofit/>
+          </a:bodyPr>
+          <a:lstStyle>
+            <a:lvl1pPr>
+              <a:defRPr sz="1800"/>
+            </a:lvl1pPr>
+            <a:lvl2pPr>
+              <a:defRPr sz="1600"/>
+            </a:lvl2pPr>
+            <a:lvl3pPr>
+              <a:defRPr sz="1400"/>
+            </a:lvl3pPr>
+            <a:lvl4pPr>
+              <a:defRPr sz="1200"/>
+            </a:lvl4pPr>
+            <a:lvl5pPr>
+              <a:defRPr sz="1200"/>
+            </a:lvl5pPr>
+            <a:lvl6pPr>
+              <a:defRPr sz="1200"/>
+            </a:lvl6pPr>
+            <a:lvl7pPr>
+              <a:defRPr sz="1200"/>
+            </a:lvl7pPr>
+            <a:lvl8pPr>
+              <a:defRPr sz="1200"/>
+            </a:lvl8pPr>
+            <a:lvl9pPr>
+              <a:defRPr sz="1200"/>
+            </a:lvl9pPr>
+          </a:lstStyle>
           <a:p>
             <a:pPr lvl="0"/>
             <a:r>
@@ -1654,18 +4191,13 @@
               <a:rPr lang="en-US"/>
               <a:t>Fifth level</a:t>
             </a:r>
-          </a:p>
-        </p:txBody>
-      </p:sp>
-      <p:sp>
-        <p:nvSpPr>
-          <p:cNvPr id="5" name="Text Placeholder 4">
-            <a:extLst>
-              <a:ext uri="{FF2B5EF4-FFF2-40B4-BE49-F238E27FC236}">
-                <a16:creationId xmlns:a16="http://schemas.microsoft.com/office/drawing/2014/main" id="{A8F17B22-D391-A140-B0B3-E93579548611}"/>
-              </a:ext>
-            </a:extLst>
-          </p:cNvPr>
+            <a:endParaRPr lang="en-US" dirty="0"/>
+          </a:p>
+        </p:txBody>
+      </p:sp>
+      <p:sp>
+        <p:nvSpPr>
+          <p:cNvPr id="5" name="Text Placeholder 4"/>
           <p:cNvSpPr>
             <a:spLocks noGrp="1"/>
           </p:cNvSpPr>
@@ -1675,16 +4207,25 @@
         </p:nvSpPr>
         <p:spPr>
           <a:xfrm>
-            <a:off x="6172200" y="1681163"/>
-            <a:ext cx="5183188" cy="823912"/>
+            <a:off x="5654495" y="1905000"/>
+            <a:ext cx="4396339" cy="576262"/>
           </a:xfrm>
         </p:spPr>
         <p:txBody>
-          <a:bodyPr anchor="b"/>
+          <a:bodyPr anchor="b">
+            <a:noAutofit/>
+          </a:bodyPr>
           <a:lstStyle>
             <a:lvl1pPr marL="0" indent="0">
               <a:buNone/>
-              <a:defRPr sz="2400" b="1"/>
+              <a:defRPr sz="2400" b="0">
+                <a:solidFill>
+                  <a:schemeClr val="bg2">
+                    <a:lumMod val="40000"/>
+                    <a:lumOff val="60000"/>
+                  </a:schemeClr>
+                </a:solidFill>
+              </a:defRPr>
             </a:lvl1pPr>
             <a:lvl2pPr marL="457200" indent="0">
               <a:buNone/>
@@ -1730,13 +4271,7 @@
       </p:sp>
       <p:sp>
         <p:nvSpPr>
-          <p:cNvPr id="6" name="Content Placeholder 5">
-            <a:extLst>
-              <a:ext uri="{FF2B5EF4-FFF2-40B4-BE49-F238E27FC236}">
-                <a16:creationId xmlns:a16="http://schemas.microsoft.com/office/drawing/2014/main" id="{15BC70BD-C7F4-8347-BA54-9816D3CD17D8}"/>
-              </a:ext>
-            </a:extLst>
-          </p:cNvPr>
+          <p:cNvPr id="6" name="Content Placeholder 5"/>
           <p:cNvSpPr>
             <a:spLocks noGrp="1"/>
           </p:cNvSpPr>
@@ -1746,13 +4281,43 @@
         </p:nvSpPr>
         <p:spPr>
           <a:xfrm>
-            <a:off x="6172200" y="2505075"/>
-            <a:ext cx="5183188" cy="3684588"/>
+            <a:off x="5654495" y="2514600"/>
+            <a:ext cx="4396339" cy="3741738"/>
           </a:xfrm>
         </p:spPr>
         <p:txBody>
-          <a:bodyPr/>
-          <a:lstStyle/>
+          <a:bodyPr>
+            <a:normAutofit/>
+          </a:bodyPr>
+          <a:lstStyle>
+            <a:lvl1pPr>
+              <a:defRPr sz="1800"/>
+            </a:lvl1pPr>
+            <a:lvl2pPr>
+              <a:defRPr sz="1600"/>
+            </a:lvl2pPr>
+            <a:lvl3pPr>
+              <a:defRPr sz="1400"/>
+            </a:lvl3pPr>
+            <a:lvl4pPr>
+              <a:defRPr sz="1200"/>
+            </a:lvl4pPr>
+            <a:lvl5pPr>
+              <a:defRPr sz="1200"/>
+            </a:lvl5pPr>
+            <a:lvl6pPr>
+              <a:defRPr sz="1200"/>
+            </a:lvl6pPr>
+            <a:lvl7pPr>
+              <a:defRPr sz="1200"/>
+            </a:lvl7pPr>
+            <a:lvl8pPr>
+              <a:defRPr sz="1200"/>
+            </a:lvl8pPr>
+            <a:lvl9pPr>
+              <a:defRPr sz="1200"/>
+            </a:lvl9pPr>
+          </a:lstStyle>
           <a:p>
             <a:pPr lvl="0"/>
             <a:r>
@@ -1787,18 +4352,13 @@
               <a:rPr lang="en-US"/>
               <a:t>Fifth level</a:t>
             </a:r>
-          </a:p>
-        </p:txBody>
-      </p:sp>
-      <p:sp>
-        <p:nvSpPr>
-          <p:cNvPr id="7" name="Date Placeholder 6">
-            <a:extLst>
-              <a:ext uri="{FF2B5EF4-FFF2-40B4-BE49-F238E27FC236}">
-                <a16:creationId xmlns:a16="http://schemas.microsoft.com/office/drawing/2014/main" id="{A9530456-934D-EB4B-904B-935E4EFBC576}"/>
-              </a:ext>
-            </a:extLst>
-          </p:cNvPr>
+            <a:endParaRPr lang="en-US" dirty="0"/>
+          </a:p>
+        </p:txBody>
+      </p:sp>
+      <p:sp>
+        <p:nvSpPr>
+          <p:cNvPr id="7" name="Date Placeholder 6"/>
           <p:cNvSpPr>
             <a:spLocks noGrp="1"/>
           </p:cNvSpPr>
@@ -1821,13 +4381,7 @@
       </p:sp>
       <p:sp>
         <p:nvSpPr>
-          <p:cNvPr id="8" name="Footer Placeholder 7">
-            <a:extLst>
-              <a:ext uri="{FF2B5EF4-FFF2-40B4-BE49-F238E27FC236}">
-                <a16:creationId xmlns:a16="http://schemas.microsoft.com/office/drawing/2014/main" id="{61B4B75B-AD92-7845-BD6C-5BC1F42831C4}"/>
-              </a:ext>
-            </a:extLst>
-          </p:cNvPr>
+          <p:cNvPr id="8" name="Footer Placeholder 7"/>
           <p:cNvSpPr>
             <a:spLocks noGrp="1"/>
           </p:cNvSpPr>
@@ -1846,13 +4400,7 @@
       </p:sp>
       <p:sp>
         <p:nvSpPr>
-          <p:cNvPr id="9" name="Slide Number Placeholder 8">
-            <a:extLst>
-              <a:ext uri="{FF2B5EF4-FFF2-40B4-BE49-F238E27FC236}">
-                <a16:creationId xmlns:a16="http://schemas.microsoft.com/office/drawing/2014/main" id="{EEA97380-1912-0B4B-88C1-8A5CB311F339}"/>
-              </a:ext>
-            </a:extLst>
-          </p:cNvPr>
+          <p:cNvPr id="9" name="Slide Number Placeholder 8"/>
           <p:cNvSpPr>
             <a:spLocks noGrp="1"/>
           </p:cNvSpPr>
@@ -1876,7 +4424,7 @@
     </p:spTree>
     <p:extLst>
       <p:ext uri="{BB962C8B-B14F-4D97-AF65-F5344CB8AC3E}">
-        <p14:creationId xmlns:p14="http://schemas.microsoft.com/office/powerpoint/2010/main" val="4010963971"/>
+        <p14:creationId xmlns:p14="http://schemas.microsoft.com/office/powerpoint/2010/main" val="855984391"/>
       </p:ext>
     </p:extLst>
   </p:cSld>
@@ -1905,13 +4453,7 @@
       </p:grpSpPr>
       <p:sp>
         <p:nvSpPr>
-          <p:cNvPr id="2" name="Title 1">
-            <a:extLst>
-              <a:ext uri="{FF2B5EF4-FFF2-40B4-BE49-F238E27FC236}">
-                <a16:creationId xmlns:a16="http://schemas.microsoft.com/office/drawing/2014/main" id="{8F5BF1AC-04E8-F647-8713-07602C2B0262}"/>
-              </a:ext>
-            </a:extLst>
-          </p:cNvPr>
+          <p:cNvPr id="2" name="Title 1"/>
           <p:cNvSpPr>
             <a:spLocks noGrp="1"/>
           </p:cNvSpPr>
@@ -1928,18 +4470,13 @@
               <a:rPr lang="en-US"/>
               <a:t>Click to edit Master title style</a:t>
             </a:r>
-          </a:p>
-        </p:txBody>
-      </p:sp>
-      <p:sp>
-        <p:nvSpPr>
-          <p:cNvPr id="3" name="Date Placeholder 2">
-            <a:extLst>
-              <a:ext uri="{FF2B5EF4-FFF2-40B4-BE49-F238E27FC236}">
-                <a16:creationId xmlns:a16="http://schemas.microsoft.com/office/drawing/2014/main" id="{62A7AD59-F7C2-3D43-8D6C-B89608FD1D5A}"/>
-              </a:ext>
-            </a:extLst>
-          </p:cNvPr>
+            <a:endParaRPr lang="en-US" dirty="0"/>
+          </a:p>
+        </p:txBody>
+      </p:sp>
+      <p:sp>
+        <p:nvSpPr>
+          <p:cNvPr id="7" name="Date Placeholder 2"/>
           <p:cNvSpPr>
             <a:spLocks noGrp="1"/>
           </p:cNvSpPr>
@@ -1962,13 +4499,7 @@
       </p:sp>
       <p:sp>
         <p:nvSpPr>
-          <p:cNvPr id="4" name="Footer Placeholder 3">
-            <a:extLst>
-              <a:ext uri="{FF2B5EF4-FFF2-40B4-BE49-F238E27FC236}">
-                <a16:creationId xmlns:a16="http://schemas.microsoft.com/office/drawing/2014/main" id="{11367C75-96FE-A947-A86B-1D1D7ADFEC88}"/>
-              </a:ext>
-            </a:extLst>
-          </p:cNvPr>
+          <p:cNvPr id="5" name="Footer Placeholder 3"/>
           <p:cNvSpPr>
             <a:spLocks noGrp="1"/>
           </p:cNvSpPr>
@@ -1987,13 +4518,7 @@
       </p:sp>
       <p:sp>
         <p:nvSpPr>
-          <p:cNvPr id="5" name="Slide Number Placeholder 4">
-            <a:extLst>
-              <a:ext uri="{FF2B5EF4-FFF2-40B4-BE49-F238E27FC236}">
-                <a16:creationId xmlns:a16="http://schemas.microsoft.com/office/drawing/2014/main" id="{7DF96999-DAE7-CE47-AAA4-4B971A060190}"/>
-              </a:ext>
-            </a:extLst>
-          </p:cNvPr>
+          <p:cNvPr id="6" name="Slide Number Placeholder 4"/>
           <p:cNvSpPr>
             <a:spLocks noGrp="1"/>
           </p:cNvSpPr>
@@ -2017,7 +4542,7 @@
     </p:spTree>
     <p:extLst>
       <p:ext uri="{BB962C8B-B14F-4D97-AF65-F5344CB8AC3E}">
-        <p14:creationId xmlns:p14="http://schemas.microsoft.com/office/powerpoint/2010/main" val="1051543224"/>
+        <p14:creationId xmlns:p14="http://schemas.microsoft.com/office/powerpoint/2010/main" val="3854234291"/>
       </p:ext>
     </p:extLst>
   </p:cSld>
@@ -2046,13 +4571,7 @@
       </p:grpSpPr>
       <p:sp>
         <p:nvSpPr>
-          <p:cNvPr id="2" name="Date Placeholder 1">
-            <a:extLst>
-              <a:ext uri="{FF2B5EF4-FFF2-40B4-BE49-F238E27FC236}">
-                <a16:creationId xmlns:a16="http://schemas.microsoft.com/office/drawing/2014/main" id="{B08737B4-C2EA-094C-ABC0-CD6EA263ED9A}"/>
-              </a:ext>
-            </a:extLst>
-          </p:cNvPr>
+          <p:cNvPr id="7" name="Date Placeholder 1"/>
           <p:cNvSpPr>
             <a:spLocks noGrp="1"/>
           </p:cNvSpPr>
@@ -2075,13 +4594,7 @@
       </p:sp>
       <p:sp>
         <p:nvSpPr>
-          <p:cNvPr id="3" name="Footer Placeholder 2">
-            <a:extLst>
-              <a:ext uri="{FF2B5EF4-FFF2-40B4-BE49-F238E27FC236}">
-                <a16:creationId xmlns:a16="http://schemas.microsoft.com/office/drawing/2014/main" id="{BB8171E5-6495-5C4C-BDC9-D44CDB44F7A9}"/>
-              </a:ext>
-            </a:extLst>
-          </p:cNvPr>
+          <p:cNvPr id="5" name="Footer Placeholder 2"/>
           <p:cNvSpPr>
             <a:spLocks noGrp="1"/>
           </p:cNvSpPr>
@@ -2100,13 +4613,7 @@
       </p:sp>
       <p:sp>
         <p:nvSpPr>
-          <p:cNvPr id="4" name="Slide Number Placeholder 3">
-            <a:extLst>
-              <a:ext uri="{FF2B5EF4-FFF2-40B4-BE49-F238E27FC236}">
-                <a16:creationId xmlns:a16="http://schemas.microsoft.com/office/drawing/2014/main" id="{E49D1145-FD72-DE4A-9085-2DE14205FF9E}"/>
-              </a:ext>
-            </a:extLst>
-          </p:cNvPr>
+          <p:cNvPr id="6" name="Slide Number Placeholder 3"/>
           <p:cNvSpPr>
             <a:spLocks noGrp="1"/>
           </p:cNvSpPr>
@@ -2130,7 +4637,7 @@
     </p:spTree>
     <p:extLst>
       <p:ext uri="{BB962C8B-B14F-4D97-AF65-F5344CB8AC3E}">
-        <p14:creationId xmlns:p14="http://schemas.microsoft.com/office/powerpoint/2010/main" val="4044004153"/>
+        <p14:creationId xmlns:p14="http://schemas.microsoft.com/office/powerpoint/2010/main" val="2476599568"/>
       </p:ext>
     </p:extLst>
   </p:cSld>
@@ -2159,13 +4666,7 @@
       </p:grpSpPr>
       <p:sp>
         <p:nvSpPr>
-          <p:cNvPr id="2" name="Title 1">
-            <a:extLst>
-              <a:ext uri="{FF2B5EF4-FFF2-40B4-BE49-F238E27FC236}">
-                <a16:creationId xmlns:a16="http://schemas.microsoft.com/office/drawing/2014/main" id="{85C73C3A-AFB6-124E-BD64-36CD726A8862}"/>
-              </a:ext>
-            </a:extLst>
-          </p:cNvPr>
+          <p:cNvPr id="2" name="Title 1"/>
           <p:cNvSpPr>
             <a:spLocks noGrp="1"/>
           </p:cNvSpPr>
@@ -2175,15 +4676,15 @@
         </p:nvSpPr>
         <p:spPr>
           <a:xfrm>
-            <a:off x="839788" y="457200"/>
-            <a:ext cx="3932237" cy="1600200"/>
+            <a:off x="1154953" y="1447800"/>
+            <a:ext cx="3401064" cy="1447800"/>
           </a:xfrm>
         </p:spPr>
         <p:txBody>
           <a:bodyPr anchor="b"/>
           <a:lstStyle>
-            <a:lvl1pPr>
-              <a:defRPr sz="3200"/>
+            <a:lvl1pPr algn="l">
+              <a:defRPr sz="2400" b="0"/>
             </a:lvl1pPr>
           </a:lstStyle>
           <a:p>
@@ -2191,18 +4692,13 @@
               <a:rPr lang="en-US"/>
               <a:t>Click to edit Master title style</a:t>
             </a:r>
-          </a:p>
-        </p:txBody>
-      </p:sp>
-      <p:sp>
-        <p:nvSpPr>
-          <p:cNvPr id="3" name="Content Placeholder 2">
-            <a:extLst>
-              <a:ext uri="{FF2B5EF4-FFF2-40B4-BE49-F238E27FC236}">
-                <a16:creationId xmlns:a16="http://schemas.microsoft.com/office/drawing/2014/main" id="{C906117B-37DA-7A4B-8B34-6C2B8D03A28F}"/>
-              </a:ext>
-            </a:extLst>
-          </p:cNvPr>
+            <a:endParaRPr lang="en-US" dirty="0"/>
+          </a:p>
+        </p:txBody>
+      </p:sp>
+      <p:sp>
+        <p:nvSpPr>
+          <p:cNvPr id="3" name="Content Placeholder 2"/>
           <p:cNvSpPr>
             <a:spLocks noGrp="1"/>
           </p:cNvSpPr>
@@ -2212,39 +4708,41 @@
         </p:nvSpPr>
         <p:spPr>
           <a:xfrm>
-            <a:off x="5183188" y="987425"/>
-            <a:ext cx="6172200" cy="4873625"/>
+            <a:off x="4784616" y="1447800"/>
+            <a:ext cx="5195997" cy="4572000"/>
           </a:xfrm>
         </p:spPr>
         <p:txBody>
-          <a:bodyPr/>
+          <a:bodyPr anchor="ctr">
+            <a:normAutofit/>
+          </a:bodyPr>
           <a:lstStyle>
             <a:lvl1pPr>
-              <a:defRPr sz="3200"/>
+              <a:defRPr sz="2000"/>
             </a:lvl1pPr>
             <a:lvl2pPr>
-              <a:defRPr sz="2800"/>
+              <a:defRPr sz="1800"/>
             </a:lvl2pPr>
             <a:lvl3pPr>
-              <a:defRPr sz="2400"/>
+              <a:defRPr sz="1600"/>
             </a:lvl3pPr>
             <a:lvl4pPr>
-              <a:defRPr sz="2000"/>
+              <a:defRPr sz="1400"/>
             </a:lvl4pPr>
             <a:lvl5pPr>
-              <a:defRPr sz="2000"/>
+              <a:defRPr sz="1400"/>
             </a:lvl5pPr>
             <a:lvl6pPr>
-              <a:defRPr sz="2000"/>
+              <a:defRPr sz="1400"/>
             </a:lvl6pPr>
             <a:lvl7pPr>
-              <a:defRPr sz="2000"/>
+              <a:defRPr sz="1400"/>
             </a:lvl7pPr>
             <a:lvl8pPr>
-              <a:defRPr sz="2000"/>
+              <a:defRPr sz="1400"/>
             </a:lvl8pPr>
             <a:lvl9pPr>
-              <a:defRPr sz="2000"/>
+              <a:defRPr sz="1400"/>
             </a:lvl9pPr>
           </a:lstStyle>
           <a:p>
@@ -2281,18 +4779,13 @@
               <a:rPr lang="en-US"/>
               <a:t>Fifth level</a:t>
             </a:r>
-          </a:p>
-        </p:txBody>
-      </p:sp>
-      <p:sp>
-        <p:nvSpPr>
-          <p:cNvPr id="4" name="Text Placeholder 3">
-            <a:extLst>
-              <a:ext uri="{FF2B5EF4-FFF2-40B4-BE49-F238E27FC236}">
-                <a16:creationId xmlns:a16="http://schemas.microsoft.com/office/drawing/2014/main" id="{22B584A8-4C73-AB43-BBAA-10DA43E97368}"/>
-              </a:ext>
-            </a:extLst>
-          </p:cNvPr>
+            <a:endParaRPr lang="en-US" dirty="0"/>
+          </a:p>
+        </p:txBody>
+      </p:sp>
+      <p:sp>
+        <p:nvSpPr>
+          <p:cNvPr id="4" name="Text Placeholder 3"/>
           <p:cNvSpPr>
             <a:spLocks noGrp="1"/>
           </p:cNvSpPr>
@@ -2302,8 +4795,8 @@
         </p:nvSpPr>
         <p:spPr>
           <a:xfrm>
-            <a:off x="839788" y="2057400"/>
-            <a:ext cx="3932237" cy="3811588"/>
+            <a:off x="1154953" y="3129280"/>
+            <a:ext cx="3401063" cy="2895599"/>
           </a:xfrm>
         </p:spPr>
         <p:txBody>
@@ -2311,39 +4804,39 @@
           <a:lstStyle>
             <a:lvl1pPr marL="0" indent="0">
               <a:buNone/>
-              <a:defRPr sz="1600"/>
+              <a:defRPr sz="1400"/>
             </a:lvl1pPr>
             <a:lvl2pPr marL="457200" indent="0">
               <a:buNone/>
-              <a:defRPr sz="1400"/>
+              <a:defRPr sz="1200"/>
             </a:lvl2pPr>
             <a:lvl3pPr marL="914400" indent="0">
               <a:buNone/>
-              <a:defRPr sz="1200"/>
+              <a:defRPr sz="1000"/>
             </a:lvl3pPr>
             <a:lvl4pPr marL="1371600" indent="0">
               <a:buNone/>
-              <a:defRPr sz="1000"/>
+              <a:defRPr sz="900"/>
             </a:lvl4pPr>
             <a:lvl5pPr marL="1828800" indent="0">
               <a:buNone/>
-              <a:defRPr sz="1000"/>
+              <a:defRPr sz="900"/>
             </a:lvl5pPr>
             <a:lvl6pPr marL="2286000" indent="0">
               <a:buNone/>
-              <a:defRPr sz="1000"/>
+              <a:defRPr sz="900"/>
             </a:lvl6pPr>
             <a:lvl7pPr marL="2743200" indent="0">
               <a:buNone/>
-              <a:defRPr sz="1000"/>
+              <a:defRPr sz="900"/>
             </a:lvl7pPr>
             <a:lvl8pPr marL="3200400" indent="0">
               <a:buNone/>
-              <a:defRPr sz="1000"/>
+              <a:defRPr sz="900"/>
             </a:lvl8pPr>
             <a:lvl9pPr marL="3657600" indent="0">
               <a:buNone/>
-              <a:defRPr sz="1000"/>
+              <a:defRPr sz="900"/>
             </a:lvl9pPr>
           </a:lstStyle>
           <a:p>
@@ -2357,13 +4850,7 @@
       </p:sp>
       <p:sp>
         <p:nvSpPr>
-          <p:cNvPr id="5" name="Date Placeholder 4">
-            <a:extLst>
-              <a:ext uri="{FF2B5EF4-FFF2-40B4-BE49-F238E27FC236}">
-                <a16:creationId xmlns:a16="http://schemas.microsoft.com/office/drawing/2014/main" id="{B38AFC53-82DA-D84A-A4A2-8756880C2ACF}"/>
-              </a:ext>
-            </a:extLst>
-          </p:cNvPr>
+          <p:cNvPr id="7" name="Date Placeholder 4"/>
           <p:cNvSpPr>
             <a:spLocks noGrp="1"/>
           </p:cNvSpPr>
@@ -2386,13 +4873,7 @@
       </p:sp>
       <p:sp>
         <p:nvSpPr>
-          <p:cNvPr id="6" name="Footer Placeholder 5">
-            <a:extLst>
-              <a:ext uri="{FF2B5EF4-FFF2-40B4-BE49-F238E27FC236}">
-                <a16:creationId xmlns:a16="http://schemas.microsoft.com/office/drawing/2014/main" id="{CD68AF12-A120-5841-8F85-EAF12E3B09A9}"/>
-              </a:ext>
-            </a:extLst>
-          </p:cNvPr>
+          <p:cNvPr id="5" name="Footer Placeholder 5"/>
           <p:cNvSpPr>
             <a:spLocks noGrp="1"/>
           </p:cNvSpPr>
@@ -2411,13 +4892,7 @@
       </p:sp>
       <p:sp>
         <p:nvSpPr>
-          <p:cNvPr id="7" name="Slide Number Placeholder 6">
-            <a:extLst>
-              <a:ext uri="{FF2B5EF4-FFF2-40B4-BE49-F238E27FC236}">
-                <a16:creationId xmlns:a16="http://schemas.microsoft.com/office/drawing/2014/main" id="{0F986472-99AE-474C-80C5-2523D3F38B4B}"/>
-              </a:ext>
-            </a:extLst>
-          </p:cNvPr>
+          <p:cNvPr id="6" name="Slide Number Placeholder 6"/>
           <p:cNvSpPr>
             <a:spLocks noGrp="1"/>
           </p:cNvSpPr>
@@ -2441,7 +4916,7 @@
     </p:spTree>
     <p:extLst>
       <p:ext uri="{BB962C8B-B14F-4D97-AF65-F5344CB8AC3E}">
-        <p14:creationId xmlns:p14="http://schemas.microsoft.com/office/powerpoint/2010/main" val="2016448196"/>
+        <p14:creationId xmlns:p14="http://schemas.microsoft.com/office/powerpoint/2010/main" val="1406581180"/>
       </p:ext>
     </p:extLst>
   </p:cSld>
@@ -2470,13 +4945,7 @@
       </p:grpSpPr>
       <p:sp>
         <p:nvSpPr>
-          <p:cNvPr id="2" name="Title 1">
-            <a:extLst>
-              <a:ext uri="{FF2B5EF4-FFF2-40B4-BE49-F238E27FC236}">
-                <a16:creationId xmlns:a16="http://schemas.microsoft.com/office/drawing/2014/main" id="{576AF6D5-AB0E-234A-8764-FC4FAF1A7029}"/>
-              </a:ext>
-            </a:extLst>
-          </p:cNvPr>
+          <p:cNvPr id="2" name="Title 1"/>
           <p:cNvSpPr>
             <a:spLocks noGrp="1"/>
           </p:cNvSpPr>
@@ -2486,15 +4955,17 @@
         </p:nvSpPr>
         <p:spPr>
           <a:xfrm>
-            <a:off x="839788" y="457200"/>
-            <a:ext cx="3932237" cy="1600200"/>
+            <a:off x="1153907" y="1854192"/>
+            <a:ext cx="5092906" cy="1574808"/>
           </a:xfrm>
         </p:spPr>
         <p:txBody>
-          <a:bodyPr anchor="b"/>
+          <a:bodyPr anchor="b">
+            <a:normAutofit/>
+          </a:bodyPr>
           <a:lstStyle>
-            <a:lvl1pPr>
-              <a:defRPr sz="3200"/>
+            <a:lvl1pPr algn="l">
+              <a:defRPr sz="3600" b="0"/>
             </a:lvl1pPr>
           </a:lstStyle>
           <a:p>
@@ -2502,20 +4973,15 @@
               <a:rPr lang="en-US"/>
               <a:t>Click to edit Master title style</a:t>
             </a:r>
-          </a:p>
-        </p:txBody>
-      </p:sp>
-      <p:sp>
-        <p:nvSpPr>
-          <p:cNvPr id="3" name="Picture Placeholder 2">
-            <a:extLst>
-              <a:ext uri="{FF2B5EF4-FFF2-40B4-BE49-F238E27FC236}">
-                <a16:creationId xmlns:a16="http://schemas.microsoft.com/office/drawing/2014/main" id="{2BFEE908-AEA5-F64D-A037-23F2BDE73B2B}"/>
-              </a:ext>
-            </a:extLst>
-          </p:cNvPr>
-          <p:cNvSpPr>
-            <a:spLocks noGrp="1"/>
+            <a:endParaRPr lang="en-US" dirty="0"/>
+          </a:p>
+        </p:txBody>
+      </p:sp>
+      <p:sp>
+        <p:nvSpPr>
+          <p:cNvPr id="3" name="Picture Placeholder 2"/>
+          <p:cNvSpPr>
+            <a:spLocks noGrp="1" noChangeAspect="1"/>
           </p:cNvSpPr>
           <p:nvPr>
             <p:ph type="pic" idx="1"/>
@@ -2523,118 +4989,132 @@
         </p:nvSpPr>
         <p:spPr>
           <a:xfrm>
-            <a:off x="5183188" y="987425"/>
-            <a:ext cx="6172200" cy="4873625"/>
+            <a:off x="6949546" y="1143000"/>
+            <a:ext cx="3200400" cy="4572000"/>
           </a:xfrm>
+          <a:prstGeom prst="roundRect">
+            <a:avLst>
+              <a:gd name="adj" fmla="val 1858"/>
+            </a:avLst>
+          </a:prstGeom>
+          <a:effectLst>
+            <a:outerShdw blurRad="50800" dist="50800" dir="5400000" algn="tl" rotWithShape="0">
+              <a:srgbClr val="000000">
+                <a:alpha val="43000"/>
+              </a:srgbClr>
+            </a:outerShdw>
+          </a:effectLst>
         </p:spPr>
         <p:txBody>
-          <a:bodyPr/>
+          <a:bodyPr anchor="t">
+            <a:normAutofit/>
+          </a:bodyPr>
           <a:lstStyle>
-            <a:lvl1pPr marL="0" indent="0">
-              <a:buNone/>
-              <a:defRPr sz="3200"/>
-            </a:lvl1pPr>
-            <a:lvl2pPr marL="457200" indent="0">
-              <a:buNone/>
-              <a:defRPr sz="2800"/>
-            </a:lvl2pPr>
-            <a:lvl3pPr marL="914400" indent="0">
-              <a:buNone/>
-              <a:defRPr sz="2400"/>
-            </a:lvl3pPr>
-            <a:lvl4pPr marL="1371600" indent="0">
-              <a:buNone/>
-              <a:defRPr sz="2000"/>
-            </a:lvl4pPr>
-            <a:lvl5pPr marL="1828800" indent="0">
-              <a:buNone/>
-              <a:defRPr sz="2000"/>
-            </a:lvl5pPr>
-            <a:lvl6pPr marL="2286000" indent="0">
-              <a:buNone/>
-              <a:defRPr sz="2000"/>
-            </a:lvl6pPr>
-            <a:lvl7pPr marL="2743200" indent="0">
-              <a:buNone/>
-              <a:defRPr sz="2000"/>
-            </a:lvl7pPr>
-            <a:lvl8pPr marL="3200400" indent="0">
-              <a:buNone/>
-              <a:defRPr sz="2000"/>
-            </a:lvl8pPr>
-            <a:lvl9pPr marL="3657600" indent="0">
-              <a:buNone/>
-              <a:defRPr sz="2000"/>
-            </a:lvl9pPr>
-          </a:lstStyle>
-          <a:p>
-            <a:endParaRPr lang="en-US"/>
-          </a:p>
-        </p:txBody>
-      </p:sp>
-      <p:sp>
-        <p:nvSpPr>
-          <p:cNvPr id="4" name="Text Placeholder 3">
-            <a:extLst>
-              <a:ext uri="{FF2B5EF4-FFF2-40B4-BE49-F238E27FC236}">
-                <a16:creationId xmlns:a16="http://schemas.microsoft.com/office/drawing/2014/main" id="{3F927C7E-1CC3-6C47-A627-3D990F84E1CC}"/>
-              </a:ext>
-            </a:extLst>
-          </p:cNvPr>
-          <p:cNvSpPr>
-            <a:spLocks noGrp="1"/>
-          </p:cNvSpPr>
-          <p:nvPr>
-            <p:ph type="body" sz="half" idx="2"/>
-          </p:nvPr>
-        </p:nvSpPr>
-        <p:spPr>
-          <a:xfrm>
-            <a:off x="839788" y="2057400"/>
-            <a:ext cx="3932237" cy="3811588"/>
-          </a:xfrm>
-        </p:spPr>
-        <p:txBody>
-          <a:bodyPr/>
-          <a:lstStyle>
-            <a:lvl1pPr marL="0" indent="0">
+            <a:lvl1pPr marL="0" indent="0" algn="ctr">
               <a:buNone/>
               <a:defRPr sz="1600"/>
             </a:lvl1pPr>
             <a:lvl2pPr marL="457200" indent="0">
               <a:buNone/>
-              <a:defRPr sz="1400"/>
+              <a:defRPr sz="1600"/>
             </a:lvl2pPr>
             <a:lvl3pPr marL="914400" indent="0">
               <a:buNone/>
-              <a:defRPr sz="1200"/>
+              <a:defRPr sz="1600"/>
             </a:lvl3pPr>
             <a:lvl4pPr marL="1371600" indent="0">
               <a:buNone/>
-              <a:defRPr sz="1000"/>
+              <a:defRPr sz="1600"/>
             </a:lvl4pPr>
             <a:lvl5pPr marL="1828800" indent="0">
               <a:buNone/>
-              <a:defRPr sz="1000"/>
+              <a:defRPr sz="1600"/>
             </a:lvl5pPr>
             <a:lvl6pPr marL="2286000" indent="0">
               <a:buNone/>
-              <a:defRPr sz="1000"/>
+              <a:defRPr sz="1600"/>
             </a:lvl6pPr>
             <a:lvl7pPr marL="2743200" indent="0">
               <a:buNone/>
-              <a:defRPr sz="1000"/>
+              <a:defRPr sz="1600"/>
             </a:lvl7pPr>
             <a:lvl8pPr marL="3200400" indent="0">
               <a:buNone/>
-              <a:defRPr sz="1000"/>
+              <a:defRPr sz="1600"/>
             </a:lvl8pPr>
             <a:lvl9pPr marL="3657600" indent="0">
               <a:buNone/>
-              <a:defRPr sz="1000"/>
+              <a:defRPr sz="1600"/>
             </a:lvl9pPr>
           </a:lstStyle>
           <a:p>
+            <a:r>
+              <a:rPr lang="en-US"/>
+              <a:t>Click icon to add picture</a:t>
+            </a:r>
+            <a:endParaRPr lang="en-US" dirty="0"/>
+          </a:p>
+        </p:txBody>
+      </p:sp>
+      <p:sp>
+        <p:nvSpPr>
+          <p:cNvPr id="4" name="Text Placeholder 3"/>
+          <p:cNvSpPr>
+            <a:spLocks noGrp="1"/>
+          </p:cNvSpPr>
+          <p:nvPr>
+            <p:ph type="body" sz="half" idx="2"/>
+          </p:nvPr>
+        </p:nvSpPr>
+        <p:spPr>
+          <a:xfrm>
+            <a:off x="1154954" y="3657600"/>
+            <a:ext cx="5084979" cy="1371600"/>
+          </a:xfrm>
+        </p:spPr>
+        <p:txBody>
+          <a:bodyPr>
+            <a:normAutofit/>
+          </a:bodyPr>
+          <a:lstStyle>
+            <a:lvl1pPr marL="0" indent="0">
+              <a:buNone/>
+              <a:defRPr sz="1400"/>
+            </a:lvl1pPr>
+            <a:lvl2pPr marL="457200" indent="0">
+              <a:buNone/>
+              <a:defRPr sz="1200"/>
+            </a:lvl2pPr>
+            <a:lvl3pPr marL="914400" indent="0">
+              <a:buNone/>
+              <a:defRPr sz="1000"/>
+            </a:lvl3pPr>
+            <a:lvl4pPr marL="1371600" indent="0">
+              <a:buNone/>
+              <a:defRPr sz="900"/>
+            </a:lvl4pPr>
+            <a:lvl5pPr marL="1828800" indent="0">
+              <a:buNone/>
+              <a:defRPr sz="900"/>
+            </a:lvl5pPr>
+            <a:lvl6pPr marL="2286000" indent="0">
+              <a:buNone/>
+              <a:defRPr sz="900"/>
+            </a:lvl6pPr>
+            <a:lvl7pPr marL="2743200" indent="0">
+              <a:buNone/>
+              <a:defRPr sz="900"/>
+            </a:lvl7pPr>
+            <a:lvl8pPr marL="3200400" indent="0">
+              <a:buNone/>
+              <a:defRPr sz="900"/>
+            </a:lvl8pPr>
+            <a:lvl9pPr marL="3657600" indent="0">
+              <a:buNone/>
+              <a:defRPr sz="900"/>
+            </a:lvl9pPr>
+          </a:lstStyle>
+          <a:p>
             <a:pPr lvl="0"/>
             <a:r>
               <a:rPr lang="en-US"/>
@@ -2645,13 +5125,7 @@
       </p:sp>
       <p:sp>
         <p:nvSpPr>
-          <p:cNvPr id="5" name="Date Placeholder 4">
-            <a:extLst>
-              <a:ext uri="{FF2B5EF4-FFF2-40B4-BE49-F238E27FC236}">
-                <a16:creationId xmlns:a16="http://schemas.microsoft.com/office/drawing/2014/main" id="{81D62DD5-96F7-8648-9626-5CB78BB4B7D8}"/>
-              </a:ext>
-            </a:extLst>
-          </p:cNvPr>
+          <p:cNvPr id="5" name="Date Placeholder 4"/>
           <p:cNvSpPr>
             <a:spLocks noGrp="1"/>
           </p:cNvSpPr>
@@ -2674,13 +5148,7 @@
       </p:sp>
       <p:sp>
         <p:nvSpPr>
-          <p:cNvPr id="6" name="Footer Placeholder 5">
-            <a:extLst>
-              <a:ext uri="{FF2B5EF4-FFF2-40B4-BE49-F238E27FC236}">
-                <a16:creationId xmlns:a16="http://schemas.microsoft.com/office/drawing/2014/main" id="{61128D80-5785-D946-B433-67EBDFBF4401}"/>
-              </a:ext>
-            </a:extLst>
-          </p:cNvPr>
+          <p:cNvPr id="6" name="Footer Placeholder 5"/>
           <p:cNvSpPr>
             <a:spLocks noGrp="1"/>
           </p:cNvSpPr>
@@ -2699,13 +5167,7 @@
       </p:sp>
       <p:sp>
         <p:nvSpPr>
-          <p:cNvPr id="7" name="Slide Number Placeholder 6">
-            <a:extLst>
-              <a:ext uri="{FF2B5EF4-FFF2-40B4-BE49-F238E27FC236}">
-                <a16:creationId xmlns:a16="http://schemas.microsoft.com/office/drawing/2014/main" id="{A6C80D48-E8B1-4047-AE40-6ABBC0A9B281}"/>
-              </a:ext>
-            </a:extLst>
-          </p:cNvPr>
+          <p:cNvPr id="7" name="Slide Number Placeholder 6"/>
           <p:cNvSpPr>
             <a:spLocks noGrp="1"/>
           </p:cNvSpPr>
@@ -2729,7 +5191,7 @@
     </p:spTree>
     <p:extLst>
       <p:ext uri="{BB962C8B-B14F-4D97-AF65-F5344CB8AC3E}">
-        <p14:creationId xmlns:p14="http://schemas.microsoft.com/office/powerpoint/2010/main" val="212491003"/>
+        <p14:creationId xmlns:p14="http://schemas.microsoft.com/office/powerpoint/2010/main" val="3166221796"/>
       </p:ext>
     </p:extLst>
   </p:cSld>
@@ -2743,8 +5205,8 @@
 <p:sldMaster xmlns:a="http://schemas.openxmlformats.org/drawingml/2006/main" xmlns:r="http://schemas.openxmlformats.org/officeDocument/2006/relationships" xmlns:p="http://schemas.openxmlformats.org/presentationml/2006/main">
   <p:cSld>
     <p:bg>
-      <p:bgRef idx="1001">
-        <a:schemeClr val="bg1"/>
+      <p:bgRef idx="1003">
+        <a:schemeClr val="bg2"/>
       </p:bgRef>
     </p:bg>
     <p:spTree>
@@ -2761,141 +5223,420 @@
           <a:chExt cx="0" cy="0"/>
         </a:xfrm>
       </p:grpSpPr>
-      <p:sp>
-        <p:nvSpPr>
-          <p:cNvPr id="2" name="Title Placeholder 1">
+      <p:pic>
+        <p:nvPicPr>
+          <p:cNvPr id="8" name="Picture 7"/>
+          <p:cNvPicPr>
+            <a:picLocks noChangeAspect="1"/>
+          </p:cNvPicPr>
+          <p:nvPr/>
+        </p:nvPicPr>
+        <p:blipFill rotWithShape="1">
+          <a:blip r:embed="rId19">
             <a:extLst>
-              <a:ext uri="{FF2B5EF4-FFF2-40B4-BE49-F238E27FC236}">
-                <a16:creationId xmlns:a16="http://schemas.microsoft.com/office/drawing/2014/main" id="{D7179E2F-F8AC-DB48-AACF-B2337E176226}"/>
+              <a:ext uri="{28A0092B-C50C-407E-A947-70E740481C1C}">
+                <a14:useLocalDpi xmlns:a14="http://schemas.microsoft.com/office/drawing/2010/main" val="0"/>
               </a:ext>
             </a:extLst>
-          </p:cNvPr>
-          <p:cNvSpPr>
-            <a:spLocks noGrp="1"/>
-          </p:cNvSpPr>
-          <p:nvPr>
-            <p:ph type="title"/>
-          </p:nvPr>
-        </p:nvSpPr>
+          </a:blip>
+          <a:srcRect l="3613"/>
+          <a:stretch/>
+        </p:blipFill>
         <p:spPr>
           <a:xfrm>
-            <a:off x="838200" y="365125"/>
-            <a:ext cx="10515600" cy="1325563"/>
+            <a:off x="0" y="2669685"/>
+            <a:ext cx="4037012" cy="4188315"/>
           </a:xfrm>
           <a:prstGeom prst="rect">
             <a:avLst/>
           </a:prstGeom>
         </p:spPr>
-        <p:txBody>
-          <a:bodyPr vert="horz" lIns="91440" tIns="45720" rIns="91440" bIns="45720" rtlCol="0" anchor="ctr">
-            <a:normAutofit/>
-          </a:bodyPr>
-          <a:lstStyle/>
-          <a:p>
-            <a:r>
-              <a:rPr lang="en-US"/>
-              <a:t>Click to edit Master title style</a:t>
-            </a:r>
-          </a:p>
-        </p:txBody>
-      </p:sp>
-      <p:sp>
-        <p:nvSpPr>
-          <p:cNvPr id="3" name="Text Placeholder 2">
+      </p:pic>
+      <p:pic>
+        <p:nvPicPr>
+          <p:cNvPr id="7" name="Picture 6"/>
+          <p:cNvPicPr>
+            <a:picLocks noChangeAspect="1"/>
+          </p:cNvPicPr>
+          <p:nvPr/>
+        </p:nvPicPr>
+        <p:blipFill rotWithShape="1">
+          <a:blip r:embed="rId20">
             <a:extLst>
-              <a:ext uri="{FF2B5EF4-FFF2-40B4-BE49-F238E27FC236}">
-                <a16:creationId xmlns:a16="http://schemas.microsoft.com/office/drawing/2014/main" id="{4B102880-E0EA-2441-A2D5-DA573D190F18}"/>
+              <a:ext uri="{28A0092B-C50C-407E-A947-70E740481C1C}">
+                <a14:useLocalDpi xmlns:a14="http://schemas.microsoft.com/office/drawing/2010/main" val="0"/>
               </a:ext>
             </a:extLst>
-          </p:cNvPr>
-          <p:cNvSpPr>
-            <a:spLocks noGrp="1"/>
-          </p:cNvSpPr>
-          <p:nvPr>
-            <p:ph type="body" idx="1"/>
-          </p:nvPr>
-        </p:nvSpPr>
+          </a:blip>
+          <a:srcRect l="35640"/>
+          <a:stretch/>
+        </p:blipFill>
         <p:spPr>
           <a:xfrm>
-            <a:off x="838200" y="1825625"/>
-            <a:ext cx="10515600" cy="4351338"/>
+            <a:off x="0" y="2892347"/>
+            <a:ext cx="1522412" cy="2365453"/>
           </a:xfrm>
           <a:prstGeom prst="rect">
             <a:avLst/>
           </a:prstGeom>
         </p:spPr>
-        <p:txBody>
-          <a:bodyPr vert="horz" lIns="91440" tIns="45720" rIns="91440" bIns="45720" rtlCol="0">
-            <a:normAutofit/>
-          </a:bodyPr>
-          <a:lstStyle/>
-          <a:p>
-            <a:pPr lvl="0"/>
-            <a:r>
-              <a:rPr lang="en-US"/>
-              <a:t>Click to edit Master text styles</a:t>
-            </a:r>
-          </a:p>
-          <a:p>
-            <a:pPr lvl="1"/>
-            <a:r>
-              <a:rPr lang="en-US"/>
-              <a:t>Second level</a:t>
-            </a:r>
-          </a:p>
-          <a:p>
-            <a:pPr lvl="2"/>
-            <a:r>
-              <a:rPr lang="en-US"/>
-              <a:t>Third level</a:t>
-            </a:r>
-          </a:p>
-          <a:p>
-            <a:pPr lvl="3"/>
-            <a:r>
-              <a:rPr lang="en-US"/>
-              <a:t>Fourth level</a:t>
-            </a:r>
-          </a:p>
-          <a:p>
-            <a:pPr lvl="4"/>
-            <a:r>
-              <a:rPr lang="en-US"/>
-              <a:t>Fifth level</a:t>
-            </a:r>
-          </a:p>
-        </p:txBody>
-      </p:sp>
-      <p:sp>
-        <p:nvSpPr>
-          <p:cNvPr id="4" name="Date Placeholder 3">
+      </p:pic>
+      <p:sp>
+        <p:nvSpPr>
+          <p:cNvPr id="16" name="Oval 15"/>
+          <p:cNvSpPr/>
+          <p:nvPr/>
+        </p:nvSpPr>
+        <p:spPr>
+          <a:xfrm>
+            <a:off x="8609012" y="1676400"/>
+            <a:ext cx="2819400" cy="2819400"/>
+          </a:xfrm>
+          <a:prstGeom prst="ellipse">
+            <a:avLst/>
+          </a:prstGeom>
+          <a:gradFill flip="none" rotWithShape="1">
+            <a:gsLst>
+              <a:gs pos="0">
+                <a:schemeClr val="bg2">
+                  <a:lumMod val="60000"/>
+                  <a:lumOff val="40000"/>
+                  <a:alpha val="7000"/>
+                </a:schemeClr>
+              </a:gs>
+              <a:gs pos="69000">
+                <a:schemeClr val="bg2">
+                  <a:lumMod val="60000"/>
+                  <a:lumOff val="40000"/>
+                  <a:alpha val="0"/>
+                </a:schemeClr>
+              </a:gs>
+              <a:gs pos="36000">
+                <a:schemeClr val="bg2">
+                  <a:lumMod val="60000"/>
+                  <a:lumOff val="40000"/>
+                  <a:alpha val="6000"/>
+                </a:schemeClr>
+              </a:gs>
+            </a:gsLst>
+            <a:path path="circle">
+              <a:fillToRect l="50000" t="50000" r="50000" b="50000"/>
+            </a:path>
+            <a:tileRect/>
+          </a:gradFill>
+          <a:ln>
+            <a:noFill/>
+          </a:ln>
+          <a:effectLst/>
+        </p:spPr>
+        <p:style>
+          <a:lnRef idx="1">
+            <a:schemeClr val="accent1"/>
+          </a:lnRef>
+          <a:fillRef idx="3">
+            <a:schemeClr val="accent1"/>
+          </a:fillRef>
+          <a:effectRef idx="2">
+            <a:schemeClr val="accent1"/>
+          </a:effectRef>
+          <a:fontRef idx="minor">
+            <a:schemeClr val="lt1"/>
+          </a:fontRef>
+        </p:style>
+      </p:sp>
+      <p:pic>
+        <p:nvPicPr>
+          <p:cNvPr id="9" name="Picture 8"/>
+          <p:cNvPicPr>
+            <a:picLocks noChangeAspect="1"/>
+          </p:cNvPicPr>
+          <p:nvPr/>
+        </p:nvPicPr>
+        <p:blipFill rotWithShape="1">
+          <a:blip r:embed="rId21">
             <a:extLst>
-              <a:ext uri="{FF2B5EF4-FFF2-40B4-BE49-F238E27FC236}">
-                <a16:creationId xmlns:a16="http://schemas.microsoft.com/office/drawing/2014/main" id="{0CEA91F0-E059-8648-842B-8DBF5EF3DFB3}"/>
+              <a:ext uri="{28A0092B-C50C-407E-A947-70E740481C1C}">
+                <a14:useLocalDpi xmlns:a14="http://schemas.microsoft.com/office/drawing/2010/main" val="0"/>
               </a:ext>
             </a:extLst>
-          </p:cNvPr>
-          <p:cNvSpPr>
-            <a:spLocks noGrp="1"/>
-          </p:cNvSpPr>
-          <p:nvPr>
-            <p:ph type="dt" sz="half" idx="2"/>
-          </p:nvPr>
-        </p:nvSpPr>
+          </a:blip>
+          <a:srcRect t="28813"/>
+          <a:stretch/>
+        </p:blipFill>
         <p:spPr>
           <a:xfrm>
-            <a:off x="838200" y="6356350"/>
-            <a:ext cx="2743200" cy="365125"/>
+            <a:off x="7999412" y="0"/>
+            <a:ext cx="1603387" cy="1141407"/>
           </a:xfrm>
           <a:prstGeom prst="rect">
             <a:avLst/>
           </a:prstGeom>
         </p:spPr>
-        <p:txBody>
-          <a:bodyPr vert="horz" lIns="91440" tIns="45720" rIns="91440" bIns="45720" rtlCol="0" anchor="ctr"/>
+      </p:pic>
+      <p:pic>
+        <p:nvPicPr>
+          <p:cNvPr id="10" name="Picture 9"/>
+          <p:cNvPicPr>
+            <a:picLocks noChangeAspect="1"/>
+          </p:cNvPicPr>
+          <p:nvPr/>
+        </p:nvPicPr>
+        <p:blipFill rotWithShape="1">
+          <a:blip r:embed="rId22">
+            <a:extLst>
+              <a:ext uri="{28A0092B-C50C-407E-A947-70E740481C1C}">
+                <a14:useLocalDpi xmlns:a14="http://schemas.microsoft.com/office/drawing/2010/main" val="0"/>
+              </a:ext>
+            </a:extLst>
+          </a:blip>
+          <a:srcRect b="23320"/>
+          <a:stretch/>
+        </p:blipFill>
+        <p:spPr>
+          <a:xfrm>
+            <a:off x="8605878" y="6096000"/>
+            <a:ext cx="993734" cy="762000"/>
+          </a:xfrm>
+          <a:prstGeom prst="rect">
+            <a:avLst/>
+          </a:prstGeom>
+        </p:spPr>
+      </p:pic>
+      <p:sp>
+        <p:nvSpPr>
+          <p:cNvPr id="14" name="Rectangle 13"/>
+          <p:cNvSpPr/>
+          <p:nvPr/>
+        </p:nvSpPr>
+        <p:spPr>
+          <a:xfrm>
+            <a:off x="10437812" y="0"/>
+            <a:ext cx="685800" cy="1143000"/>
+          </a:xfrm>
+          <a:prstGeom prst="rect">
+            <a:avLst/>
+          </a:prstGeom>
+          <a:solidFill>
+            <a:schemeClr val="accent1"/>
+          </a:solidFill>
+          <a:ln>
+            <a:noFill/>
+          </a:ln>
+        </p:spPr>
+        <p:style>
+          <a:lnRef idx="1">
+            <a:schemeClr val="accent1"/>
+          </a:lnRef>
+          <a:fillRef idx="3">
+            <a:schemeClr val="accent1"/>
+          </a:fillRef>
+          <a:effectRef idx="2">
+            <a:schemeClr val="accent1"/>
+          </a:effectRef>
+          <a:fontRef idx="minor">
+            <a:schemeClr val="lt1"/>
+          </a:fontRef>
+        </p:style>
+      </p:sp>
+      <p:sp>
+        <p:nvSpPr>
+          <p:cNvPr id="2" name="Title Placeholder 1"/>
+          <p:cNvSpPr>
+            <a:spLocks noGrp="1"/>
+          </p:cNvSpPr>
+          <p:nvPr>
+            <p:ph type="title"/>
+          </p:nvPr>
+        </p:nvSpPr>
+        <p:spPr>
+          <a:xfrm>
+            <a:off x="646111" y="452718"/>
+            <a:ext cx="9404723" cy="1400530"/>
+          </a:xfrm>
+          <a:prstGeom prst="rect">
+            <a:avLst/>
+          </a:prstGeom>
+        </p:spPr>
+        <p:txBody>
+          <a:bodyPr vert="horz" lIns="91440" tIns="45720" rIns="91440" bIns="45720" rtlCol="0" anchor="t">
+            <a:noAutofit/>
+          </a:bodyPr>
+          <a:lstStyle/>
+          <a:p>
+            <a:r>
+              <a:rPr lang="en-US"/>
+              <a:t>Click to edit Master title style</a:t>
+            </a:r>
+            <a:endParaRPr lang="en-US" dirty="0"/>
+          </a:p>
+        </p:txBody>
+      </p:sp>
+      <p:sp>
+        <p:nvSpPr>
+          <p:cNvPr id="3" name="Text Placeholder 2"/>
+          <p:cNvSpPr>
+            <a:spLocks noGrp="1"/>
+          </p:cNvSpPr>
+          <p:nvPr>
+            <p:ph type="body" idx="1"/>
+          </p:nvPr>
+        </p:nvSpPr>
+        <p:spPr>
+          <a:xfrm>
+            <a:off x="1103312" y="2052918"/>
+            <a:ext cx="8946541" cy="4195481"/>
+          </a:xfrm>
+          <a:prstGeom prst="rect">
+            <a:avLst/>
+          </a:prstGeom>
+        </p:spPr>
+        <p:txBody>
+          <a:bodyPr vert="horz" lIns="91440" tIns="45720" rIns="91440" bIns="45720" rtlCol="0">
+            <a:normAutofit/>
+          </a:bodyPr>
+          <a:lstStyle/>
+          <a:p>
+            <a:pPr lvl="0"/>
+            <a:r>
+              <a:rPr lang="en-US"/>
+              <a:t>Click to edit Master text styles</a:t>
+            </a:r>
+          </a:p>
+          <a:p>
+            <a:pPr lvl="1"/>
+            <a:r>
+              <a:rPr lang="en-US"/>
+              <a:t>Second level</a:t>
+            </a:r>
+          </a:p>
+          <a:p>
+            <a:pPr lvl="2"/>
+            <a:r>
+              <a:rPr lang="en-US"/>
+              <a:t>Third level</a:t>
+            </a:r>
+          </a:p>
+          <a:p>
+            <a:pPr lvl="3"/>
+            <a:r>
+              <a:rPr lang="en-US"/>
+              <a:t>Fourth level</a:t>
+            </a:r>
+          </a:p>
+          <a:p>
+            <a:pPr lvl="4"/>
+            <a:r>
+              <a:rPr lang="en-US"/>
+              <a:t>Fifth level</a:t>
+            </a:r>
+            <a:endParaRPr lang="en-US" dirty="0"/>
+          </a:p>
+        </p:txBody>
+      </p:sp>
+      <p:sp>
+        <p:nvSpPr>
+          <p:cNvPr id="4" name="Date Placeholder 3"/>
+          <p:cNvSpPr>
+            <a:spLocks noGrp="1"/>
+          </p:cNvSpPr>
+          <p:nvPr>
+            <p:ph type="dt" sz="half" idx="2"/>
+          </p:nvPr>
+        </p:nvSpPr>
+        <p:spPr>
+          <a:xfrm rot="5400000">
+            <a:off x="10155639" y="1790701"/>
+            <a:ext cx="990599" cy="304799"/>
+          </a:xfrm>
+          <a:prstGeom prst="rect">
+            <a:avLst/>
+          </a:prstGeom>
+        </p:spPr>
+        <p:txBody>
+          <a:bodyPr vert="horz" lIns="91440" tIns="45720" rIns="91440" bIns="45720" rtlCol="0" anchor="t"/>
           <a:lstStyle>
             <a:lvl1pPr algn="l">
-              <a:defRPr sz="1200">
+              <a:defRPr sz="1100" b="0" i="0">
+                <a:solidFill>
+                  <a:schemeClr val="tx1">
+                    <a:tint val="75000"/>
+                    <a:alpha val="60000"/>
+                  </a:schemeClr>
+                </a:solidFill>
+              </a:defRPr>
+            </a:lvl1pPr>
+          </a:lstStyle>
+          <a:p>
+            <a:fld id="{262A603C-F736-824C-AB36-6AEAD7F07479}" type="datetimeFigureOut">
+              <a:rPr lang="en-US" smtClean="0"/>
+              <a:t>6/8/20</a:t>
+            </a:fld>
+            <a:endParaRPr lang="en-US"/>
+          </a:p>
+        </p:txBody>
+      </p:sp>
+      <p:sp>
+        <p:nvSpPr>
+          <p:cNvPr id="5" name="Footer Placeholder 4"/>
+          <p:cNvSpPr>
+            <a:spLocks noGrp="1"/>
+          </p:cNvSpPr>
+          <p:nvPr>
+            <p:ph type="ftr" sz="quarter" idx="3"/>
+          </p:nvPr>
+        </p:nvSpPr>
+        <p:spPr>
+          <a:xfrm rot="5400000">
+            <a:off x="8951573" y="3225297"/>
+            <a:ext cx="3859795" cy="304801"/>
+          </a:xfrm>
+          <a:prstGeom prst="rect">
+            <a:avLst/>
+          </a:prstGeom>
+        </p:spPr>
+        <p:txBody>
+          <a:bodyPr vert="horz" lIns="91440" tIns="45720" rIns="91440" bIns="45720" rtlCol="0" anchor="b"/>
+          <a:lstStyle>
+            <a:lvl1pPr algn="l">
+              <a:defRPr sz="1100" b="0" i="0">
+                <a:solidFill>
+                  <a:schemeClr val="tx1">
+                    <a:tint val="75000"/>
+                    <a:alpha val="60000"/>
+                  </a:schemeClr>
+                </a:solidFill>
+              </a:defRPr>
+            </a:lvl1pPr>
+          </a:lstStyle>
+          <a:p>
+            <a:endParaRPr lang="en-US"/>
+          </a:p>
+        </p:txBody>
+      </p:sp>
+      <p:sp>
+        <p:nvSpPr>
+          <p:cNvPr id="6" name="Slide Number Placeholder 5"/>
+          <p:cNvSpPr>
+            <a:spLocks noGrp="1"/>
+          </p:cNvSpPr>
+          <p:nvPr>
+            <p:ph type="sldNum" sz="quarter" idx="4"/>
+          </p:nvPr>
+        </p:nvSpPr>
+        <p:spPr bwMode="gray">
+          <a:xfrm>
+            <a:off x="10352540" y="295729"/>
+            <a:ext cx="838199" cy="767687"/>
+          </a:xfrm>
+          <a:prstGeom prst="rect">
+            <a:avLst/>
+          </a:prstGeom>
+        </p:spPr>
+        <p:txBody>
+          <a:bodyPr vert="horz" lIns="91440" tIns="45720" rIns="91440" bIns="45720" rtlCol="0" anchor="b"/>
+          <a:lstStyle>
+            <a:lvl1pPr algn="ctr">
+              <a:defRPr sz="2800" b="0" i="0">
                 <a:solidFill>
                   <a:schemeClr val="tx1">
                     <a:tint val="75000"/>
@@ -2905,96 +5646,6 @@
             </a:lvl1pPr>
           </a:lstStyle>
           <a:p>
-            <a:fld id="{262A603C-F736-824C-AB36-6AEAD7F07479}" type="datetimeFigureOut">
-              <a:rPr lang="en-US" smtClean="0"/>
-              <a:t>6/8/20</a:t>
-            </a:fld>
-            <a:endParaRPr lang="en-US"/>
-          </a:p>
-        </p:txBody>
-      </p:sp>
-      <p:sp>
-        <p:nvSpPr>
-          <p:cNvPr id="5" name="Footer Placeholder 4">
-            <a:extLst>
-              <a:ext uri="{FF2B5EF4-FFF2-40B4-BE49-F238E27FC236}">
-                <a16:creationId xmlns:a16="http://schemas.microsoft.com/office/drawing/2014/main" id="{3514A5FD-369A-A241-9843-58DBFC45DC89}"/>
-              </a:ext>
-            </a:extLst>
-          </p:cNvPr>
-          <p:cNvSpPr>
-            <a:spLocks noGrp="1"/>
-          </p:cNvSpPr>
-          <p:nvPr>
-            <p:ph type="ftr" sz="quarter" idx="3"/>
-          </p:nvPr>
-        </p:nvSpPr>
-        <p:spPr>
-          <a:xfrm>
-            <a:off x="4038600" y="6356350"/>
-            <a:ext cx="4114800" cy="365125"/>
-          </a:xfrm>
-          <a:prstGeom prst="rect">
-            <a:avLst/>
-          </a:prstGeom>
-        </p:spPr>
-        <p:txBody>
-          <a:bodyPr vert="horz" lIns="91440" tIns="45720" rIns="91440" bIns="45720" rtlCol="0" anchor="ctr"/>
-          <a:lstStyle>
-            <a:lvl1pPr algn="ctr">
-              <a:defRPr sz="1200">
-                <a:solidFill>
-                  <a:schemeClr val="tx1">
-                    <a:tint val="75000"/>
-                  </a:schemeClr>
-                </a:solidFill>
-              </a:defRPr>
-            </a:lvl1pPr>
-          </a:lstStyle>
-          <a:p>
-            <a:endParaRPr lang="en-US"/>
-          </a:p>
-        </p:txBody>
-      </p:sp>
-      <p:sp>
-        <p:nvSpPr>
-          <p:cNvPr id="6" name="Slide Number Placeholder 5">
-            <a:extLst>
-              <a:ext uri="{FF2B5EF4-FFF2-40B4-BE49-F238E27FC236}">
-                <a16:creationId xmlns:a16="http://schemas.microsoft.com/office/drawing/2014/main" id="{68BCBEF2-BF8F-254E-8DAF-FBF2787B94A4}"/>
-              </a:ext>
-            </a:extLst>
-          </p:cNvPr>
-          <p:cNvSpPr>
-            <a:spLocks noGrp="1"/>
-          </p:cNvSpPr>
-          <p:nvPr>
-            <p:ph type="sldNum" sz="quarter" idx="4"/>
-          </p:nvPr>
-        </p:nvSpPr>
-        <p:spPr>
-          <a:xfrm>
-            <a:off x="8610600" y="6356350"/>
-            <a:ext cx="2743200" cy="365125"/>
-          </a:xfrm>
-          <a:prstGeom prst="rect">
-            <a:avLst/>
-          </a:prstGeom>
-        </p:spPr>
-        <p:txBody>
-          <a:bodyPr vert="horz" lIns="91440" tIns="45720" rIns="91440" bIns="45720" rtlCol="0" anchor="ctr"/>
-          <a:lstStyle>
-            <a:lvl1pPr algn="r">
-              <a:defRPr sz="1200">
-                <a:solidFill>
-                  <a:schemeClr val="tx1">
-                    <a:tint val="75000"/>
-                  </a:schemeClr>
-                </a:solidFill>
-              </a:defRPr>
-            </a:lvl1pPr>
-          </a:lstStyle>
-          <a:p>
             <a:fld id="{98E4583D-9C5C-FF40-9653-C6BEB967BC77}" type="slidenum">
               <a:rPr lang="en-US" smtClean="0"/>
               <a:t>‹#›</a:t>
@@ -3006,35 +5657,121 @@
     </p:spTree>
     <p:extLst>
       <p:ext uri="{BB962C8B-B14F-4D97-AF65-F5344CB8AC3E}">
-        <p14:creationId xmlns:p14="http://schemas.microsoft.com/office/powerpoint/2010/main" val="1129158952"/>
+        <p14:creationId xmlns:p14="http://schemas.microsoft.com/office/powerpoint/2010/main" val="3121962966"/>
       </p:ext>
     </p:extLst>
   </p:cSld>
-  <p:clrMap bg1="lt1" tx1="dk1" bg2="lt2" tx2="dk2" accent1="accent1" accent2="accent2" accent3="accent3" accent4="accent4" accent5="accent5" accent6="accent6" hlink="hlink" folHlink="folHlink"/>
+  <p:clrMap bg1="dk1" tx1="lt1" bg2="dk2" tx2="lt2" accent1="accent1" accent2="accent2" accent3="accent3" accent4="accent4" accent5="accent5" accent6="accent6" hlink="hlink" folHlink="folHlink"/>
   <p:sldLayoutIdLst>
-    <p:sldLayoutId id="2147483649" r:id="rId1"/>
-    <p:sldLayoutId id="2147483650" r:id="rId2"/>
-    <p:sldLayoutId id="2147483651" r:id="rId3"/>
-    <p:sldLayoutId id="2147483652" r:id="rId4"/>
-    <p:sldLayoutId id="2147483653" r:id="rId5"/>
-    <p:sldLayoutId id="2147483654" r:id="rId6"/>
-    <p:sldLayoutId id="2147483655" r:id="rId7"/>
-    <p:sldLayoutId id="2147483656" r:id="rId8"/>
-    <p:sldLayoutId id="2147483657" r:id="rId9"/>
-    <p:sldLayoutId id="2147483658" r:id="rId10"/>
-    <p:sldLayoutId id="2147483659" r:id="rId11"/>
+    <p:sldLayoutId id="2147483769" r:id="rId1"/>
+    <p:sldLayoutId id="2147483770" r:id="rId2"/>
+    <p:sldLayoutId id="2147483771" r:id="rId3"/>
+    <p:sldLayoutId id="2147483772" r:id="rId4"/>
+    <p:sldLayoutId id="2147483773" r:id="rId5"/>
+    <p:sldLayoutId id="2147483774" r:id="rId6"/>
+    <p:sldLayoutId id="2147483775" r:id="rId7"/>
+    <p:sldLayoutId id="2147483776" r:id="rId8"/>
+    <p:sldLayoutId id="2147483777" r:id="rId9"/>
+    <p:sldLayoutId id="2147483778" r:id="rId10"/>
+    <p:sldLayoutId id="2147483779" r:id="rId11"/>
+    <p:sldLayoutId id="2147483780" r:id="rId12"/>
+    <p:sldLayoutId id="2147483781" r:id="rId13"/>
+    <p:sldLayoutId id="2147483782" r:id="rId14"/>
+    <p:sldLayoutId id="2147483783" r:id="rId15"/>
+    <p:sldLayoutId id="2147483784" r:id="rId16"/>
+    <p:sldLayoutId id="2147483785" r:id="rId17"/>
   </p:sldLayoutIdLst>
   <p:txStyles>
     <p:titleStyle>
-      <a:lvl1pPr algn="l" defTabSz="914400" rtl="0" eaLnBrk="1" latinLnBrk="0" hangingPunct="1">
-        <a:lnSpc>
-          <a:spcPct val="90000"/>
-        </a:lnSpc>
+      <a:lvl1pPr algn="l" defTabSz="457200" rtl="0" eaLnBrk="1" latinLnBrk="0" hangingPunct="1">
         <a:spcBef>
           <a:spcPct val="0"/>
         </a:spcBef>
         <a:buNone/>
-        <a:defRPr sz="4400" kern="1200">
+        <a:defRPr sz="4200" b="0" i="0" kern="1200">
+          <a:solidFill>
+            <a:schemeClr val="tx2"/>
+          </a:solidFill>
+          <a:latin typeface="+mj-lt"/>
+          <a:ea typeface="+mj-ea"/>
+          <a:cs typeface="+mj-cs"/>
+        </a:defRPr>
+      </a:lvl1pPr>
+      <a:lvl2pPr eaLnBrk="1" hangingPunct="1">
+        <a:defRPr>
+          <a:solidFill>
+            <a:schemeClr val="tx2"/>
+          </a:solidFill>
+        </a:defRPr>
+      </a:lvl2pPr>
+      <a:lvl3pPr eaLnBrk="1" hangingPunct="1">
+        <a:defRPr>
+          <a:solidFill>
+            <a:schemeClr val="tx2"/>
+          </a:solidFill>
+        </a:defRPr>
+      </a:lvl3pPr>
+      <a:lvl4pPr eaLnBrk="1" hangingPunct="1">
+        <a:defRPr>
+          <a:solidFill>
+            <a:schemeClr val="tx2"/>
+          </a:solidFill>
+        </a:defRPr>
+      </a:lvl4pPr>
+      <a:lvl5pPr eaLnBrk="1" hangingPunct="1">
+        <a:defRPr>
+          <a:solidFill>
+            <a:schemeClr val="tx2"/>
+          </a:solidFill>
+        </a:defRPr>
+      </a:lvl5pPr>
+      <a:lvl6pPr eaLnBrk="1" hangingPunct="1">
+        <a:defRPr>
+          <a:solidFill>
+            <a:schemeClr val="tx2"/>
+          </a:solidFill>
+        </a:defRPr>
+      </a:lvl6pPr>
+      <a:lvl7pPr eaLnBrk="1" hangingPunct="1">
+        <a:defRPr>
+          <a:solidFill>
+            <a:schemeClr val="tx2"/>
+          </a:solidFill>
+        </a:defRPr>
+      </a:lvl7pPr>
+      <a:lvl8pPr eaLnBrk="1" hangingPunct="1">
+        <a:defRPr>
+          <a:solidFill>
+            <a:schemeClr val="tx2"/>
+          </a:solidFill>
+        </a:defRPr>
+      </a:lvl8pPr>
+      <a:lvl9pPr eaLnBrk="1" hangingPunct="1">
+        <a:defRPr>
+          <a:solidFill>
+            <a:schemeClr val="tx2"/>
+          </a:solidFill>
+        </a:defRPr>
+      </a:lvl9pPr>
+    </p:titleStyle>
+    <p:bodyStyle>
+      <a:lvl1pPr marL="342900" indent="-342900" algn="l" defTabSz="457200" rtl="0" eaLnBrk="1" latinLnBrk="0" hangingPunct="1">
+        <a:spcBef>
+          <a:spcPts val="1000"/>
+        </a:spcBef>
+        <a:spcAft>
+          <a:spcPts val="0"/>
+        </a:spcAft>
+        <a:buClr>
+          <a:schemeClr val="bg2">
+            <a:lumMod val="40000"/>
+            <a:lumOff val="60000"/>
+          </a:schemeClr>
+        </a:buClr>
+        <a:buSzPct val="80000"/>
+        <a:buFont typeface="Wingdings 3" charset="2"/>
+        <a:buChar char=""/>
+        <a:defRPr sz="2000" b="0" i="0" kern="1200">
           <a:solidFill>
             <a:schemeClr val="tx1"/>
           </a:solidFill>
@@ -3043,18 +5780,213 @@
           <a:cs typeface="+mj-cs"/>
         </a:defRPr>
       </a:lvl1pPr>
-    </p:titleStyle>
-    <p:bodyStyle>
-      <a:lvl1pPr marL="228600" indent="-228600" algn="l" defTabSz="914400" rtl="0" eaLnBrk="1" latinLnBrk="0" hangingPunct="1">
-        <a:lnSpc>
-          <a:spcPct val="90000"/>
-        </a:lnSpc>
+      <a:lvl2pPr marL="742950" indent="-285750" algn="l" defTabSz="457200" rtl="0" eaLnBrk="1" latinLnBrk="0" hangingPunct="1">
         <a:spcBef>
           <a:spcPts val="1000"/>
         </a:spcBef>
-        <a:buFont typeface="Arial" panose="020B0604020202020204" pitchFamily="34" charset="0"/>
-        <a:buChar char="•"/>
-        <a:defRPr sz="2800" kern="1200">
+        <a:spcAft>
+          <a:spcPts val="0"/>
+        </a:spcAft>
+        <a:buClr>
+          <a:schemeClr val="bg2">
+            <a:lumMod val="40000"/>
+            <a:lumOff val="60000"/>
+          </a:schemeClr>
+        </a:buClr>
+        <a:buSzPct val="80000"/>
+        <a:buFont typeface="Wingdings 3" charset="2"/>
+        <a:buChar char=""/>
+        <a:defRPr sz="1800" b="0" i="0" kern="1200">
+          <a:solidFill>
+            <a:schemeClr val="tx1"/>
+          </a:solidFill>
+          <a:latin typeface="+mj-lt"/>
+          <a:ea typeface="+mj-ea"/>
+          <a:cs typeface="+mj-cs"/>
+        </a:defRPr>
+      </a:lvl2pPr>
+      <a:lvl3pPr marL="1143000" indent="-228600" algn="l" defTabSz="457200" rtl="0" eaLnBrk="1" latinLnBrk="0" hangingPunct="1">
+        <a:spcBef>
+          <a:spcPts val="1000"/>
+        </a:spcBef>
+        <a:spcAft>
+          <a:spcPts val="0"/>
+        </a:spcAft>
+        <a:buClr>
+          <a:schemeClr val="bg2">
+            <a:lumMod val="40000"/>
+            <a:lumOff val="60000"/>
+          </a:schemeClr>
+        </a:buClr>
+        <a:buSzPct val="80000"/>
+        <a:buFont typeface="Wingdings 3" charset="2"/>
+        <a:buChar char=""/>
+        <a:defRPr sz="1600" b="0" i="0" kern="1200">
+          <a:solidFill>
+            <a:schemeClr val="tx1"/>
+          </a:solidFill>
+          <a:latin typeface="+mj-lt"/>
+          <a:ea typeface="+mj-ea"/>
+          <a:cs typeface="+mj-cs"/>
+        </a:defRPr>
+      </a:lvl3pPr>
+      <a:lvl4pPr marL="1600200" indent="-228600" algn="l" defTabSz="457200" rtl="0" eaLnBrk="1" latinLnBrk="0" hangingPunct="1">
+        <a:spcBef>
+          <a:spcPts val="1000"/>
+        </a:spcBef>
+        <a:spcAft>
+          <a:spcPts val="0"/>
+        </a:spcAft>
+        <a:buClr>
+          <a:schemeClr val="bg2">
+            <a:lumMod val="40000"/>
+            <a:lumOff val="60000"/>
+          </a:schemeClr>
+        </a:buClr>
+        <a:buSzPct val="80000"/>
+        <a:buFont typeface="Wingdings 3" charset="2"/>
+        <a:buChar char=""/>
+        <a:defRPr sz="1400" b="0" i="0" kern="1200">
+          <a:solidFill>
+            <a:schemeClr val="tx1"/>
+          </a:solidFill>
+          <a:latin typeface="+mj-lt"/>
+          <a:ea typeface="+mj-ea"/>
+          <a:cs typeface="+mj-cs"/>
+        </a:defRPr>
+      </a:lvl4pPr>
+      <a:lvl5pPr marL="2057400" indent="-228600" algn="l" defTabSz="457200" rtl="0" eaLnBrk="1" latinLnBrk="0" hangingPunct="1">
+        <a:spcBef>
+          <a:spcPts val="1000"/>
+        </a:spcBef>
+        <a:spcAft>
+          <a:spcPts val="0"/>
+        </a:spcAft>
+        <a:buClr>
+          <a:schemeClr val="bg2">
+            <a:lumMod val="40000"/>
+            <a:lumOff val="60000"/>
+          </a:schemeClr>
+        </a:buClr>
+        <a:buSzPct val="80000"/>
+        <a:buFont typeface="Wingdings 3" charset="2"/>
+        <a:buChar char=""/>
+        <a:defRPr sz="1400" b="0" i="0" kern="1200">
+          <a:solidFill>
+            <a:schemeClr val="tx1"/>
+          </a:solidFill>
+          <a:latin typeface="+mj-lt"/>
+          <a:ea typeface="+mj-ea"/>
+          <a:cs typeface="+mj-cs"/>
+        </a:defRPr>
+      </a:lvl5pPr>
+      <a:lvl6pPr marL="2506000" indent="-228600" algn="l" defTabSz="457200" rtl="0" eaLnBrk="1" latinLnBrk="0" hangingPunct="1">
+        <a:spcBef>
+          <a:spcPts val="1000"/>
+        </a:spcBef>
+        <a:spcAft>
+          <a:spcPts val="0"/>
+        </a:spcAft>
+        <a:buClr>
+          <a:schemeClr val="bg2">
+            <a:lumMod val="40000"/>
+            <a:lumOff val="60000"/>
+          </a:schemeClr>
+        </a:buClr>
+        <a:buSzPct val="80000"/>
+        <a:buFont typeface="Wingdings 3" charset="2"/>
+        <a:buChar char=""/>
+        <a:defRPr sz="1400" b="0" i="0" kern="1200">
+          <a:solidFill>
+            <a:schemeClr val="tx1"/>
+          </a:solidFill>
+          <a:latin typeface="+mj-lt"/>
+          <a:ea typeface="+mj-ea"/>
+          <a:cs typeface="+mj-cs"/>
+        </a:defRPr>
+      </a:lvl6pPr>
+      <a:lvl7pPr marL="2971800" indent="-228600" algn="l" defTabSz="457200" rtl="0" eaLnBrk="1" latinLnBrk="0" hangingPunct="1">
+        <a:spcBef>
+          <a:spcPts val="1000"/>
+        </a:spcBef>
+        <a:spcAft>
+          <a:spcPts val="0"/>
+        </a:spcAft>
+        <a:buClr>
+          <a:schemeClr val="bg2">
+            <a:lumMod val="40000"/>
+            <a:lumOff val="60000"/>
+          </a:schemeClr>
+        </a:buClr>
+        <a:buSzPct val="80000"/>
+        <a:buFont typeface="Wingdings 3" charset="2"/>
+        <a:buChar char=""/>
+        <a:defRPr sz="1400" b="0" i="0" kern="1200">
+          <a:solidFill>
+            <a:schemeClr val="tx1"/>
+          </a:solidFill>
+          <a:latin typeface="+mj-lt"/>
+          <a:ea typeface="+mj-ea"/>
+          <a:cs typeface="+mj-cs"/>
+        </a:defRPr>
+      </a:lvl7pPr>
+      <a:lvl8pPr marL="3429000" indent="-228600" algn="l" defTabSz="457200" rtl="0" eaLnBrk="1" latinLnBrk="0" hangingPunct="1">
+        <a:spcBef>
+          <a:spcPts val="1000"/>
+        </a:spcBef>
+        <a:spcAft>
+          <a:spcPts val="0"/>
+        </a:spcAft>
+        <a:buClr>
+          <a:schemeClr val="bg2">
+            <a:lumMod val="40000"/>
+            <a:lumOff val="60000"/>
+          </a:schemeClr>
+        </a:buClr>
+        <a:buSzPct val="80000"/>
+        <a:buFont typeface="Wingdings 3" charset="2"/>
+        <a:buChar char=""/>
+        <a:defRPr sz="1400" b="0" i="0" kern="1200">
+          <a:solidFill>
+            <a:schemeClr val="tx1"/>
+          </a:solidFill>
+          <a:latin typeface="+mj-lt"/>
+          <a:ea typeface="+mj-ea"/>
+          <a:cs typeface="+mj-cs"/>
+        </a:defRPr>
+      </a:lvl8pPr>
+      <a:lvl9pPr marL="3886200" indent="-228600" algn="l" defTabSz="457200" rtl="0" eaLnBrk="1" latinLnBrk="0" hangingPunct="1">
+        <a:spcBef>
+          <a:spcPts val="1000"/>
+        </a:spcBef>
+        <a:spcAft>
+          <a:spcPts val="0"/>
+        </a:spcAft>
+        <a:buClr>
+          <a:schemeClr val="bg2">
+            <a:lumMod val="40000"/>
+            <a:lumOff val="60000"/>
+          </a:schemeClr>
+        </a:buClr>
+        <a:buSzPct val="80000"/>
+        <a:buFont typeface="Wingdings 3" charset="2"/>
+        <a:buChar char=""/>
+        <a:defRPr sz="1400" b="0" i="0" kern="1200">
+          <a:solidFill>
+            <a:schemeClr val="tx1"/>
+          </a:solidFill>
+          <a:latin typeface="+mj-lt"/>
+          <a:ea typeface="+mj-ea"/>
+          <a:cs typeface="+mj-cs"/>
+        </a:defRPr>
+      </a:lvl9pPr>
+    </p:bodyStyle>
+    <p:otherStyle>
+      <a:defPPr>
+        <a:defRPr lang="en-US"/>
+      </a:defPPr>
+      <a:lvl1pPr marL="0" algn="l" defTabSz="457200" rtl="0" eaLnBrk="1" latinLnBrk="0" hangingPunct="1">
+        <a:defRPr sz="1800" kern="1200">
           <a:solidFill>
             <a:schemeClr val="tx1"/>
           </a:solidFill>
@@ -3063,16 +5995,8 @@
           <a:cs typeface="+mn-cs"/>
         </a:defRPr>
       </a:lvl1pPr>
-      <a:lvl2pPr marL="685800" indent="-228600" algn="l" defTabSz="914400" rtl="0" eaLnBrk="1" latinLnBrk="0" hangingPunct="1">
-        <a:lnSpc>
-          <a:spcPct val="90000"/>
-        </a:lnSpc>
-        <a:spcBef>
-          <a:spcPts val="500"/>
-        </a:spcBef>
-        <a:buFont typeface="Arial" panose="020B0604020202020204" pitchFamily="34" charset="0"/>
-        <a:buChar char="•"/>
-        <a:defRPr sz="2400" kern="1200">
+      <a:lvl2pPr marL="457200" algn="l" defTabSz="457200" rtl="0" eaLnBrk="1" latinLnBrk="0" hangingPunct="1">
+        <a:defRPr sz="1800" kern="1200">
           <a:solidFill>
             <a:schemeClr val="tx1"/>
           </a:solidFill>
@@ -3081,16 +6005,8 @@
           <a:cs typeface="+mn-cs"/>
         </a:defRPr>
       </a:lvl2pPr>
-      <a:lvl3pPr marL="1143000" indent="-228600" algn="l" defTabSz="914400" rtl="0" eaLnBrk="1" latinLnBrk="0" hangingPunct="1">
-        <a:lnSpc>
-          <a:spcPct val="90000"/>
-        </a:lnSpc>
-        <a:spcBef>
-          <a:spcPts val="500"/>
-        </a:spcBef>
-        <a:buFont typeface="Arial" panose="020B0604020202020204" pitchFamily="34" charset="0"/>
-        <a:buChar char="•"/>
-        <a:defRPr sz="2000" kern="1200">
+      <a:lvl3pPr marL="914400" algn="l" defTabSz="457200" rtl="0" eaLnBrk="1" latinLnBrk="0" hangingPunct="1">
+        <a:defRPr sz="1800" kern="1200">
           <a:solidFill>
             <a:schemeClr val="tx1"/>
           </a:solidFill>
@@ -3099,15 +6015,7 @@
           <a:cs typeface="+mn-cs"/>
         </a:defRPr>
       </a:lvl3pPr>
-      <a:lvl4pPr marL="1600200" indent="-228600" algn="l" defTabSz="914400" rtl="0" eaLnBrk="1" latinLnBrk="0" hangingPunct="1">
-        <a:lnSpc>
-          <a:spcPct val="90000"/>
-        </a:lnSpc>
-        <a:spcBef>
-          <a:spcPts val="500"/>
-        </a:spcBef>
-        <a:buFont typeface="Arial" panose="020B0604020202020204" pitchFamily="34" charset="0"/>
-        <a:buChar char="•"/>
+      <a:lvl4pPr marL="1371600" algn="l" defTabSz="457200" rtl="0" eaLnBrk="1" latinLnBrk="0" hangingPunct="1">
         <a:defRPr sz="1800" kern="1200">
           <a:solidFill>
             <a:schemeClr val="tx1"/>
@@ -3117,15 +6025,7 @@
           <a:cs typeface="+mn-cs"/>
         </a:defRPr>
       </a:lvl4pPr>
-      <a:lvl5pPr marL="2057400" indent="-228600" algn="l" defTabSz="914400" rtl="0" eaLnBrk="1" latinLnBrk="0" hangingPunct="1">
-        <a:lnSpc>
-          <a:spcPct val="90000"/>
-        </a:lnSpc>
-        <a:spcBef>
-          <a:spcPts val="500"/>
-        </a:spcBef>
-        <a:buFont typeface="Arial" panose="020B0604020202020204" pitchFamily="34" charset="0"/>
-        <a:buChar char="•"/>
+      <a:lvl5pPr marL="1828800" algn="l" defTabSz="457200" rtl="0" eaLnBrk="1" latinLnBrk="0" hangingPunct="1">
         <a:defRPr sz="1800" kern="1200">
           <a:solidFill>
             <a:schemeClr val="tx1"/>
@@ -3135,15 +6035,7 @@
           <a:cs typeface="+mn-cs"/>
         </a:defRPr>
       </a:lvl5pPr>
-      <a:lvl6pPr marL="2514600" indent="-228600" algn="l" defTabSz="914400" rtl="0" eaLnBrk="1" latinLnBrk="0" hangingPunct="1">
-        <a:lnSpc>
-          <a:spcPct val="90000"/>
-        </a:lnSpc>
-        <a:spcBef>
-          <a:spcPts val="500"/>
-        </a:spcBef>
-        <a:buFont typeface="Arial" panose="020B0604020202020204" pitchFamily="34" charset="0"/>
-        <a:buChar char="•"/>
+      <a:lvl6pPr marL="2286000" algn="l" defTabSz="457200" rtl="0" eaLnBrk="1" latinLnBrk="0" hangingPunct="1">
         <a:defRPr sz="1800" kern="1200">
           <a:solidFill>
             <a:schemeClr val="tx1"/>
@@ -3153,15 +6045,7 @@
           <a:cs typeface="+mn-cs"/>
         </a:defRPr>
       </a:lvl6pPr>
-      <a:lvl7pPr marL="2971800" indent="-228600" algn="l" defTabSz="914400" rtl="0" eaLnBrk="1" latinLnBrk="0" hangingPunct="1">
-        <a:lnSpc>
-          <a:spcPct val="90000"/>
-        </a:lnSpc>
-        <a:spcBef>
-          <a:spcPts val="500"/>
-        </a:spcBef>
-        <a:buFont typeface="Arial" panose="020B0604020202020204" pitchFamily="34" charset="0"/>
-        <a:buChar char="•"/>
+      <a:lvl7pPr marL="2743200" algn="l" defTabSz="457200" rtl="0" eaLnBrk="1" latinLnBrk="0" hangingPunct="1">
         <a:defRPr sz="1800" kern="1200">
           <a:solidFill>
             <a:schemeClr val="tx1"/>
@@ -3171,15 +6055,7 @@
           <a:cs typeface="+mn-cs"/>
         </a:defRPr>
       </a:lvl7pPr>
-      <a:lvl8pPr marL="3429000" indent="-228600" algn="l" defTabSz="914400" rtl="0" eaLnBrk="1" latinLnBrk="0" hangingPunct="1">
-        <a:lnSpc>
-          <a:spcPct val="90000"/>
-        </a:lnSpc>
-        <a:spcBef>
-          <a:spcPts val="500"/>
-        </a:spcBef>
-        <a:buFont typeface="Arial" panose="020B0604020202020204" pitchFamily="34" charset="0"/>
-        <a:buChar char="•"/>
+      <a:lvl8pPr marL="3200400" algn="l" defTabSz="457200" rtl="0" eaLnBrk="1" latinLnBrk="0" hangingPunct="1">
         <a:defRPr sz="1800" kern="1200">
           <a:solidFill>
             <a:schemeClr val="tx1"/>
@@ -3189,110 +6065,7 @@
           <a:cs typeface="+mn-cs"/>
         </a:defRPr>
       </a:lvl8pPr>
-      <a:lvl9pPr marL="3886200" indent="-228600" algn="l" defTabSz="914400" rtl="0" eaLnBrk="1" latinLnBrk="0" hangingPunct="1">
-        <a:lnSpc>
-          <a:spcPct val="90000"/>
-        </a:lnSpc>
-        <a:spcBef>
-          <a:spcPts val="500"/>
-        </a:spcBef>
-        <a:buFont typeface="Arial" panose="020B0604020202020204" pitchFamily="34" charset="0"/>
-        <a:buChar char="•"/>
-        <a:defRPr sz="1800" kern="1200">
-          <a:solidFill>
-            <a:schemeClr val="tx1"/>
-          </a:solidFill>
-          <a:latin typeface="+mn-lt"/>
-          <a:ea typeface="+mn-ea"/>
-          <a:cs typeface="+mn-cs"/>
-        </a:defRPr>
-      </a:lvl9pPr>
-    </p:bodyStyle>
-    <p:otherStyle>
-      <a:defPPr>
-        <a:defRPr lang="en-US"/>
-      </a:defPPr>
-      <a:lvl1pPr marL="0" algn="l" defTabSz="914400" rtl="0" eaLnBrk="1" latinLnBrk="0" hangingPunct="1">
-        <a:defRPr sz="1800" kern="1200">
-          <a:solidFill>
-            <a:schemeClr val="tx1"/>
-          </a:solidFill>
-          <a:latin typeface="+mn-lt"/>
-          <a:ea typeface="+mn-ea"/>
-          <a:cs typeface="+mn-cs"/>
-        </a:defRPr>
-      </a:lvl1pPr>
-      <a:lvl2pPr marL="457200" algn="l" defTabSz="914400" rtl="0" eaLnBrk="1" latinLnBrk="0" hangingPunct="1">
-        <a:defRPr sz="1800" kern="1200">
-          <a:solidFill>
-            <a:schemeClr val="tx1"/>
-          </a:solidFill>
-          <a:latin typeface="+mn-lt"/>
-          <a:ea typeface="+mn-ea"/>
-          <a:cs typeface="+mn-cs"/>
-        </a:defRPr>
-      </a:lvl2pPr>
-      <a:lvl3pPr marL="914400" algn="l" defTabSz="914400" rtl="0" eaLnBrk="1" latinLnBrk="0" hangingPunct="1">
-        <a:defRPr sz="1800" kern="1200">
-          <a:solidFill>
-            <a:schemeClr val="tx1"/>
-          </a:solidFill>
-          <a:latin typeface="+mn-lt"/>
-          <a:ea typeface="+mn-ea"/>
-          <a:cs typeface="+mn-cs"/>
-        </a:defRPr>
-      </a:lvl3pPr>
-      <a:lvl4pPr marL="1371600" algn="l" defTabSz="914400" rtl="0" eaLnBrk="1" latinLnBrk="0" hangingPunct="1">
-        <a:defRPr sz="1800" kern="1200">
-          <a:solidFill>
-            <a:schemeClr val="tx1"/>
-          </a:solidFill>
-          <a:latin typeface="+mn-lt"/>
-          <a:ea typeface="+mn-ea"/>
-          <a:cs typeface="+mn-cs"/>
-        </a:defRPr>
-      </a:lvl4pPr>
-      <a:lvl5pPr marL="1828800" algn="l" defTabSz="914400" rtl="0" eaLnBrk="1" latinLnBrk="0" hangingPunct="1">
-        <a:defRPr sz="1800" kern="1200">
-          <a:solidFill>
-            <a:schemeClr val="tx1"/>
-          </a:solidFill>
-          <a:latin typeface="+mn-lt"/>
-          <a:ea typeface="+mn-ea"/>
-          <a:cs typeface="+mn-cs"/>
-        </a:defRPr>
-      </a:lvl5pPr>
-      <a:lvl6pPr marL="2286000" algn="l" defTabSz="914400" rtl="0" eaLnBrk="1" latinLnBrk="0" hangingPunct="1">
-        <a:defRPr sz="1800" kern="1200">
-          <a:solidFill>
-            <a:schemeClr val="tx1"/>
-          </a:solidFill>
-          <a:latin typeface="+mn-lt"/>
-          <a:ea typeface="+mn-ea"/>
-          <a:cs typeface="+mn-cs"/>
-        </a:defRPr>
-      </a:lvl6pPr>
-      <a:lvl7pPr marL="2743200" algn="l" defTabSz="914400" rtl="0" eaLnBrk="1" latinLnBrk="0" hangingPunct="1">
-        <a:defRPr sz="1800" kern="1200">
-          <a:solidFill>
-            <a:schemeClr val="tx1"/>
-          </a:solidFill>
-          <a:latin typeface="+mn-lt"/>
-          <a:ea typeface="+mn-ea"/>
-          <a:cs typeface="+mn-cs"/>
-        </a:defRPr>
-      </a:lvl7pPr>
-      <a:lvl8pPr marL="3200400" algn="l" defTabSz="914400" rtl="0" eaLnBrk="1" latinLnBrk="0" hangingPunct="1">
-        <a:defRPr sz="1800" kern="1200">
-          <a:solidFill>
-            <a:schemeClr val="tx1"/>
-          </a:solidFill>
-          <a:latin typeface="+mn-lt"/>
-          <a:ea typeface="+mn-ea"/>
-          <a:cs typeface="+mn-cs"/>
-        </a:defRPr>
-      </a:lvl8pPr>
-      <a:lvl9pPr marL="3657600" algn="l" defTabSz="914400" rtl="0" eaLnBrk="1" latinLnBrk="0" hangingPunct="1">
+      <a:lvl9pPr marL="3657600" algn="l" defTabSz="457200" rtl="0" eaLnBrk="1" latinLnBrk="0" hangingPunct="1">
         <a:defRPr sz="1800" kern="1200">
           <a:solidFill>
             <a:schemeClr val="tx1"/>
@@ -3342,7 +6115,9 @@
         </p:nvSpPr>
         <p:spPr/>
         <p:txBody>
-          <a:bodyPr/>
+          <a:bodyPr>
+            <a:normAutofit fontScale="90000"/>
+          </a:bodyPr>
           <a:lstStyle/>
           <a:p>
             <a:r>
@@ -3389,6 +6164,306 @@
     <p:extLst>
       <p:ext uri="{BB962C8B-B14F-4D97-AF65-F5344CB8AC3E}">
         <p14:creationId xmlns:p14="http://schemas.microsoft.com/office/powerpoint/2010/main" val="778153396"/>
+      </p:ext>
+    </p:extLst>
+  </p:cSld>
+  <p:clrMapOvr>
+    <a:masterClrMapping/>
+  </p:clrMapOvr>
+</p:sld>
+</file>
+
+<file path=ppt/slides/slide10.xml><?xml version="1.0" encoding="utf-8"?>
+<p:sld xmlns:a="http://schemas.openxmlformats.org/drawingml/2006/main" xmlns:r="http://schemas.openxmlformats.org/officeDocument/2006/relationships" xmlns:p="http://schemas.openxmlformats.org/presentationml/2006/main">
+  <p:cSld>
+    <p:spTree>
+      <p:nvGrpSpPr>
+        <p:cNvPr id="1" name=""/>
+        <p:cNvGrpSpPr/>
+        <p:nvPr/>
+      </p:nvGrpSpPr>
+      <p:grpSpPr>
+        <a:xfrm>
+          <a:off x="0" y="0"/>
+          <a:ext cx="0" cy="0"/>
+          <a:chOff x="0" y="0"/>
+          <a:chExt cx="0" cy="0"/>
+        </a:xfrm>
+      </p:grpSpPr>
+      <p:sp>
+        <p:nvSpPr>
+          <p:cNvPr id="2" name="Title 1">
+            <a:extLst>
+              <a:ext uri="{FF2B5EF4-FFF2-40B4-BE49-F238E27FC236}">
+                <a16:creationId xmlns:a16="http://schemas.microsoft.com/office/drawing/2014/main" id="{EDE7A827-0496-7146-AEA2-788B58EFD7F7}"/>
+              </a:ext>
+            </a:extLst>
+          </p:cNvPr>
+          <p:cNvSpPr>
+            <a:spLocks noGrp="1"/>
+          </p:cNvSpPr>
+          <p:nvPr>
+            <p:ph type="title"/>
+          </p:nvPr>
+        </p:nvSpPr>
+        <p:spPr/>
+        <p:txBody>
+          <a:bodyPr/>
+          <a:lstStyle/>
+          <a:p>
+            <a:r>
+              <a:rPr lang="en-US" dirty="0"/>
+              <a:t>Medications</a:t>
+            </a:r>
+          </a:p>
+        </p:txBody>
+      </p:sp>
+      <p:sp>
+        <p:nvSpPr>
+          <p:cNvPr id="3" name="Content Placeholder 2">
+            <a:extLst>
+              <a:ext uri="{FF2B5EF4-FFF2-40B4-BE49-F238E27FC236}">
+                <a16:creationId xmlns:a16="http://schemas.microsoft.com/office/drawing/2014/main" id="{3271ED95-0300-0647-BE26-36015831B589}"/>
+              </a:ext>
+            </a:extLst>
+          </p:cNvPr>
+          <p:cNvSpPr>
+            <a:spLocks noGrp="1"/>
+          </p:cNvSpPr>
+          <p:nvPr>
+            <p:ph idx="1"/>
+          </p:nvPr>
+        </p:nvSpPr>
+        <p:spPr/>
+        <p:txBody>
+          <a:bodyPr/>
+          <a:lstStyle/>
+          <a:p>
+            <a:r>
+              <a:rPr lang="en-US" dirty="0"/>
+              <a:t>What are the top n most frequently used medications?</a:t>
+            </a:r>
+          </a:p>
+          <a:p>
+            <a:r>
+              <a:rPr lang="en-US" dirty="0"/>
+              <a:t>What are the top n medications in terms of market penetration (% of patients)? </a:t>
+            </a:r>
+          </a:p>
+          <a:p>
+            <a:r>
+              <a:rPr lang="en-US" dirty="0"/>
+              <a:t>How does average cost vary with utilization and number of dispenses?</a:t>
+            </a:r>
+          </a:p>
+          <a:p>
+            <a:r>
+              <a:rPr lang="en-US" dirty="0"/>
+              <a:t>What is the mapping between conditions and medications? What’s the condition distribution for a given medication?</a:t>
+            </a:r>
+          </a:p>
+        </p:txBody>
+      </p:sp>
+    </p:spTree>
+    <p:extLst>
+      <p:ext uri="{BB962C8B-B14F-4D97-AF65-F5344CB8AC3E}">
+        <p14:creationId xmlns:p14="http://schemas.microsoft.com/office/powerpoint/2010/main" val="887472801"/>
+      </p:ext>
+    </p:extLst>
+  </p:cSld>
+  <p:clrMapOvr>
+    <a:masterClrMapping/>
+  </p:clrMapOvr>
+</p:sld>
+</file>
+
+<file path=ppt/slides/slide11.xml><?xml version="1.0" encoding="utf-8"?>
+<p:sld xmlns:a="http://schemas.openxmlformats.org/drawingml/2006/main" xmlns:r="http://schemas.openxmlformats.org/officeDocument/2006/relationships" xmlns:p="http://schemas.openxmlformats.org/presentationml/2006/main">
+  <p:cSld>
+    <p:spTree>
+      <p:nvGrpSpPr>
+        <p:cNvPr id="1" name=""/>
+        <p:cNvGrpSpPr/>
+        <p:nvPr/>
+      </p:nvGrpSpPr>
+      <p:grpSpPr>
+        <a:xfrm>
+          <a:off x="0" y="0"/>
+          <a:ext cx="0" cy="0"/>
+          <a:chOff x="0" y="0"/>
+          <a:chExt cx="0" cy="0"/>
+        </a:xfrm>
+      </p:grpSpPr>
+      <p:sp>
+        <p:nvSpPr>
+          <p:cNvPr id="2" name="Title 1">
+            <a:extLst>
+              <a:ext uri="{FF2B5EF4-FFF2-40B4-BE49-F238E27FC236}">
+                <a16:creationId xmlns:a16="http://schemas.microsoft.com/office/drawing/2014/main" id="{E5785503-D5BA-A440-B98D-2D3630E5F6C1}"/>
+              </a:ext>
+            </a:extLst>
+          </p:cNvPr>
+          <p:cNvSpPr>
+            <a:spLocks noGrp="1"/>
+          </p:cNvSpPr>
+          <p:nvPr>
+            <p:ph type="title"/>
+          </p:nvPr>
+        </p:nvSpPr>
+        <p:spPr/>
+        <p:txBody>
+          <a:bodyPr/>
+          <a:lstStyle/>
+          <a:p>
+            <a:r>
+              <a:rPr lang="en-US" dirty="0"/>
+              <a:t>Conditions</a:t>
+            </a:r>
+          </a:p>
+        </p:txBody>
+      </p:sp>
+      <p:sp>
+        <p:nvSpPr>
+          <p:cNvPr id="3" name="Content Placeholder 2">
+            <a:extLst>
+              <a:ext uri="{FF2B5EF4-FFF2-40B4-BE49-F238E27FC236}">
+                <a16:creationId xmlns:a16="http://schemas.microsoft.com/office/drawing/2014/main" id="{5BDA04E8-0096-FD44-AB22-EE9B51881FFC}"/>
+              </a:ext>
+            </a:extLst>
+          </p:cNvPr>
+          <p:cNvSpPr>
+            <a:spLocks noGrp="1"/>
+          </p:cNvSpPr>
+          <p:nvPr>
+            <p:ph idx="1"/>
+          </p:nvPr>
+        </p:nvSpPr>
+        <p:spPr/>
+        <p:txBody>
+          <a:bodyPr/>
+          <a:lstStyle/>
+          <a:p>
+            <a:r>
+              <a:rPr lang="en-US" dirty="0"/>
+              <a:t>What the are most prevalent conditions, and how do they compare to national data?</a:t>
+            </a:r>
+          </a:p>
+          <a:p>
+            <a:r>
+              <a:rPr lang="en-US" dirty="0"/>
+              <a:t>What are the onsets of these conditions? </a:t>
+            </a:r>
+          </a:p>
+          <a:p>
+            <a:r>
+              <a:rPr lang="en-US" dirty="0"/>
+              <a:t>Which conditions are the most lethal? How does mortality rate vary across conditions?</a:t>
+            </a:r>
+          </a:p>
+          <a:p>
+            <a:r>
+              <a:rPr lang="en-US" dirty="0"/>
+              <a:t>Which co-morbidities are most common in the data?</a:t>
+            </a:r>
+          </a:p>
+          <a:p>
+            <a:endParaRPr lang="en-US" dirty="0"/>
+          </a:p>
+          <a:p>
+            <a:endParaRPr lang="en-US" dirty="0"/>
+          </a:p>
+        </p:txBody>
+      </p:sp>
+    </p:spTree>
+    <p:extLst>
+      <p:ext uri="{BB962C8B-B14F-4D97-AF65-F5344CB8AC3E}">
+        <p14:creationId xmlns:p14="http://schemas.microsoft.com/office/powerpoint/2010/main" val="3402796340"/>
+      </p:ext>
+    </p:extLst>
+  </p:cSld>
+  <p:clrMapOvr>
+    <a:masterClrMapping/>
+  </p:clrMapOvr>
+</p:sld>
+</file>
+
+<file path=ppt/slides/slide12.xml><?xml version="1.0" encoding="utf-8"?>
+<p:sld xmlns:a="http://schemas.openxmlformats.org/drawingml/2006/main" xmlns:r="http://schemas.openxmlformats.org/officeDocument/2006/relationships" xmlns:p="http://schemas.openxmlformats.org/presentationml/2006/main">
+  <p:cSld>
+    <p:spTree>
+      <p:nvGrpSpPr>
+        <p:cNvPr id="1" name=""/>
+        <p:cNvGrpSpPr/>
+        <p:nvPr/>
+      </p:nvGrpSpPr>
+      <p:grpSpPr>
+        <a:xfrm>
+          <a:off x="0" y="0"/>
+          <a:ext cx="0" cy="0"/>
+          <a:chOff x="0" y="0"/>
+          <a:chExt cx="0" cy="0"/>
+        </a:xfrm>
+      </p:grpSpPr>
+      <p:sp>
+        <p:nvSpPr>
+          <p:cNvPr id="2" name="Title 1">
+            <a:extLst>
+              <a:ext uri="{FF2B5EF4-FFF2-40B4-BE49-F238E27FC236}">
+                <a16:creationId xmlns:a16="http://schemas.microsoft.com/office/drawing/2014/main" id="{E8A94AC9-CC2B-EA4A-8E08-32DC696C12E7}"/>
+              </a:ext>
+            </a:extLst>
+          </p:cNvPr>
+          <p:cNvSpPr>
+            <a:spLocks noGrp="1"/>
+          </p:cNvSpPr>
+          <p:nvPr>
+            <p:ph type="title"/>
+          </p:nvPr>
+        </p:nvSpPr>
+        <p:spPr/>
+        <p:txBody>
+          <a:bodyPr/>
+          <a:lstStyle/>
+          <a:p>
+            <a:r>
+              <a:rPr lang="en-US" dirty="0"/>
+              <a:t>Labs and Procedures</a:t>
+            </a:r>
+          </a:p>
+        </p:txBody>
+      </p:sp>
+      <p:sp>
+        <p:nvSpPr>
+          <p:cNvPr id="3" name="Content Placeholder 2">
+            <a:extLst>
+              <a:ext uri="{FF2B5EF4-FFF2-40B4-BE49-F238E27FC236}">
+                <a16:creationId xmlns:a16="http://schemas.microsoft.com/office/drawing/2014/main" id="{70697B4B-41A6-0145-AC74-6782FB7FD7CA}"/>
+              </a:ext>
+            </a:extLst>
+          </p:cNvPr>
+          <p:cNvSpPr>
+            <a:spLocks noGrp="1"/>
+          </p:cNvSpPr>
+          <p:nvPr>
+            <p:ph idx="1"/>
+          </p:nvPr>
+        </p:nvSpPr>
+        <p:spPr/>
+        <p:txBody>
+          <a:bodyPr/>
+          <a:lstStyle/>
+          <a:p>
+            <a:r>
+              <a:rPr lang="en-US" dirty="0"/>
+              <a:t>…</a:t>
+            </a:r>
+          </a:p>
+        </p:txBody>
+      </p:sp>
+    </p:spTree>
+    <p:extLst>
+      <p:ext uri="{BB962C8B-B14F-4D97-AF65-F5344CB8AC3E}">
+        <p14:creationId xmlns:p14="http://schemas.microsoft.com/office/powerpoint/2010/main" val="2043180009"/>
       </p:ext>
     </p:extLst>
   </p:cSld>
@@ -3420,7 +6495,7 @@
           <p:cNvPr id="2" name="Title 1">
             <a:extLst>
               <a:ext uri="{FF2B5EF4-FFF2-40B4-BE49-F238E27FC236}">
-                <a16:creationId xmlns:a16="http://schemas.microsoft.com/office/drawing/2014/main" id="{3099124B-2B11-BD4E-A046-62929D003DD8}"/>
+                <a16:creationId xmlns:a16="http://schemas.microsoft.com/office/drawing/2014/main" id="{5F135317-123C-024E-9822-22A68D164340}"/>
               </a:ext>
             </a:extLst>
           </p:cNvPr>
@@ -3438,7 +6513,7 @@
           <a:p>
             <a:r>
               <a:rPr lang="en-US" dirty="0"/>
-              <a:t>Economics</a:t>
+              <a:t>Outline</a:t>
             </a:r>
           </a:p>
         </p:txBody>
@@ -3448,7 +6523,7 @@
           <p:cNvPr id="3" name="Content Placeholder 2">
             <a:extLst>
               <a:ext uri="{FF2B5EF4-FFF2-40B4-BE49-F238E27FC236}">
-                <a16:creationId xmlns:a16="http://schemas.microsoft.com/office/drawing/2014/main" id="{8ED73176-7750-B746-8D3C-E44D3D5C9FDE}"/>
+                <a16:creationId xmlns:a16="http://schemas.microsoft.com/office/drawing/2014/main" id="{56DA2F17-99F3-BB4E-9BB2-A94EB11DBEE7}"/>
               </a:ext>
             </a:extLst>
           </p:cNvPr>
@@ -3459,117 +6534,100 @@
             <p:ph idx="1"/>
           </p:nvPr>
         </p:nvSpPr>
-        <p:spPr>
-          <a:xfrm>
-            <a:off x="838200" y="1825625"/>
-            <a:ext cx="10515600" cy="3101482"/>
-          </a:xfrm>
-        </p:spPr>
+        <p:spPr/>
         <p:txBody>
           <a:bodyPr>
-            <a:normAutofit fontScale="55000" lnSpcReduction="20000"/>
+            <a:normAutofit fontScale="92500" lnSpcReduction="20000"/>
           </a:bodyPr>
           <a:lstStyle/>
           <a:p>
             <a:r>
               <a:rPr lang="en-US" dirty="0"/>
-              <a:t>How do Total Cost and Coverage vary by..</a:t>
+              <a:t>Validation for specific modules, or groups of modules</a:t>
             </a:r>
           </a:p>
           <a:p>
             <a:pPr lvl="1"/>
             <a:r>
               <a:rPr lang="en-US" dirty="0"/>
-              <a:t>Age? </a:t>
+              <a:t>Cardiovascular</a:t>
             </a:r>
           </a:p>
           <a:p>
             <a:pPr lvl="1"/>
             <a:r>
               <a:rPr lang="en-US" dirty="0"/>
-              <a:t>Race/ethnicity?</a:t>
+              <a:t>COVID-19</a:t>
             </a:r>
           </a:p>
           <a:p>
             <a:pPr lvl="1"/>
             <a:r>
               <a:rPr lang="en-US" dirty="0"/>
-              <a:t>Gender?</a:t>
+              <a:t>Pregnancy</a:t>
             </a:r>
           </a:p>
           <a:p>
             <a:pPr lvl="1"/>
             <a:r>
               <a:rPr lang="en-US" dirty="0"/>
-              <a:t>How do these distributions compare to true financial data?</a:t>
+              <a:t>…</a:t>
             </a:r>
           </a:p>
           <a:p>
             <a:r>
               <a:rPr lang="en-US" dirty="0"/>
-              <a:t>What is the average cost per visit? Overall? By demographic?</a:t>
-            </a:r>
-          </a:p>
-          <a:p>
+              <a:t>Generic Validation (Across modules)</a:t>
+            </a:r>
+          </a:p>
+          <a:p>
+            <a:pPr lvl="1"/>
             <a:r>
               <a:rPr lang="en-US" dirty="0"/>
-              <a:t>What’s the breakdown of healthcare expenditures? What fraction go towards visits vs. medication vs. surgeries?</a:t>
-            </a:r>
-          </a:p>
-          <a:p>
+              <a:t>Geography</a:t>
+            </a:r>
+          </a:p>
+          <a:p>
+            <a:pPr lvl="1"/>
             <a:r>
               <a:rPr lang="en-US" dirty="0"/>
-              <a:t>How much on average do the top N procedure types cost? How does these vary by region?</a:t>
-            </a:r>
-          </a:p>
-          <a:p>
+              <a:t>Economics</a:t>
+            </a:r>
+          </a:p>
+          <a:p>
+            <a:pPr lvl="1"/>
             <a:r>
               <a:rPr lang="en-US" dirty="0"/>
-              <a:t>does the cost for the disease(s) match the cost in the data or literature? (per member per month or per beneficiary per year </a:t>
-            </a:r>
-            <a:r>
-              <a:rPr lang="en-US" dirty="0" err="1"/>
-              <a:t>etc</a:t>
-            </a:r>
+              <a:t>Medication</a:t>
+            </a:r>
+          </a:p>
+          <a:p>
+            <a:pPr lvl="1"/>
             <a:r>
               <a:rPr lang="en-US" dirty="0"/>
-              <a:t>)</a:t>
-            </a:r>
-          </a:p>
-          <a:p>
+              <a:t>Conditions</a:t>
+            </a:r>
+          </a:p>
+          <a:p>
+            <a:pPr lvl="1"/>
             <a:r>
               <a:rPr lang="en-US" dirty="0"/>
-              <a:t>look at the distribution of costs across site of care to see how well it matches observed utilization (hospital vs. outpatient vs. drug). for example, I would expect to see high outpatient costs for pregnancy and delivery but low drug costs (pregnant women are restricted in </a:t>
-            </a:r>
-            <a:r>
-              <a:rPr lang="en-US" dirty="0" err="1"/>
-              <a:t>rx</a:t>
-            </a:r>
+              <a:t>Labs &amp; Procedures</a:t>
+            </a:r>
+          </a:p>
+          <a:p>
+            <a:pPr lvl="1"/>
             <a:r>
               <a:rPr lang="en-US" dirty="0"/>
-              <a:t> drug utilization). </a:t>
-            </a:r>
-            <a:r>
-              <a:rPr lang="en-US"/>
-              <a:t>for well-controlled </a:t>
-            </a:r>
-            <a:r>
-              <a:rPr lang="en-US" dirty="0"/>
-              <a:t>diabetes, it would be mostly drug costs (insulin and testing strips)</a:t>
-            </a:r>
-          </a:p>
-          <a:p>
-            <a:endParaRPr lang="en-US" dirty="0"/>
-          </a:p>
-          <a:p>
-            <a:endParaRPr lang="en-US" dirty="0"/>
+              <a:t>…</a:t>
+            </a:r>
           </a:p>
         </p:txBody>
       </p:sp>
     </p:spTree>
     <p:extLst>
       <p:ext uri="{BB962C8B-B14F-4D97-AF65-F5344CB8AC3E}">
-        <p14:creationId xmlns:p14="http://schemas.microsoft.com/office/powerpoint/2010/main" val="2596710803"/>
+        <p14:creationId xmlns:p14="http://schemas.microsoft.com/office/powerpoint/2010/main" val="4078839371"/>
       </p:ext>
     </p:extLst>
   </p:cSld>
@@ -3598,10 +6656,10 @@
       </p:grpSpPr>
       <p:sp>
         <p:nvSpPr>
-          <p:cNvPr id="2" name="Title 1">
+          <p:cNvPr id="4" name="Title 3">
             <a:extLst>
               <a:ext uri="{FF2B5EF4-FFF2-40B4-BE49-F238E27FC236}">
-                <a16:creationId xmlns:a16="http://schemas.microsoft.com/office/drawing/2014/main" id="{E5785503-D5BA-A440-B98D-2D3630E5F6C1}"/>
+                <a16:creationId xmlns:a16="http://schemas.microsoft.com/office/drawing/2014/main" id="{E347BF36-981E-2241-9614-66C757A684A6}"/>
               </a:ext>
             </a:extLst>
           </p:cNvPr>
@@ -3619,17 +6677,17 @@
           <a:p>
             <a:r>
               <a:rPr lang="en-US" dirty="0"/>
-              <a:t>Conditions</a:t>
-            </a:r>
-          </a:p>
-        </p:txBody>
-      </p:sp>
-      <p:sp>
-        <p:nvSpPr>
-          <p:cNvPr id="3" name="Content Placeholder 2">
+              <a:t>Specific Module Validation</a:t>
+            </a:r>
+          </a:p>
+        </p:txBody>
+      </p:sp>
+      <p:sp>
+        <p:nvSpPr>
+          <p:cNvPr id="5" name="Text Placeholder 4">
             <a:extLst>
               <a:ext uri="{FF2B5EF4-FFF2-40B4-BE49-F238E27FC236}">
-                <a16:creationId xmlns:a16="http://schemas.microsoft.com/office/drawing/2014/main" id="{5BDA04E8-0096-FD44-AB22-EE9B51881FFC}"/>
+                <a16:creationId xmlns:a16="http://schemas.microsoft.com/office/drawing/2014/main" id="{EE69AB6F-313C-894D-86FE-9552450F5FEF}"/>
               </a:ext>
             </a:extLst>
           </p:cNvPr>
@@ -3637,37 +6695,22 @@
             <a:spLocks noGrp="1"/>
           </p:cNvSpPr>
           <p:nvPr>
-            <p:ph idx="1"/>
-          </p:nvPr>
-        </p:nvSpPr>
-        <p:spPr/>
-        <p:txBody>
-          <a:bodyPr/>
-          <a:lstStyle/>
-          <a:p>
-            <a:r>
-              <a:rPr lang="en-US" dirty="0"/>
-              <a:t>What the are most prevalent conditions, and how do they compare to national data?</a:t>
-            </a:r>
-          </a:p>
-          <a:p>
-            <a:r>
-              <a:rPr lang="en-US" dirty="0"/>
-              <a:t>What are the onsets of these conditions?</a:t>
-            </a:r>
-          </a:p>
-          <a:p>
-            <a:endParaRPr lang="en-US" dirty="0"/>
-          </a:p>
-          <a:p>
-            <a:endParaRPr lang="en-US" dirty="0"/>
+            <p:ph type="body" idx="1"/>
+          </p:nvPr>
+        </p:nvSpPr>
+        <p:spPr/>
+        <p:txBody>
+          <a:bodyPr/>
+          <a:lstStyle/>
+          <a:p>
+            <a:endParaRPr lang="en-US"/>
           </a:p>
         </p:txBody>
       </p:sp>
     </p:spTree>
     <p:extLst>
       <p:ext uri="{BB962C8B-B14F-4D97-AF65-F5344CB8AC3E}">
-        <p14:creationId xmlns:p14="http://schemas.microsoft.com/office/powerpoint/2010/main" val="3402796340"/>
+        <p14:creationId xmlns:p14="http://schemas.microsoft.com/office/powerpoint/2010/main" val="3455749881"/>
       </p:ext>
     </p:extLst>
   </p:cSld>
@@ -3696,10 +6739,96 @@
       </p:grpSpPr>
       <p:sp>
         <p:nvSpPr>
+          <p:cNvPr id="4" name="Title 3">
+            <a:extLst>
+              <a:ext uri="{FF2B5EF4-FFF2-40B4-BE49-F238E27FC236}">
+                <a16:creationId xmlns:a16="http://schemas.microsoft.com/office/drawing/2014/main" id="{6EF2A338-0B44-0144-AD29-2E3D8DD870BF}"/>
+              </a:ext>
+            </a:extLst>
+          </p:cNvPr>
+          <p:cNvSpPr>
+            <a:spLocks noGrp="1"/>
+          </p:cNvSpPr>
+          <p:nvPr>
+            <p:ph type="title"/>
+          </p:nvPr>
+        </p:nvSpPr>
+        <p:spPr/>
+        <p:txBody>
+          <a:bodyPr/>
+          <a:lstStyle/>
+          <a:p>
+            <a:r>
+              <a:rPr lang="en-US" dirty="0"/>
+              <a:t>Cardiovascular Modules</a:t>
+            </a:r>
+          </a:p>
+        </p:txBody>
+      </p:sp>
+      <p:sp>
+        <p:nvSpPr>
+          <p:cNvPr id="5" name="Content Placeholder 4">
+            <a:extLst>
+              <a:ext uri="{FF2B5EF4-FFF2-40B4-BE49-F238E27FC236}">
+                <a16:creationId xmlns:a16="http://schemas.microsoft.com/office/drawing/2014/main" id="{8C181EE9-6AED-0F4F-A895-9A8A209C52B0}"/>
+              </a:ext>
+            </a:extLst>
+          </p:cNvPr>
+          <p:cNvSpPr>
+            <a:spLocks noGrp="1"/>
+          </p:cNvSpPr>
+          <p:nvPr>
+            <p:ph idx="1"/>
+          </p:nvPr>
+        </p:nvSpPr>
+        <p:spPr/>
+        <p:txBody>
+          <a:bodyPr/>
+          <a:lstStyle/>
+          <a:p>
+            <a:r>
+              <a:rPr lang="en-US" dirty="0"/>
+              <a:t>…</a:t>
+            </a:r>
+          </a:p>
+        </p:txBody>
+      </p:sp>
+    </p:spTree>
+    <p:extLst>
+      <p:ext uri="{BB962C8B-B14F-4D97-AF65-F5344CB8AC3E}">
+        <p14:creationId xmlns:p14="http://schemas.microsoft.com/office/powerpoint/2010/main" val="618032847"/>
+      </p:ext>
+    </p:extLst>
+  </p:cSld>
+  <p:clrMapOvr>
+    <a:masterClrMapping/>
+  </p:clrMapOvr>
+</p:sld>
+</file>
+
+<file path=ppt/slides/slide5.xml><?xml version="1.0" encoding="utf-8"?>
+<p:sld xmlns:a="http://schemas.openxmlformats.org/drawingml/2006/main" xmlns:r="http://schemas.openxmlformats.org/officeDocument/2006/relationships" xmlns:p="http://schemas.openxmlformats.org/presentationml/2006/main">
+  <p:cSld>
+    <p:spTree>
+      <p:nvGrpSpPr>
+        <p:cNvPr id="1" name=""/>
+        <p:cNvGrpSpPr/>
+        <p:nvPr/>
+      </p:nvGrpSpPr>
+      <p:grpSpPr>
+        <a:xfrm>
+          <a:off x="0" y="0"/>
+          <a:ext cx="0" cy="0"/>
+          <a:chOff x="0" y="0"/>
+          <a:chExt cx="0" cy="0"/>
+        </a:xfrm>
+      </p:grpSpPr>
+      <p:sp>
+        <p:nvSpPr>
           <p:cNvPr id="2" name="Title 1">
             <a:extLst>
               <a:ext uri="{FF2B5EF4-FFF2-40B4-BE49-F238E27FC236}">
-                <a16:creationId xmlns:a16="http://schemas.microsoft.com/office/drawing/2014/main" id="{6CAC8FB2-8EA6-6840-B226-1FB0657B57C5}"/>
+                <a16:creationId xmlns:a16="http://schemas.microsoft.com/office/drawing/2014/main" id="{FC345809-5490-9247-B78C-0A541706634A}"/>
               </a:ext>
             </a:extLst>
           </p:cNvPr>
@@ -3717,7 +6846,7 @@
           <a:p>
             <a:r>
               <a:rPr lang="en-US" dirty="0"/>
-              <a:t>Notebooks</a:t>
+              <a:t>COVID-19</a:t>
             </a:r>
           </a:p>
         </p:txBody>
@@ -3727,7 +6856,7 @@
           <p:cNvPr id="3" name="Content Placeholder 2">
             <a:extLst>
               <a:ext uri="{FF2B5EF4-FFF2-40B4-BE49-F238E27FC236}">
-                <a16:creationId xmlns:a16="http://schemas.microsoft.com/office/drawing/2014/main" id="{A044FD8A-B3A5-C742-A686-F2E6D24B3716}"/>
+                <a16:creationId xmlns:a16="http://schemas.microsoft.com/office/drawing/2014/main" id="{6C451DDF-C5FE-9E4B-A42B-8CF7B74E2999}"/>
               </a:ext>
             </a:extLst>
           </p:cNvPr>
@@ -3745,52 +6874,486 @@
           <a:p>
             <a:r>
               <a:rPr lang="en-US" dirty="0"/>
-              <a:t>Andy Module Validation: </a:t>
+              <a:t>See </a:t>
             </a:r>
             <a:r>
               <a:rPr lang="en-US" dirty="0">
                 <a:hlinkClick r:id="rId2"/>
               </a:rPr>
-              <a:t>https://gitlab.mitre.org/andrewg/synthea-covid-analysis/-/blob/master/Synthea%20Module%20Validation.ipynb</a:t>
-            </a:r>
-            <a:endParaRPr lang="en-US" dirty="0"/>
-          </a:p>
-          <a:p>
+              <a:t>https://github.com/synthetichealth/module-validation/blob/master/notebooks/Synthea%20COVID-19%20Analysis.ipynb</a:t>
+            </a:r>
             <a:r>
               <a:rPr lang="en-US" dirty="0"/>
-              <a:t>Andy COVID Validation: </a:t>
-            </a:r>
-          </a:p>
-          <a:p>
-            <a:r>
-              <a:rPr lang="en-US" dirty="0"/>
-              <a:t>Brendan </a:t>
-            </a:r>
-            <a:r>
-              <a:rPr lang="en-US" dirty="0" err="1"/>
-              <a:t>Synthea</a:t>
-            </a:r>
-            <a:r>
-              <a:rPr lang="en-US" dirty="0"/>
-              <a:t> Plots: </a:t>
-            </a:r>
-            <a:r>
-              <a:rPr lang="en-US" dirty="0">
-                <a:hlinkClick r:id="rId3"/>
-              </a:rPr>
-              <a:t>https://github.com/synthetichealth/module-validation/blob/master/notebooks/SyntheaPlots.ipynb</a:t>
-            </a:r>
-            <a:endParaRPr lang="en-US" dirty="0"/>
-          </a:p>
-          <a:p>
-            <a:endParaRPr lang="en-US" dirty="0"/>
+              <a:t> </a:t>
+            </a:r>
           </a:p>
         </p:txBody>
       </p:sp>
     </p:spTree>
     <p:extLst>
       <p:ext uri="{BB962C8B-B14F-4D97-AF65-F5344CB8AC3E}">
-        <p14:creationId xmlns:p14="http://schemas.microsoft.com/office/powerpoint/2010/main" val="1047072656"/>
+        <p14:creationId xmlns:p14="http://schemas.microsoft.com/office/powerpoint/2010/main" val="1319354637"/>
+      </p:ext>
+    </p:extLst>
+  </p:cSld>
+  <p:clrMapOvr>
+    <a:masterClrMapping/>
+  </p:clrMapOvr>
+</p:sld>
+</file>
+
+<file path=ppt/slides/slide6.xml><?xml version="1.0" encoding="utf-8"?>
+<p:sld xmlns:a="http://schemas.openxmlformats.org/drawingml/2006/main" xmlns:r="http://schemas.openxmlformats.org/officeDocument/2006/relationships" xmlns:p="http://schemas.openxmlformats.org/presentationml/2006/main">
+  <p:cSld>
+    <p:spTree>
+      <p:nvGrpSpPr>
+        <p:cNvPr id="1" name=""/>
+        <p:cNvGrpSpPr/>
+        <p:nvPr/>
+      </p:nvGrpSpPr>
+      <p:grpSpPr>
+        <a:xfrm>
+          <a:off x="0" y="0"/>
+          <a:ext cx="0" cy="0"/>
+          <a:chOff x="0" y="0"/>
+          <a:chExt cx="0" cy="0"/>
+        </a:xfrm>
+      </p:grpSpPr>
+      <p:sp>
+        <p:nvSpPr>
+          <p:cNvPr id="2" name="Title 1">
+            <a:extLst>
+              <a:ext uri="{FF2B5EF4-FFF2-40B4-BE49-F238E27FC236}">
+                <a16:creationId xmlns:a16="http://schemas.microsoft.com/office/drawing/2014/main" id="{F391F411-94D3-9241-96F0-65C318D1B4BE}"/>
+              </a:ext>
+            </a:extLst>
+          </p:cNvPr>
+          <p:cNvSpPr>
+            <a:spLocks noGrp="1"/>
+          </p:cNvSpPr>
+          <p:nvPr>
+            <p:ph type="title"/>
+          </p:nvPr>
+        </p:nvSpPr>
+        <p:spPr/>
+        <p:txBody>
+          <a:bodyPr/>
+          <a:lstStyle/>
+          <a:p>
+            <a:r>
+              <a:rPr lang="en-US" dirty="0"/>
+              <a:t>Pregnancy</a:t>
+            </a:r>
+          </a:p>
+        </p:txBody>
+      </p:sp>
+      <p:sp>
+        <p:nvSpPr>
+          <p:cNvPr id="3" name="Content Placeholder 2">
+            <a:extLst>
+              <a:ext uri="{FF2B5EF4-FFF2-40B4-BE49-F238E27FC236}">
+                <a16:creationId xmlns:a16="http://schemas.microsoft.com/office/drawing/2014/main" id="{B364ADC5-F509-D740-9E88-4AAF7757C517}"/>
+              </a:ext>
+            </a:extLst>
+          </p:cNvPr>
+          <p:cNvSpPr>
+            <a:spLocks noGrp="1"/>
+          </p:cNvSpPr>
+          <p:nvPr>
+            <p:ph idx="1"/>
+          </p:nvPr>
+        </p:nvSpPr>
+        <p:spPr/>
+        <p:txBody>
+          <a:bodyPr/>
+          <a:lstStyle/>
+          <a:p>
+            <a:r>
+              <a:rPr lang="en-US" dirty="0"/>
+              <a:t>See </a:t>
+            </a:r>
+            <a:r>
+              <a:rPr lang="en-US" dirty="0">
+                <a:hlinkClick r:id="rId2"/>
+              </a:rPr>
+              <a:t>https://github.com/synthetichealth/module-validation/blob/master/notebooks/PregnancyPlots.ipynb</a:t>
+            </a:r>
+            <a:endParaRPr lang="en-US" dirty="0"/>
+          </a:p>
+        </p:txBody>
+      </p:sp>
+    </p:spTree>
+    <p:extLst>
+      <p:ext uri="{BB962C8B-B14F-4D97-AF65-F5344CB8AC3E}">
+        <p14:creationId xmlns:p14="http://schemas.microsoft.com/office/powerpoint/2010/main" val="3240308790"/>
+      </p:ext>
+    </p:extLst>
+  </p:cSld>
+  <p:clrMapOvr>
+    <a:masterClrMapping/>
+  </p:clrMapOvr>
+</p:sld>
+</file>
+
+<file path=ppt/slides/slide7.xml><?xml version="1.0" encoding="utf-8"?>
+<p:sld xmlns:a="http://schemas.openxmlformats.org/drawingml/2006/main" xmlns:r="http://schemas.openxmlformats.org/officeDocument/2006/relationships" xmlns:p="http://schemas.openxmlformats.org/presentationml/2006/main">
+  <p:cSld>
+    <p:spTree>
+      <p:nvGrpSpPr>
+        <p:cNvPr id="1" name=""/>
+        <p:cNvGrpSpPr/>
+        <p:nvPr/>
+      </p:nvGrpSpPr>
+      <p:grpSpPr>
+        <a:xfrm>
+          <a:off x="0" y="0"/>
+          <a:ext cx="0" cy="0"/>
+          <a:chOff x="0" y="0"/>
+          <a:chExt cx="0" cy="0"/>
+        </a:xfrm>
+      </p:grpSpPr>
+      <p:sp>
+        <p:nvSpPr>
+          <p:cNvPr id="4" name="Title 3">
+            <a:extLst>
+              <a:ext uri="{FF2B5EF4-FFF2-40B4-BE49-F238E27FC236}">
+                <a16:creationId xmlns:a16="http://schemas.microsoft.com/office/drawing/2014/main" id="{E347BF36-981E-2241-9614-66C757A684A6}"/>
+              </a:ext>
+            </a:extLst>
+          </p:cNvPr>
+          <p:cNvSpPr>
+            <a:spLocks noGrp="1"/>
+          </p:cNvSpPr>
+          <p:nvPr>
+            <p:ph type="title"/>
+          </p:nvPr>
+        </p:nvSpPr>
+        <p:spPr/>
+        <p:txBody>
+          <a:bodyPr/>
+          <a:lstStyle/>
+          <a:p>
+            <a:r>
+              <a:rPr lang="en-US" dirty="0"/>
+              <a:t>Generic Modules</a:t>
+            </a:r>
+          </a:p>
+        </p:txBody>
+      </p:sp>
+      <p:sp>
+        <p:nvSpPr>
+          <p:cNvPr id="5" name="Text Placeholder 4">
+            <a:extLst>
+              <a:ext uri="{FF2B5EF4-FFF2-40B4-BE49-F238E27FC236}">
+                <a16:creationId xmlns:a16="http://schemas.microsoft.com/office/drawing/2014/main" id="{EE69AB6F-313C-894D-86FE-9552450F5FEF}"/>
+              </a:ext>
+            </a:extLst>
+          </p:cNvPr>
+          <p:cNvSpPr>
+            <a:spLocks noGrp="1"/>
+          </p:cNvSpPr>
+          <p:nvPr>
+            <p:ph type="body" idx="1"/>
+          </p:nvPr>
+        </p:nvSpPr>
+        <p:spPr/>
+        <p:txBody>
+          <a:bodyPr/>
+          <a:lstStyle/>
+          <a:p>
+            <a:endParaRPr lang="en-US"/>
+          </a:p>
+        </p:txBody>
+      </p:sp>
+    </p:spTree>
+    <p:extLst>
+      <p:ext uri="{BB962C8B-B14F-4D97-AF65-F5344CB8AC3E}">
+        <p14:creationId xmlns:p14="http://schemas.microsoft.com/office/powerpoint/2010/main" val="2728541029"/>
+      </p:ext>
+    </p:extLst>
+  </p:cSld>
+  <p:clrMapOvr>
+    <a:masterClrMapping/>
+  </p:clrMapOvr>
+</p:sld>
+</file>
+
+<file path=ppt/slides/slide8.xml><?xml version="1.0" encoding="utf-8"?>
+<p:sld xmlns:a="http://schemas.openxmlformats.org/drawingml/2006/main" xmlns:r="http://schemas.openxmlformats.org/officeDocument/2006/relationships" xmlns:p="http://schemas.openxmlformats.org/presentationml/2006/main">
+  <p:cSld>
+    <p:spTree>
+      <p:nvGrpSpPr>
+        <p:cNvPr id="1" name=""/>
+        <p:cNvGrpSpPr/>
+        <p:nvPr/>
+      </p:nvGrpSpPr>
+      <p:grpSpPr>
+        <a:xfrm>
+          <a:off x="0" y="0"/>
+          <a:ext cx="0" cy="0"/>
+          <a:chOff x="0" y="0"/>
+          <a:chExt cx="0" cy="0"/>
+        </a:xfrm>
+      </p:grpSpPr>
+      <p:sp>
+        <p:nvSpPr>
+          <p:cNvPr id="2" name="Title 1">
+            <a:extLst>
+              <a:ext uri="{FF2B5EF4-FFF2-40B4-BE49-F238E27FC236}">
+                <a16:creationId xmlns:a16="http://schemas.microsoft.com/office/drawing/2014/main" id="{7AE21A64-2844-2344-AC81-0E8B21355AB3}"/>
+              </a:ext>
+            </a:extLst>
+          </p:cNvPr>
+          <p:cNvSpPr>
+            <a:spLocks noGrp="1"/>
+          </p:cNvSpPr>
+          <p:nvPr>
+            <p:ph type="title"/>
+          </p:nvPr>
+        </p:nvSpPr>
+        <p:spPr/>
+        <p:txBody>
+          <a:bodyPr/>
+          <a:lstStyle/>
+          <a:p>
+            <a:r>
+              <a:rPr lang="en-US" dirty="0"/>
+              <a:t>Geography</a:t>
+            </a:r>
+          </a:p>
+        </p:txBody>
+      </p:sp>
+      <p:sp>
+        <p:nvSpPr>
+          <p:cNvPr id="3" name="Content Placeholder 2">
+            <a:extLst>
+              <a:ext uri="{FF2B5EF4-FFF2-40B4-BE49-F238E27FC236}">
+                <a16:creationId xmlns:a16="http://schemas.microsoft.com/office/drawing/2014/main" id="{DDBA7797-40D3-C54E-928F-0E104B967E72}"/>
+              </a:ext>
+            </a:extLst>
+          </p:cNvPr>
+          <p:cNvSpPr>
+            <a:spLocks noGrp="1"/>
+          </p:cNvSpPr>
+          <p:nvPr>
+            <p:ph idx="1"/>
+          </p:nvPr>
+        </p:nvSpPr>
+        <p:spPr/>
+        <p:txBody>
+          <a:bodyPr/>
+          <a:lstStyle/>
+          <a:p>
+            <a:r>
+              <a:rPr lang="en-US" dirty="0"/>
+              <a:t>What is the geographic distribution of patients in the dataset? How does this match up with census data?</a:t>
+            </a:r>
+          </a:p>
+          <a:p>
+            <a:r>
+              <a:rPr lang="en-US" dirty="0"/>
+              <a:t>How does geography vary by race, age, and gender?</a:t>
+            </a:r>
+          </a:p>
+          <a:p>
+            <a:r>
+              <a:rPr lang="en-US" dirty="0"/>
+              <a:t>Do observed population clusters match up with large towns/cities/neighborhoods?</a:t>
+            </a:r>
+          </a:p>
+        </p:txBody>
+      </p:sp>
+    </p:spTree>
+    <p:extLst>
+      <p:ext uri="{BB962C8B-B14F-4D97-AF65-F5344CB8AC3E}">
+        <p14:creationId xmlns:p14="http://schemas.microsoft.com/office/powerpoint/2010/main" val="768786047"/>
+      </p:ext>
+    </p:extLst>
+  </p:cSld>
+  <p:clrMapOvr>
+    <a:masterClrMapping/>
+  </p:clrMapOvr>
+</p:sld>
+</file>
+
+<file path=ppt/slides/slide9.xml><?xml version="1.0" encoding="utf-8"?>
+<p:sld xmlns:a="http://schemas.openxmlformats.org/drawingml/2006/main" xmlns:r="http://schemas.openxmlformats.org/officeDocument/2006/relationships" xmlns:p="http://schemas.openxmlformats.org/presentationml/2006/main">
+  <p:cSld>
+    <p:spTree>
+      <p:nvGrpSpPr>
+        <p:cNvPr id="1" name=""/>
+        <p:cNvGrpSpPr/>
+        <p:nvPr/>
+      </p:nvGrpSpPr>
+      <p:grpSpPr>
+        <a:xfrm>
+          <a:off x="0" y="0"/>
+          <a:ext cx="0" cy="0"/>
+          <a:chOff x="0" y="0"/>
+          <a:chExt cx="0" cy="0"/>
+        </a:xfrm>
+      </p:grpSpPr>
+      <p:sp>
+        <p:nvSpPr>
+          <p:cNvPr id="2" name="Title 1">
+            <a:extLst>
+              <a:ext uri="{FF2B5EF4-FFF2-40B4-BE49-F238E27FC236}">
+                <a16:creationId xmlns:a16="http://schemas.microsoft.com/office/drawing/2014/main" id="{3099124B-2B11-BD4E-A046-62929D003DD8}"/>
+              </a:ext>
+            </a:extLst>
+          </p:cNvPr>
+          <p:cNvSpPr>
+            <a:spLocks noGrp="1"/>
+          </p:cNvSpPr>
+          <p:nvPr>
+            <p:ph type="title"/>
+          </p:nvPr>
+        </p:nvSpPr>
+        <p:spPr/>
+        <p:txBody>
+          <a:bodyPr/>
+          <a:lstStyle/>
+          <a:p>
+            <a:r>
+              <a:rPr lang="en-US" dirty="0"/>
+              <a:t>Economics</a:t>
+            </a:r>
+          </a:p>
+        </p:txBody>
+      </p:sp>
+      <p:sp>
+        <p:nvSpPr>
+          <p:cNvPr id="3" name="Content Placeholder 2">
+            <a:extLst>
+              <a:ext uri="{FF2B5EF4-FFF2-40B4-BE49-F238E27FC236}">
+                <a16:creationId xmlns:a16="http://schemas.microsoft.com/office/drawing/2014/main" id="{8ED73176-7750-B746-8D3C-E44D3D5C9FDE}"/>
+              </a:ext>
+            </a:extLst>
+          </p:cNvPr>
+          <p:cNvSpPr>
+            <a:spLocks noGrp="1"/>
+          </p:cNvSpPr>
+          <p:nvPr>
+            <p:ph idx="1"/>
+          </p:nvPr>
+        </p:nvSpPr>
+        <p:spPr>
+          <a:xfrm>
+            <a:off x="776056" y="1621439"/>
+            <a:ext cx="10515600" cy="4667250"/>
+          </a:xfrm>
+        </p:spPr>
+        <p:txBody>
+          <a:bodyPr>
+            <a:normAutofit fontScale="47500" lnSpcReduction="20000"/>
+          </a:bodyPr>
+          <a:lstStyle/>
+          <a:p>
+            <a:r>
+              <a:rPr lang="en-US" sz="3400" dirty="0"/>
+              <a:t>How do Total Cost and Coverage vary by..</a:t>
+            </a:r>
+          </a:p>
+          <a:p>
+            <a:pPr lvl="1"/>
+            <a:r>
+              <a:rPr lang="en-US" sz="3400" dirty="0"/>
+              <a:t>Age? </a:t>
+            </a:r>
+          </a:p>
+          <a:p>
+            <a:pPr lvl="1"/>
+            <a:r>
+              <a:rPr lang="en-US" sz="3400" dirty="0"/>
+              <a:t>Race/ethnicity?</a:t>
+            </a:r>
+          </a:p>
+          <a:p>
+            <a:pPr lvl="1"/>
+            <a:r>
+              <a:rPr lang="en-US" sz="3400" dirty="0"/>
+              <a:t>Gender?</a:t>
+            </a:r>
+          </a:p>
+          <a:p>
+            <a:pPr lvl="1"/>
+            <a:r>
+              <a:rPr lang="en-US" sz="3400" dirty="0"/>
+              <a:t>How do these distributions compare to true financial data?</a:t>
+            </a:r>
+          </a:p>
+          <a:p>
+            <a:r>
+              <a:rPr lang="en-US" sz="3400" dirty="0"/>
+              <a:t>What is the average cost per visit? Overall? By demographic?</a:t>
+            </a:r>
+          </a:p>
+          <a:p>
+            <a:r>
+              <a:rPr lang="en-US" sz="3400" dirty="0"/>
+              <a:t>What’s the breakdown of healthcare expenditures? What fraction go towards visits vs. medication vs. surgeries?</a:t>
+            </a:r>
+          </a:p>
+          <a:p>
+            <a:r>
+              <a:rPr lang="en-US" sz="3400" dirty="0"/>
+              <a:t>How much on average do the top N procedure types cost? How does these vary by region?</a:t>
+            </a:r>
+          </a:p>
+          <a:p>
+            <a:r>
+              <a:rPr lang="en-US" sz="3400" dirty="0"/>
+              <a:t>does the cost for the disease(s) match the cost in the data or literature? (per member per month or per beneficiary per year </a:t>
+            </a:r>
+            <a:r>
+              <a:rPr lang="en-US" sz="3400" dirty="0" err="1"/>
+              <a:t>etc</a:t>
+            </a:r>
+            <a:r>
+              <a:rPr lang="en-US" sz="3400" dirty="0"/>
+              <a:t>)</a:t>
+            </a:r>
+          </a:p>
+          <a:p>
+            <a:r>
+              <a:rPr lang="en-US" sz="3400" dirty="0"/>
+              <a:t>How does the distribution of costs across site of care compare with observed utilization (hospital vs. outpatient vs. drug). </a:t>
+            </a:r>
+          </a:p>
+          <a:p>
+            <a:pPr lvl="1"/>
+            <a:r>
+              <a:rPr lang="en-US" sz="3000" dirty="0"/>
+              <a:t>Ex 1. Would expect high outpatient costs for pregnancy and delivery but low drug costs (pregnant women are restricted in </a:t>
+            </a:r>
+            <a:r>
+              <a:rPr lang="en-US" sz="3000" dirty="0" err="1"/>
+              <a:t>rx</a:t>
+            </a:r>
+            <a:r>
+              <a:rPr lang="en-US" sz="3000" dirty="0"/>
+              <a:t> drug utilization). </a:t>
+            </a:r>
+          </a:p>
+          <a:p>
+            <a:pPr lvl="1"/>
+            <a:r>
+              <a:rPr lang="en-US" sz="3000" dirty="0"/>
+              <a:t>Ex 2. well-controlled diabetes, it would be mostly drug costs (insulin and testing strips)</a:t>
+            </a:r>
+          </a:p>
+          <a:p>
+            <a:endParaRPr lang="en-US" dirty="0"/>
+          </a:p>
+          <a:p>
+            <a:endParaRPr lang="en-US" dirty="0"/>
+          </a:p>
+        </p:txBody>
+      </p:sp>
+    </p:spTree>
+    <p:extLst>
+      <p:ext uri="{BB962C8B-B14F-4D97-AF65-F5344CB8AC3E}">
+        <p14:creationId xmlns:p14="http://schemas.microsoft.com/office/powerpoint/2010/main" val="2596710803"/>
       </p:ext>
     </p:extLst>
   </p:cSld>
@@ -3801,9 +7364,9 @@
 </file>
 
 <file path=ppt/theme/theme1.xml><?xml version="1.0" encoding="utf-8"?>
-<a:theme xmlns:a="http://schemas.openxmlformats.org/drawingml/2006/main" name="Office Theme">
+<a:theme xmlns:a="http://schemas.openxmlformats.org/drawingml/2006/main" name="Ion">
   <a:themeElements>
-    <a:clrScheme name="Office">
+    <a:clrScheme name="Ion">
       <a:dk1>
         <a:sysClr val="windowText" lastClr="000000"/>
       </a:dk1>
@@ -3811,44 +7374,44 @@
         <a:sysClr val="window" lastClr="FFFFFF"/>
       </a:lt1>
       <a:dk2>
-        <a:srgbClr val="44546A"/>
+        <a:srgbClr val="1E5155"/>
       </a:dk2>
       <a:lt2>
-        <a:srgbClr val="E7E6E6"/>
+        <a:srgbClr val="EBEBEB"/>
       </a:lt2>
       <a:accent1>
-        <a:srgbClr val="4472C4"/>
+        <a:srgbClr val="B01513"/>
       </a:accent1>
       <a:accent2>
-        <a:srgbClr val="ED7D31"/>
+        <a:srgbClr val="EA6312"/>
       </a:accent2>
       <a:accent3>
-        <a:srgbClr val="A5A5A5"/>
+        <a:srgbClr val="E6B729"/>
       </a:accent3>
       <a:accent4>
-        <a:srgbClr val="FFC000"/>
+        <a:srgbClr val="6AAC90"/>
       </a:accent4>
       <a:accent5>
-        <a:srgbClr val="5B9BD5"/>
+        <a:srgbClr val="54849A"/>
       </a:accent5>
       <a:accent6>
-        <a:srgbClr val="70AD47"/>
+        <a:srgbClr val="9E5E9B"/>
       </a:accent6>
       <a:hlink>
-        <a:srgbClr val="0563C1"/>
+        <a:srgbClr val="58C1BA"/>
       </a:hlink>
       <a:folHlink>
-        <a:srgbClr val="954F72"/>
+        <a:srgbClr val="9DFFCB"/>
       </a:folHlink>
     </a:clrScheme>
-    <a:fontScheme name="Office">
+    <a:fontScheme name="Ion">
       <a:majorFont>
-        <a:latin typeface="Calibri Light" panose="020F0302020204030204"/>
+        <a:latin typeface="Century Gothic" panose="020B0502020202020204"/>
         <a:ea typeface=""/>
         <a:cs typeface=""/>
-        <a:font script="Jpan" typeface="游ゴシック Light"/>
+        <a:font script="Jpan" typeface="メイリオ"/>
         <a:font script="Hang" typeface="맑은 고딕"/>
-        <a:font script="Hans" typeface="等线 Light"/>
+        <a:font script="Hans" typeface="宋体"/>
         <a:font script="Hant" typeface="新細明體"/>
         <a:font script="Arab" typeface="Times New Roman"/>
         <a:font script="Hebr" typeface="Times New Roman"/>
@@ -3876,31 +7439,14 @@
         <a:font script="Viet" typeface="Times New Roman"/>
         <a:font script="Uigh" typeface="Microsoft Uighur"/>
         <a:font script="Geor" typeface="Sylfaen"/>
-        <a:font script="Armn" typeface="Arial"/>
-        <a:font script="Bugi" typeface="Leelawadee UI"/>
-        <a:font script="Bopo" typeface="Microsoft JhengHei"/>
-        <a:font script="Java" typeface="Javanese Text"/>
-        <a:font script="Lisu" typeface="Segoe UI"/>
-        <a:font script="Mymr" typeface="Myanmar Text"/>
-        <a:font script="Nkoo" typeface="Ebrima"/>
-        <a:font script="Olck" typeface="Nirmala UI"/>
-        <a:font script="Osma" typeface="Ebrima"/>
-        <a:font script="Phag" typeface="Phagspa"/>
-        <a:font script="Syrn" typeface="Estrangelo Edessa"/>
-        <a:font script="Syrj" typeface="Estrangelo Edessa"/>
-        <a:font script="Syre" typeface="Estrangelo Edessa"/>
-        <a:font script="Sora" typeface="Nirmala UI"/>
-        <a:font script="Tale" typeface="Microsoft Tai Le"/>
-        <a:font script="Talu" typeface="Microsoft New Tai Lue"/>
-        <a:font script="Tfng" typeface="Ebrima"/>
       </a:majorFont>
       <a:minorFont>
-        <a:latin typeface="Calibri" panose="020F0502020204030204"/>
+        <a:latin typeface="Century Gothic" panose="020B0502020202020204"/>
         <a:ea typeface=""/>
         <a:cs typeface=""/>
-        <a:font script="Jpan" typeface="游ゴシック"/>
+        <a:font script="Jpan" typeface="メイリオ"/>
         <a:font script="Hang" typeface="맑은 고딕"/>
-        <a:font script="Hans" typeface="等线"/>
+        <a:font script="Hans" typeface="宋体"/>
         <a:font script="Hant" typeface="新細明體"/>
         <a:font script="Arab" typeface="Arial"/>
         <a:font script="Hebr" typeface="Arial"/>
@@ -3928,26 +7474,9 @@
         <a:font script="Viet" typeface="Arial"/>
         <a:font script="Uigh" typeface="Microsoft Uighur"/>
         <a:font script="Geor" typeface="Sylfaen"/>
-        <a:font script="Armn" typeface="Arial"/>
-        <a:font script="Bugi" typeface="Leelawadee UI"/>
-        <a:font script="Bopo" typeface="Microsoft JhengHei"/>
-        <a:font script="Java" typeface="Javanese Text"/>
-        <a:font script="Lisu" typeface="Segoe UI"/>
-        <a:font script="Mymr" typeface="Myanmar Text"/>
-        <a:font script="Nkoo" typeface="Ebrima"/>
-        <a:font script="Olck" typeface="Nirmala UI"/>
-        <a:font script="Osma" typeface="Ebrima"/>
-        <a:font script="Phag" typeface="Phagspa"/>
-        <a:font script="Syrn" typeface="Estrangelo Edessa"/>
-        <a:font script="Syrj" typeface="Estrangelo Edessa"/>
-        <a:font script="Syre" typeface="Estrangelo Edessa"/>
-        <a:font script="Sora" typeface="Nirmala UI"/>
-        <a:font script="Tale" typeface="Microsoft Tai Le"/>
-        <a:font script="Talu" typeface="Microsoft New Tai Lue"/>
-        <a:font script="Tfng" typeface="Ebrima"/>
       </a:minorFont>
     </a:fontScheme>
-    <a:fmtScheme name="Office">
+    <a:fmtScheme name="Ion">
       <a:fillStyleLst>
         <a:solidFill>
           <a:schemeClr val="phClr"/>
@@ -3956,23 +7485,15 @@
           <a:gsLst>
             <a:gs pos="0">
               <a:schemeClr val="phClr">
-                <a:lumMod val="110000"/>
-                <a:satMod val="105000"/>
-                <a:tint val="67000"/>
-              </a:schemeClr>
-            </a:gs>
-            <a:gs pos="50000">
-              <a:schemeClr val="phClr">
-                <a:lumMod val="105000"/>
-                <a:satMod val="103000"/>
-                <a:tint val="73000"/>
+                <a:tint val="64000"/>
+                <a:lumMod val="118000"/>
               </a:schemeClr>
             </a:gs>
             <a:gs pos="100000">
               <a:schemeClr val="phClr">
-                <a:lumMod val="105000"/>
-                <a:satMod val="109000"/>
-                <a:tint val="81000"/>
+                <a:tint val="92000"/>
+                <a:alpha val="100000"/>
+                <a:lumMod val="110000"/>
               </a:schemeClr>
             </a:gs>
           </a:gsLst>
@@ -3982,23 +7503,14 @@
           <a:gsLst>
             <a:gs pos="0">
               <a:schemeClr val="phClr">
-                <a:satMod val="103000"/>
-                <a:lumMod val="102000"/>
-                <a:tint val="94000"/>
-              </a:schemeClr>
-            </a:gs>
-            <a:gs pos="50000">
-              <a:schemeClr val="phClr">
-                <a:satMod val="110000"/>
-                <a:lumMod val="100000"/>
-                <a:shade val="100000"/>
+                <a:tint val="98000"/>
+                <a:lumMod val="114000"/>
               </a:schemeClr>
             </a:gs>
             <a:gs pos="100000">
               <a:schemeClr val="phClr">
-                <a:lumMod val="99000"/>
-                <a:satMod val="120000"/>
-                <a:shade val="78000"/>
+                <a:shade val="90000"/>
+                <a:lumMod val="84000"/>
               </a:schemeClr>
             </a:gs>
           </a:gsLst>
@@ -4006,26 +7518,23 @@
         </a:gradFill>
       </a:fillStyleLst>
       <a:lnStyleLst>
-        <a:ln w="6350" cap="flat" cmpd="sng" algn="ctr">
+        <a:ln w="9525" cap="rnd" cmpd="sng" algn="ctr">
           <a:solidFill>
             <a:schemeClr val="phClr"/>
           </a:solidFill>
           <a:prstDash val="solid"/>
-          <a:miter lim="800000"/>
         </a:ln>
-        <a:ln w="12700" cap="flat" cmpd="sng" algn="ctr">
+        <a:ln w="19050" cap="rnd" cmpd="sng" algn="ctr">
           <a:solidFill>
             <a:schemeClr val="phClr"/>
           </a:solidFill>
           <a:prstDash val="solid"/>
-          <a:miter lim="800000"/>
         </a:ln>
-        <a:ln w="19050" cap="flat" cmpd="sng" algn="ctr">
+        <a:ln w="28575" cap="rnd" cmpd="sng" algn="ctr">
           <a:solidFill>
             <a:schemeClr val="phClr"/>
           </a:solidFill>
           <a:prstDash val="solid"/>
-          <a:miter lim="800000"/>
         </a:ln>
       </a:lnStyleLst>
       <a:effectStyleLst>
@@ -4033,55 +7542,80 @@
           <a:effectLst/>
         </a:effectStyle>
         <a:effectStyle>
-          <a:effectLst/>
+          <a:effectLst>
+            <a:outerShdw blurRad="38100" dist="25400" dir="5400000" rotWithShape="0">
+              <a:srgbClr val="000000">
+                <a:alpha val="45000"/>
+              </a:srgbClr>
+            </a:outerShdw>
+          </a:effectLst>
         </a:effectStyle>
         <a:effectStyle>
           <a:effectLst>
-            <a:outerShdw blurRad="57150" dist="19050" dir="5400000" algn="ctr" rotWithShape="0">
+            <a:outerShdw blurRad="63500" dist="38100" dir="5400000" rotWithShape="0">
               <a:srgbClr val="000000">
-                <a:alpha val="63000"/>
+                <a:alpha val="60000"/>
               </a:srgbClr>
             </a:outerShdw>
           </a:effectLst>
+          <a:scene3d>
+            <a:camera prst="orthographicFront">
+              <a:rot lat="0" lon="0" rev="0"/>
+            </a:camera>
+            <a:lightRig rig="threePt" dir="tl"/>
+          </a:scene3d>
+          <a:sp3d prstMaterial="plastic">
+            <a:bevelT w="0" h="0"/>
+          </a:sp3d>
         </a:effectStyle>
       </a:effectStyleLst>
       <a:bgFillStyleLst>
         <a:solidFill>
           <a:schemeClr val="phClr"/>
         </a:solidFill>
-        <a:solidFill>
-          <a:schemeClr val="phClr">
-            <a:tint val="95000"/>
-            <a:satMod val="170000"/>
-          </a:schemeClr>
-        </a:solidFill>
         <a:gradFill rotWithShape="1">
           <a:gsLst>
             <a:gs pos="0">
               <a:schemeClr val="phClr">
-                <a:tint val="93000"/>
-                <a:satMod val="150000"/>
-                <a:shade val="98000"/>
-                <a:lumMod val="102000"/>
-              </a:schemeClr>
-            </a:gs>
-            <a:gs pos="50000">
-              <a:schemeClr val="phClr">
-                <a:tint val="98000"/>
+                <a:tint val="97000"/>
+                <a:hueMod val="88000"/>
                 <a:satMod val="130000"/>
-                <a:shade val="90000"/>
-                <a:lumMod val="103000"/>
+                <a:lumMod val="124000"/>
               </a:schemeClr>
             </a:gs>
             <a:gs pos="100000">
               <a:schemeClr val="phClr">
-                <a:shade val="63000"/>
-                <a:satMod val="120000"/>
+                <a:tint val="96000"/>
+                <a:shade val="88000"/>
+                <a:hueMod val="108000"/>
+                <a:satMod val="164000"/>
+                <a:lumMod val="76000"/>
               </a:schemeClr>
             </a:gs>
           </a:gsLst>
-          <a:lin ang="5400000" scaled="0"/>
+          <a:path path="circle">
+            <a:fillToRect l="45000" t="65000" r="125000" b="100000"/>
+          </a:path>
         </a:gradFill>
+        <a:blipFill rotWithShape="1">
+          <a:blip xmlns:r="http://schemas.openxmlformats.org/officeDocument/2006/relationships" r:embed="rId1">
+            <a:duotone>
+              <a:schemeClr val="phClr">
+                <a:shade val="69000"/>
+                <a:hueMod val="108000"/>
+                <a:satMod val="164000"/>
+                <a:lumMod val="74000"/>
+              </a:schemeClr>
+              <a:schemeClr val="phClr">
+                <a:tint val="96000"/>
+                <a:hueMod val="88000"/>
+                <a:satMod val="140000"/>
+                <a:lumMod val="132000"/>
+              </a:schemeClr>
+            </a:duotone>
+          </a:blip>
+          <a:stretch/>
+        </a:blipFill>
       </a:bgFillStyleLst>
     </a:fmtScheme>
   </a:themeElements>
@@ -4089,7 +7623,7 @@
   <a:extraClrSchemeLst/>
   <a:extLst>
     <a:ext uri="{05A4C25C-085E-4340-85A3-A5531E510DB2}">
-      <thm15:themeFamily xmlns:thm15="http://schemas.microsoft.com/office/thememl/2012/main" name="Office Theme" id="{62F939B6-93AF-4DB8-9C6B-D6C7DFDC589F}" vid="{4A3C46E8-61CC-4603-A589-7422A47A8E4A}"/>
+      <thm15:themeFamily xmlns:thm15="http://schemas.microsoft.com/office/thememl/2012/main" name="Ion" id="{B8441ADB-2E43-4AF7-B97A-BD870242C6A8}" vid="{292E63A9-BB86-4E3D-B92A-7223C6510D2E}"/>
     </a:ext>
   </a:extLst>
 </a:theme>
